--- a/Presentation.pptx
+++ b/Presentation.pptx
@@ -115,6 +115,11 @@
       </a:defRPr>
     </a:lvl9pPr>
   </p:defaultTextStyle>
+  <p:extLst>
+    <p:ext uri="{EFAFB233-063F-42B5-8137-9DF3F51BA10A}">
+      <p15:sldGuideLst xmlns:p15="http://schemas.microsoft.com/office/powerpoint/2012/main"/>
+    </p:ext>
+  </p:extLst>
 </p:presentation>
 </file>
 
@@ -4629,9 +4634,6 @@
                     <p:cTn id="3" fill="hold">
                       <p:stCondLst>
                         <p:cond delay="indefinite"/>
-                        <p:cond evt="onBegin" delay="0">
-                          <p:tn val="2"/>
-                        </p:cond>
                       </p:stCondLst>
                       <p:childTnLst>
                         <p:par>
@@ -4641,7 +4643,7 @@
                             </p:stCondLst>
                             <p:childTnLst>
                               <p:par>
-                                <p:cTn id="5" presetID="1" presetClass="entr" presetSubtype="0" fill="hold" nodeType="withEffect">
+                                <p:cTn id="5" presetID="1" presetClass="entr" presetSubtype="0" fill="hold" nodeType="clickEffect">
                                   <p:stCondLst>
                                     <p:cond delay="0"/>
                                   </p:stCondLst>
@@ -4649,6 +4651,42 @@
                                     <p:set>
                                       <p:cBhvr>
                                         <p:cTn id="6" dur="1" fill="hold">
+                                          <p:stCondLst>
+                                            <p:cond delay="0"/>
+                                          </p:stCondLst>
+                                        </p:cTn>
+                                        <p:tgtEl>
+                                          <p:spTgt spid="8194"/>
+                                        </p:tgtEl>
+                                        <p:attrNameLst>
+                                          <p:attrName>style.visibility</p:attrName>
+                                        </p:attrNameLst>
+                                      </p:cBhvr>
+                                      <p:to>
+                                        <p:strVal val="visible"/>
+                                      </p:to>
+                                    </p:set>
+                                  </p:childTnLst>
+                                </p:cTn>
+                              </p:par>
+                            </p:childTnLst>
+                          </p:cTn>
+                        </p:par>
+                        <p:par>
+                          <p:cTn id="7" fill="hold">
+                            <p:stCondLst>
+                              <p:cond delay="0"/>
+                            </p:stCondLst>
+                            <p:childTnLst>
+                              <p:par>
+                                <p:cTn id="8" presetID="1" presetClass="entr" presetSubtype="0" fill="hold" nodeType="afterEffect">
+                                  <p:stCondLst>
+                                    <p:cond delay="0"/>
+                                  </p:stCondLst>
+                                  <p:childTnLst>
+                                    <p:set>
+                                      <p:cBhvr>
+                                        <p:cTn id="9" dur="1" fill="hold">
                                           <p:stCondLst>
                                             <p:cond delay="0"/>
                                           </p:stCondLst>
@@ -4671,15 +4709,24 @@
                                   </p:childTnLst>
                                 </p:cTn>
                               </p:par>
+                            </p:childTnLst>
+                          </p:cTn>
+                        </p:par>
+                        <p:par>
+                          <p:cTn id="10" fill="hold">
+                            <p:stCondLst>
+                              <p:cond delay="0"/>
+                            </p:stCondLst>
+                            <p:childTnLst>
                               <p:par>
-                                <p:cTn id="7" presetID="1" presetClass="entr" presetSubtype="0" fill="hold" nodeType="withEffect">
+                                <p:cTn id="11" presetID="1" presetClass="entr" presetSubtype="0" fill="hold" nodeType="afterEffect">
                                   <p:stCondLst>
                                     <p:cond delay="0"/>
                                   </p:stCondLst>
                                   <p:childTnLst>
                                     <p:set>
                                       <p:cBhvr>
-                                        <p:cTn id="8" dur="1" fill="hold">
+                                        <p:cTn id="12" dur="1" fill="hold">
                                           <p:stCondLst>
                                             <p:cond delay="0"/>
                                           </p:stCondLst>
@@ -7743,7 +7790,7 @@
         </p:nvGrpSpPr>
         <p:grpSpPr>
           <a:xfrm>
-            <a:off x="7924800" y="3288700"/>
+            <a:off x="7915836" y="4203266"/>
             <a:ext cx="1682407" cy="412376"/>
             <a:chOff x="7924800" y="3288700"/>
             <a:chExt cx="1682407" cy="412376"/>
@@ -7824,38 +7871,8 @@
                     </a:prstClr>
                   </a:solidFill>
                 </a:rPr>
-                <a:t>More </a:t>
+                <a:t>More kids?</a:t>
               </a:r>
-              <a:r>
-                <a:rPr lang="fr-FR" dirty="0">
-                  <a:solidFill>
-                    <a:prstClr val="black">
-                      <a:lumMod val="75000"/>
-                      <a:lumOff val="25000"/>
-                    </a:prstClr>
-                  </a:solidFill>
-                </a:rPr>
-                <a:t>kids</a:t>
-              </a:r>
-              <a:r>
-                <a:rPr lang="fr-FR" dirty="0">
-                  <a:solidFill>
-                    <a:prstClr val="black">
-                      <a:lumMod val="75000"/>
-                      <a:lumOff val="25000"/>
-                    </a:prstClr>
-                  </a:solidFill>
-                </a:rPr>
-                <a:t>?</a:t>
-              </a:r>
-              <a:endParaRPr lang="fr-FR" dirty="0">
-                <a:solidFill>
-                  <a:prstClr val="black">
-                    <a:lumMod val="75000"/>
-                    <a:lumOff val="25000"/>
-                  </a:prstClr>
-                </a:solidFill>
-              </a:endParaRPr>
             </a:p>
           </p:txBody>
         </p:sp>

--- a/Presentation.pptx
+++ b/Presentation.pptx
@@ -5,18 +5,21 @@
     <p:sldMasterId id="2147483708" r:id="rId1"/>
   </p:sldMasterIdLst>
   <p:notesMasterIdLst>
-    <p:notesMasterId r:id="rId11"/>
+    <p:notesMasterId r:id="rId14"/>
   </p:notesMasterIdLst>
   <p:sldIdLst>
     <p:sldId id="256" r:id="rId2"/>
     <p:sldId id="269" r:id="rId3"/>
-    <p:sldId id="260" r:id="rId4"/>
-    <p:sldId id="261" r:id="rId5"/>
-    <p:sldId id="258" r:id="rId6"/>
-    <p:sldId id="265" r:id="rId7"/>
-    <p:sldId id="259" r:id="rId8"/>
-    <p:sldId id="264" r:id="rId9"/>
-    <p:sldId id="268" r:id="rId10"/>
+    <p:sldId id="270" r:id="rId4"/>
+    <p:sldId id="260" r:id="rId5"/>
+    <p:sldId id="261" r:id="rId6"/>
+    <p:sldId id="258" r:id="rId7"/>
+    <p:sldId id="265" r:id="rId8"/>
+    <p:sldId id="259" r:id="rId9"/>
+    <p:sldId id="264" r:id="rId10"/>
+    <p:sldId id="268" r:id="rId11"/>
+    <p:sldId id="271" r:id="rId12"/>
+    <p:sldId id="272" r:id="rId13"/>
   </p:sldIdLst>
   <p:sldSz cx="12192000" cy="6858000"/>
   <p:notesSz cx="6858000" cy="9144000"/>
@@ -205,7 +208,7 @@
           <a:p>
             <a:fld id="{68222499-9E12-430D-9151-E1EEAFE045FA}" type="datetimeFigureOut">
               <a:rPr lang="fr-FR" smtClean="0"/>
-              <a:t>10/05/2023</a:t>
+              <a:t>11/05/2023</a:t>
             </a:fld>
             <a:endParaRPr lang="fr-FR"/>
           </a:p>
@@ -538,7 +541,7 @@
           <a:p>
             <a:fld id="{0D930B03-6415-4F82-9186-7278F9AF6A95}" type="slidenum">
               <a:rPr lang="fr-FR" smtClean="0"/>
-              <a:t>9</a:t>
+              <a:t>10</a:t>
             </a:fld>
             <a:endParaRPr lang="fr-FR"/>
           </a:p>
@@ -548,6 +551,90 @@
     <p:extLst>
       <p:ext uri="{BB962C8B-B14F-4D97-AF65-F5344CB8AC3E}">
         <p14:creationId xmlns:p14="http://schemas.microsoft.com/office/powerpoint/2010/main" val="3573708968"/>
+      </p:ext>
+    </p:extLst>
+  </p:cSld>
+  <p:clrMapOvr>
+    <a:masterClrMapping/>
+  </p:clrMapOvr>
+</p:notes>
+</file>
+
+<file path=ppt/notesSlides/notesSlide2.xml><?xml version="1.0" encoding="utf-8"?>
+<p:notes xmlns:a="http://schemas.openxmlformats.org/drawingml/2006/main" xmlns:r="http://schemas.openxmlformats.org/officeDocument/2006/relationships" xmlns:p="http://schemas.openxmlformats.org/presentationml/2006/main">
+  <p:cSld>
+    <p:spTree>
+      <p:nvGrpSpPr>
+        <p:cNvPr id="1" name=""/>
+        <p:cNvGrpSpPr/>
+        <p:nvPr/>
+      </p:nvGrpSpPr>
+      <p:grpSpPr>
+        <a:xfrm>
+          <a:off x="0" y="0"/>
+          <a:ext cx="0" cy="0"/>
+          <a:chOff x="0" y="0"/>
+          <a:chExt cx="0" cy="0"/>
+        </a:xfrm>
+      </p:grpSpPr>
+      <p:sp>
+        <p:nvSpPr>
+          <p:cNvPr id="2" name="Espace réservé de l'image des diapositives 1"/>
+          <p:cNvSpPr>
+            <a:spLocks noGrp="1" noRot="1" noChangeAspect="1"/>
+          </p:cNvSpPr>
+          <p:nvPr>
+            <p:ph type="sldImg"/>
+          </p:nvPr>
+        </p:nvSpPr>
+        <p:spPr/>
+      </p:sp>
+      <p:sp>
+        <p:nvSpPr>
+          <p:cNvPr id="3" name="Espace réservé des commentaires 2"/>
+          <p:cNvSpPr>
+            <a:spLocks noGrp="1"/>
+          </p:cNvSpPr>
+          <p:nvPr>
+            <p:ph type="body" idx="1"/>
+          </p:nvPr>
+        </p:nvSpPr>
+        <p:spPr/>
+        <p:txBody>
+          <a:bodyPr/>
+          <a:lstStyle/>
+          <a:p>
+            <a:endParaRPr lang="fr-FR"/>
+          </a:p>
+        </p:txBody>
+      </p:sp>
+      <p:sp>
+        <p:nvSpPr>
+          <p:cNvPr id="4" name="Espace réservé du numéro de diapositive 3"/>
+          <p:cNvSpPr>
+            <a:spLocks noGrp="1"/>
+          </p:cNvSpPr>
+          <p:nvPr>
+            <p:ph type="sldNum" sz="quarter" idx="10"/>
+          </p:nvPr>
+        </p:nvSpPr>
+        <p:spPr/>
+        <p:txBody>
+          <a:bodyPr/>
+          <a:lstStyle/>
+          <a:p>
+            <a:fld id="{0D930B03-6415-4F82-9186-7278F9AF6A95}" type="slidenum">
+              <a:rPr lang="fr-FR" smtClean="0"/>
+              <a:t>11</a:t>
+            </a:fld>
+            <a:endParaRPr lang="fr-FR"/>
+          </a:p>
+        </p:txBody>
+      </p:sp>
+    </p:spTree>
+    <p:extLst>
+      <p:ext uri="{BB962C8B-B14F-4D97-AF65-F5344CB8AC3E}">
+        <p14:creationId xmlns:p14="http://schemas.microsoft.com/office/powerpoint/2010/main" val="256770691"/>
       </p:ext>
     </p:extLst>
   </p:cSld>
@@ -784,7 +871,7 @@
             <a:fld id="{87DE6118-2437-4B30-8E3C-4D2BE6020583}" type="datetimeFigureOut">
               <a:rPr lang="en-US" smtClean="0"/>
               <a:pPr/>
-              <a:t>5/10/2023</a:t>
+              <a:t>5/11/2023</a:t>
             </a:fld>
             <a:endParaRPr lang="en-US" dirty="0"/>
           </a:p>
@@ -993,7 +1080,7 @@
           <a:p>
             <a:fld id="{87DE6118-2437-4B30-8E3C-4D2BE6020583}" type="datetimeFigureOut">
               <a:rPr lang="en-US" smtClean="0"/>
-              <a:t>5/10/2023</a:t>
+              <a:t>5/11/2023</a:t>
             </a:fld>
             <a:endParaRPr lang="en-US" dirty="0"/>
           </a:p>
@@ -1249,7 +1336,7 @@
           <a:p>
             <a:fld id="{87DE6118-2437-4B30-8E3C-4D2BE6020583}" type="datetimeFigureOut">
               <a:rPr lang="en-US" smtClean="0"/>
-              <a:t>5/10/2023</a:t>
+              <a:t>5/11/2023</a:t>
             </a:fld>
             <a:endParaRPr lang="en-US" dirty="0"/>
           </a:p>
@@ -1419,7 +1506,7 @@
           <a:p>
             <a:fld id="{87DE6118-2437-4B30-8E3C-4D2BE6020583}" type="datetimeFigureOut">
               <a:rPr lang="en-US" smtClean="0"/>
-              <a:t>5/10/2023</a:t>
+              <a:t>5/11/2023</a:t>
             </a:fld>
             <a:endParaRPr lang="en-US" dirty="0"/>
           </a:p>
@@ -1763,7 +1850,7 @@
             <a:fld id="{87DE6118-2437-4B30-8E3C-4D2BE6020583}" type="datetimeFigureOut">
               <a:rPr lang="en-US" smtClean="0"/>
               <a:pPr/>
-              <a:t>5/10/2023</a:t>
+              <a:t>5/11/2023</a:t>
             </a:fld>
             <a:endParaRPr lang="en-US" dirty="0"/>
           </a:p>
@@ -2039,7 +2126,7 @@
           <a:p>
             <a:fld id="{87DE6118-2437-4B30-8E3C-4D2BE6020583}" type="datetimeFigureOut">
               <a:rPr lang="en-US" smtClean="0"/>
-              <a:t>5/10/2023</a:t>
+              <a:t>5/11/2023</a:t>
             </a:fld>
             <a:endParaRPr lang="en-US" dirty="0"/>
           </a:p>
@@ -2418,7 +2505,7 @@
           <a:p>
             <a:fld id="{87DE6118-2437-4B30-8E3C-4D2BE6020583}" type="datetimeFigureOut">
               <a:rPr lang="en-US" smtClean="0"/>
-              <a:t>5/10/2023</a:t>
+              <a:t>5/11/2023</a:t>
             </a:fld>
             <a:endParaRPr lang="en-US" dirty="0"/>
           </a:p>
@@ -2536,7 +2623,7 @@
           <a:p>
             <a:fld id="{87DE6118-2437-4B30-8E3C-4D2BE6020583}" type="datetimeFigureOut">
               <a:rPr lang="en-US" smtClean="0"/>
-              <a:t>5/10/2023</a:t>
+              <a:t>5/11/2023</a:t>
             </a:fld>
             <a:endParaRPr lang="en-US" dirty="0"/>
           </a:p>
@@ -2707,7 +2794,7 @@
           <a:p>
             <a:fld id="{87DE6118-2437-4B30-8E3C-4D2BE6020583}" type="datetimeFigureOut">
               <a:rPr lang="en-US" smtClean="0"/>
-              <a:t>5/10/2023</a:t>
+              <a:t>5/11/2023</a:t>
             </a:fld>
             <a:endParaRPr lang="en-US" dirty="0"/>
           </a:p>
@@ -3062,7 +3149,7 @@
             <a:fld id="{87DE6118-2437-4B30-8E3C-4D2BE6020583}" type="datetimeFigureOut">
               <a:rPr lang="en-US" smtClean="0"/>
               <a:pPr/>
-              <a:t>5/10/2023</a:t>
+              <a:t>5/11/2023</a:t>
             </a:fld>
             <a:endParaRPr lang="en-US" dirty="0"/>
           </a:p>
@@ -3441,7 +3528,7 @@
             <a:fld id="{87DE6118-2437-4B30-8E3C-4D2BE6020583}" type="datetimeFigureOut">
               <a:rPr lang="en-US" smtClean="0"/>
               <a:pPr/>
-              <a:t>5/10/2023</a:t>
+              <a:t>5/11/2023</a:t>
             </a:fld>
             <a:endParaRPr lang="en-US" dirty="0"/>
           </a:p>
@@ -3730,7 +3817,7 @@
             <a:fld id="{87DE6118-2437-4B30-8E3C-4D2BE6020583}" type="datetimeFigureOut">
               <a:rPr lang="en-US" smtClean="0"/>
               <a:pPr/>
-              <a:t>5/10/2023</a:t>
+              <a:t>5/11/2023</a:t>
             </a:fld>
             <a:endParaRPr lang="en-US" dirty="0"/>
           </a:p>
@@ -4355,2977 +4442,7 @@
 </p:sld>
 </file>
 
-<file path=ppt/slides/slide2.xml><?xml version="1.0" encoding="utf-8"?>
-<p:sld xmlns:a="http://schemas.openxmlformats.org/drawingml/2006/main" xmlns:r="http://schemas.openxmlformats.org/officeDocument/2006/relationships" xmlns:p="http://schemas.openxmlformats.org/presentationml/2006/main">
-  <p:cSld>
-    <p:spTree>
-      <p:nvGrpSpPr>
-        <p:cNvPr id="1" name=""/>
-        <p:cNvGrpSpPr/>
-        <p:nvPr/>
-      </p:nvGrpSpPr>
-      <p:grpSpPr>
-        <a:xfrm>
-          <a:off x="0" y="0"/>
-          <a:ext cx="0" cy="0"/>
-          <a:chOff x="0" y="0"/>
-          <a:chExt cx="0" cy="0"/>
-        </a:xfrm>
-      </p:grpSpPr>
-      <p:sp>
-        <p:nvSpPr>
-          <p:cNvPr id="2" name="Titre 1"/>
-          <p:cNvSpPr>
-            <a:spLocks noGrp="1"/>
-          </p:cNvSpPr>
-          <p:nvPr>
-            <p:ph type="title"/>
-          </p:nvPr>
-        </p:nvSpPr>
-        <p:spPr/>
-        <p:txBody>
-          <a:bodyPr/>
-          <a:lstStyle/>
-          <a:p>
-            <a:r>
-              <a:rPr lang="fr-FR" dirty="0" smtClean="0"/>
-              <a:t>Introduction</a:t>
-            </a:r>
-            <a:endParaRPr lang="fr-FR" dirty="0"/>
-          </a:p>
-        </p:txBody>
-      </p:sp>
-      <p:sp>
-        <p:nvSpPr>
-          <p:cNvPr id="3" name="Espace réservé du contenu 2"/>
-          <p:cNvSpPr>
-            <a:spLocks noGrp="1"/>
-          </p:cNvSpPr>
-          <p:nvPr>
-            <p:ph idx="1"/>
-          </p:nvPr>
-        </p:nvSpPr>
-        <p:spPr/>
-        <p:txBody>
-          <a:bodyPr/>
-          <a:lstStyle/>
-          <a:p>
-            <a:r>
-              <a:rPr lang="en-US" i="1" dirty="0"/>
-              <a:t>"Cinema is a </a:t>
-            </a:r>
-            <a:r>
-              <a:rPr lang="en-US" i="1" dirty="0" smtClean="0"/>
-              <a:t>matter </a:t>
-            </a:r>
-            <a:r>
-              <a:rPr lang="en-US" i="1" dirty="0"/>
-              <a:t>of what's in the frame and </a:t>
-            </a:r>
-            <a:r>
-              <a:rPr lang="en-US" i="1" dirty="0" smtClean="0"/>
-              <a:t>what's </a:t>
-            </a:r>
-            <a:r>
-              <a:rPr lang="en-US" i="1" dirty="0"/>
-              <a:t>out</a:t>
-            </a:r>
-            <a:r>
-              <a:rPr lang="en-US" i="1" dirty="0" smtClean="0"/>
-              <a:t>.“</a:t>
-            </a:r>
-          </a:p>
-          <a:p>
-            <a:pPr algn="r"/>
-            <a:r>
-              <a:rPr lang="en-US" i="1" dirty="0" smtClean="0"/>
-              <a:t>Martin </a:t>
-            </a:r>
-            <a:r>
-              <a:rPr lang="en-US" i="1" dirty="0" err="1" smtClean="0"/>
-              <a:t>Scorcese</a:t>
-            </a:r>
-            <a:endParaRPr lang="en-US" i="1" dirty="0" smtClean="0"/>
-          </a:p>
-          <a:p>
-            <a:pPr algn="r"/>
-            <a:endParaRPr lang="en-US" i="1" dirty="0"/>
-          </a:p>
-          <a:p>
-            <a:pPr algn="r"/>
-            <a:endParaRPr lang="en-US" i="1" dirty="0" smtClean="0"/>
-          </a:p>
-          <a:p>
-            <a:pPr algn="r"/>
-            <a:endParaRPr lang="en-US" i="1" dirty="0"/>
-          </a:p>
-          <a:p>
-            <a:pPr algn="r"/>
-            <a:endParaRPr lang="en-US" i="1" dirty="0" smtClean="0"/>
-          </a:p>
-          <a:p>
-            <a:pPr algn="r"/>
-            <a:endParaRPr lang="en-US" i="1" dirty="0"/>
-          </a:p>
-          <a:p>
-            <a:pPr algn="r"/>
-            <a:r>
-              <a:rPr lang="en-US" i="1" dirty="0" smtClean="0"/>
-              <a:t>“</a:t>
-            </a:r>
-            <a:r>
-              <a:rPr lang="fr-FR" i="1" dirty="0"/>
-              <a:t>Le cinéma c'est de l'art de faire faire de jolies choses à de jolies femmes</a:t>
-            </a:r>
-            <a:r>
-              <a:rPr lang="fr-FR" i="1" dirty="0" smtClean="0"/>
-              <a:t>.</a:t>
-            </a:r>
-            <a:r>
-              <a:rPr lang="en-US" i="1" dirty="0" smtClean="0"/>
-              <a:t>”</a:t>
-            </a:r>
-          </a:p>
-          <a:p>
-            <a:r>
-              <a:rPr lang="en-US" i="1" dirty="0" smtClean="0"/>
-              <a:t>François Truffaut</a:t>
-            </a:r>
-            <a:endParaRPr lang="fr-FR" i="1" dirty="0"/>
-          </a:p>
-        </p:txBody>
-      </p:sp>
-      <p:sp>
-        <p:nvSpPr>
-          <p:cNvPr id="4" name="Espace réservé du texte 3"/>
-          <p:cNvSpPr>
-            <a:spLocks noGrp="1"/>
-          </p:cNvSpPr>
-          <p:nvPr>
-            <p:ph type="body" sz="half" idx="2"/>
-          </p:nvPr>
-        </p:nvSpPr>
-        <p:spPr/>
-        <p:txBody>
-          <a:bodyPr/>
-          <a:lstStyle/>
-          <a:p>
-            <a:pPr lvl="0">
-              <a:buClr>
-                <a:srgbClr val="D34817"/>
-              </a:buClr>
-            </a:pPr>
-            <a:r>
-              <a:rPr lang="en-GB" sz="2000" i="1" cap="all" spc="200" dirty="0">
-                <a:solidFill>
-                  <a:srgbClr val="696464"/>
-                </a:solidFill>
-                <a:latin typeface="Calibri Light" panose="020F0302020204030204"/>
-              </a:rPr>
-              <a:t>A data analysis from 1980 to 2020 in French cinemas</a:t>
-            </a:r>
-          </a:p>
-          <a:p>
-            <a:endParaRPr lang="fr-FR" dirty="0"/>
-          </a:p>
-        </p:txBody>
-      </p:sp>
-      <p:pic>
-        <p:nvPicPr>
-          <p:cNvPr id="2050" name="Picture 2" descr="Martin Scorsese | Biography, Films, &amp; Facts | Britannica"/>
-          <p:cNvPicPr>
-            <a:picLocks noChangeAspect="1" noChangeArrowheads="1"/>
-          </p:cNvPicPr>
-          <p:nvPr/>
-        </p:nvPicPr>
-        <p:blipFill>
-          <a:blip r:embed="rId2">
-            <a:extLst>
-              <a:ext uri="{28A0092B-C50C-407E-A947-70E740481C1C}">
-                <a14:useLocalDpi xmlns:a14="http://schemas.microsoft.com/office/drawing/2010/main" val="0"/>
-              </a:ext>
-            </a:extLst>
-          </a:blip>
-          <a:srcRect/>
-          <a:stretch>
-            <a:fillRect/>
-          </a:stretch>
-        </p:blipFill>
-        <p:spPr bwMode="auto">
-          <a:xfrm>
-            <a:off x="5417858" y="1245421"/>
-            <a:ext cx="2731060" cy="2048295"/>
-          </a:xfrm>
-          <a:prstGeom prst="rect">
-            <a:avLst/>
-          </a:prstGeom>
-          <a:noFill/>
-          <a:extLst>
-            <a:ext uri="{909E8E84-426E-40DD-AFC4-6F175D3DCCD1}">
-              <a14:hiddenFill xmlns:a14="http://schemas.microsoft.com/office/drawing/2010/main">
-                <a:solidFill>
-                  <a:srgbClr val="FFFFFF"/>
-                </a:solidFill>
-              </a14:hiddenFill>
-            </a:ext>
-          </a:extLst>
-        </p:spPr>
-      </p:pic>
-      <p:pic>
-        <p:nvPicPr>
-          <p:cNvPr id="8194" name="Picture 2" descr="QUIZ - Connaissez-vous François Truffaut et sa filmographie ?"/>
-          <p:cNvPicPr>
-            <a:picLocks noChangeAspect="1" noChangeArrowheads="1"/>
-          </p:cNvPicPr>
-          <p:nvPr/>
-        </p:nvPicPr>
-        <p:blipFill>
-          <a:blip r:embed="rId3">
-            <a:extLst>
-              <a:ext uri="{28A0092B-C50C-407E-A947-70E740481C1C}">
-                <a14:useLocalDpi xmlns:a14="http://schemas.microsoft.com/office/drawing/2010/main" val="0"/>
-              </a:ext>
-            </a:extLst>
-          </a:blip>
-          <a:srcRect/>
-          <a:stretch>
-            <a:fillRect/>
-          </a:stretch>
-        </p:blipFill>
-        <p:spPr bwMode="auto">
-          <a:xfrm>
-            <a:off x="7960658" y="4615642"/>
-            <a:ext cx="3042397" cy="1710037"/>
-          </a:xfrm>
-          <a:prstGeom prst="rect">
-            <a:avLst/>
-          </a:prstGeom>
-          <a:noFill/>
-          <a:extLst>
-            <a:ext uri="{909E8E84-426E-40DD-AFC4-6F175D3DCCD1}">
-              <a14:hiddenFill xmlns:a14="http://schemas.microsoft.com/office/drawing/2010/main">
-                <a:solidFill>
-                  <a:srgbClr val="FFFFFF"/>
-                </a:solidFill>
-              </a14:hiddenFill>
-            </a:ext>
-          </a:extLst>
-        </p:spPr>
-      </p:pic>
-    </p:spTree>
-    <p:extLst>
-      <p:ext uri="{BB962C8B-B14F-4D97-AF65-F5344CB8AC3E}">
-        <p14:creationId xmlns:p14="http://schemas.microsoft.com/office/powerpoint/2010/main" val="2248745612"/>
-      </p:ext>
-    </p:extLst>
-  </p:cSld>
-  <p:clrMapOvr>
-    <a:masterClrMapping/>
-  </p:clrMapOvr>
-  <p:timing>
-    <p:tnLst>
-      <p:par>
-        <p:cTn id="1" dur="indefinite" restart="never" nodeType="tmRoot">
-          <p:childTnLst>
-            <p:seq concurrent="1" nextAc="seek">
-              <p:cTn id="2" dur="indefinite" nodeType="mainSeq">
-                <p:childTnLst>
-                  <p:par>
-                    <p:cTn id="3" fill="hold">
-                      <p:stCondLst>
-                        <p:cond delay="indefinite"/>
-                      </p:stCondLst>
-                      <p:childTnLst>
-                        <p:par>
-                          <p:cTn id="4" fill="hold">
-                            <p:stCondLst>
-                              <p:cond delay="0"/>
-                            </p:stCondLst>
-                            <p:childTnLst>
-                              <p:par>
-                                <p:cTn id="5" presetID="1" presetClass="entr" presetSubtype="0" fill="hold" nodeType="clickEffect">
-                                  <p:stCondLst>
-                                    <p:cond delay="0"/>
-                                  </p:stCondLst>
-                                  <p:childTnLst>
-                                    <p:set>
-                                      <p:cBhvr>
-                                        <p:cTn id="6" dur="1" fill="hold">
-                                          <p:stCondLst>
-                                            <p:cond delay="0"/>
-                                          </p:stCondLst>
-                                        </p:cTn>
-                                        <p:tgtEl>
-                                          <p:spTgt spid="8194"/>
-                                        </p:tgtEl>
-                                        <p:attrNameLst>
-                                          <p:attrName>style.visibility</p:attrName>
-                                        </p:attrNameLst>
-                                      </p:cBhvr>
-                                      <p:to>
-                                        <p:strVal val="visible"/>
-                                      </p:to>
-                                    </p:set>
-                                  </p:childTnLst>
-                                </p:cTn>
-                              </p:par>
-                            </p:childTnLst>
-                          </p:cTn>
-                        </p:par>
-                        <p:par>
-                          <p:cTn id="7" fill="hold">
-                            <p:stCondLst>
-                              <p:cond delay="0"/>
-                            </p:stCondLst>
-                            <p:childTnLst>
-                              <p:par>
-                                <p:cTn id="8" presetID="1" presetClass="entr" presetSubtype="0" fill="hold" nodeType="afterEffect">
-                                  <p:stCondLst>
-                                    <p:cond delay="0"/>
-                                  </p:stCondLst>
-                                  <p:childTnLst>
-                                    <p:set>
-                                      <p:cBhvr>
-                                        <p:cTn id="9" dur="1" fill="hold">
-                                          <p:stCondLst>
-                                            <p:cond delay="0"/>
-                                          </p:stCondLst>
-                                        </p:cTn>
-                                        <p:tgtEl>
-                                          <p:spTgt spid="3">
-                                            <p:txEl>
-                                              <p:pRg st="7" end="7"/>
-                                            </p:txEl>
-                                          </p:spTgt>
-                                        </p:tgtEl>
-                                        <p:attrNameLst>
-                                          <p:attrName>style.visibility</p:attrName>
-                                        </p:attrNameLst>
-                                      </p:cBhvr>
-                                      <p:to>
-                                        <p:strVal val="visible"/>
-                                      </p:to>
-                                    </p:set>
-                                  </p:childTnLst>
-                                </p:cTn>
-                              </p:par>
-                            </p:childTnLst>
-                          </p:cTn>
-                        </p:par>
-                        <p:par>
-                          <p:cTn id="10" fill="hold">
-                            <p:stCondLst>
-                              <p:cond delay="0"/>
-                            </p:stCondLst>
-                            <p:childTnLst>
-                              <p:par>
-                                <p:cTn id="11" presetID="1" presetClass="entr" presetSubtype="0" fill="hold" nodeType="afterEffect">
-                                  <p:stCondLst>
-                                    <p:cond delay="0"/>
-                                  </p:stCondLst>
-                                  <p:childTnLst>
-                                    <p:set>
-                                      <p:cBhvr>
-                                        <p:cTn id="12" dur="1" fill="hold">
-                                          <p:stCondLst>
-                                            <p:cond delay="0"/>
-                                          </p:stCondLst>
-                                        </p:cTn>
-                                        <p:tgtEl>
-                                          <p:spTgt spid="3">
-                                            <p:txEl>
-                                              <p:pRg st="8" end="8"/>
-                                            </p:txEl>
-                                          </p:spTgt>
-                                        </p:tgtEl>
-                                        <p:attrNameLst>
-                                          <p:attrName>style.visibility</p:attrName>
-                                        </p:attrNameLst>
-                                      </p:cBhvr>
-                                      <p:to>
-                                        <p:strVal val="visible"/>
-                                      </p:to>
-                                    </p:set>
-                                  </p:childTnLst>
-                                </p:cTn>
-                              </p:par>
-                            </p:childTnLst>
-                          </p:cTn>
-                        </p:par>
-                      </p:childTnLst>
-                    </p:cTn>
-                  </p:par>
-                </p:childTnLst>
-              </p:cTn>
-              <p:prevCondLst>
-                <p:cond evt="onPrev" delay="0">
-                  <p:tgtEl>
-                    <p:sldTgt/>
-                  </p:tgtEl>
-                </p:cond>
-              </p:prevCondLst>
-              <p:nextCondLst>
-                <p:cond evt="onNext" delay="0">
-                  <p:tgtEl>
-                    <p:sldTgt/>
-                  </p:tgtEl>
-                </p:cond>
-              </p:nextCondLst>
-            </p:seq>
-          </p:childTnLst>
-        </p:cTn>
-      </p:par>
-    </p:tnLst>
-  </p:timing>
-</p:sld>
-</file>
-
-<file path=ppt/slides/slide3.xml><?xml version="1.0" encoding="utf-8"?>
-<p:sld xmlns:a="http://schemas.openxmlformats.org/drawingml/2006/main" xmlns:r="http://schemas.openxmlformats.org/officeDocument/2006/relationships" xmlns:p="http://schemas.openxmlformats.org/presentationml/2006/main">
-  <p:cSld>
-    <p:spTree>
-      <p:nvGrpSpPr>
-        <p:cNvPr id="1" name=""/>
-        <p:cNvGrpSpPr/>
-        <p:nvPr/>
-      </p:nvGrpSpPr>
-      <p:grpSpPr>
-        <a:xfrm>
-          <a:off x="0" y="0"/>
-          <a:ext cx="0" cy="0"/>
-          <a:chOff x="0" y="0"/>
-          <a:chExt cx="0" cy="0"/>
-        </a:xfrm>
-      </p:grpSpPr>
-      <p:sp>
-        <p:nvSpPr>
-          <p:cNvPr id="2" name="Titre 1"/>
-          <p:cNvSpPr>
-            <a:spLocks noGrp="1"/>
-          </p:cNvSpPr>
-          <p:nvPr>
-            <p:ph type="title"/>
-          </p:nvPr>
-        </p:nvSpPr>
-        <p:spPr/>
-        <p:txBody>
-          <a:bodyPr/>
-          <a:lstStyle/>
-          <a:p>
-            <a:r>
-              <a:rPr lang="en-GB" dirty="0" smtClean="0"/>
-              <a:t>1. Audience</a:t>
-            </a:r>
-            <a:endParaRPr lang="en-GB" dirty="0"/>
-          </a:p>
-        </p:txBody>
-      </p:sp>
-      <p:sp>
-        <p:nvSpPr>
-          <p:cNvPr id="3" name="Espace réservé du contenu 2"/>
-          <p:cNvSpPr>
-            <a:spLocks noGrp="1"/>
-          </p:cNvSpPr>
-          <p:nvPr>
-            <p:ph idx="1"/>
-          </p:nvPr>
-        </p:nvSpPr>
-        <p:spPr/>
-        <p:txBody>
-          <a:bodyPr/>
-          <a:lstStyle/>
-          <a:p>
-            <a:pPr>
-              <a:buFont typeface="Arial" panose="020B0604020202020204" pitchFamily="34" charset="0"/>
-              <a:buChar char="•"/>
-            </a:pPr>
-            <a:r>
-              <a:rPr lang="en-GB" dirty="0" smtClean="0"/>
-              <a:t> Annual audience</a:t>
-            </a:r>
-            <a:endParaRPr lang="en-GB" dirty="0"/>
-          </a:p>
-        </p:txBody>
-      </p:sp>
-      <p:pic>
-        <p:nvPicPr>
-          <p:cNvPr id="4" name="Picture 2" descr="File:Gaumont logo.svg - Wikimedia Commons"/>
-          <p:cNvPicPr>
-            <a:picLocks noChangeAspect="1" noChangeArrowheads="1"/>
-          </p:cNvPicPr>
-          <p:nvPr/>
-        </p:nvPicPr>
-        <p:blipFill>
-          <a:blip r:embed="rId2">
-            <a:extLst>
-              <a:ext uri="{28A0092B-C50C-407E-A947-70E740481C1C}">
-                <a14:useLocalDpi xmlns:a14="http://schemas.microsoft.com/office/drawing/2010/main" val="0"/>
-              </a:ext>
-            </a:extLst>
-          </a:blip>
-          <a:srcRect/>
-          <a:stretch>
-            <a:fillRect/>
-          </a:stretch>
-        </p:blipFill>
-        <p:spPr bwMode="auto">
-          <a:xfrm>
-            <a:off x="10354156" y="539886"/>
-            <a:ext cx="1402045" cy="472095"/>
-          </a:xfrm>
-          <a:prstGeom prst="rect">
-            <a:avLst/>
-          </a:prstGeom>
-          <a:noFill/>
-          <a:extLst>
-            <a:ext uri="{909E8E84-426E-40DD-AFC4-6F175D3DCCD1}">
-              <a14:hiddenFill xmlns:a14="http://schemas.microsoft.com/office/drawing/2010/main">
-                <a:solidFill>
-                  <a:srgbClr val="FFFFFF"/>
-                </a:solidFill>
-              </a14:hiddenFill>
-            </a:ext>
-          </a:extLst>
-        </p:spPr>
-      </p:pic>
-      <p:pic>
-        <p:nvPicPr>
-          <p:cNvPr id="5" name="Image 4"/>
-          <p:cNvPicPr>
-            <a:picLocks noChangeAspect="1"/>
-          </p:cNvPicPr>
-          <p:nvPr/>
-        </p:nvPicPr>
-        <p:blipFill>
-          <a:blip r:embed="rId3"/>
-          <a:stretch>
-            <a:fillRect/>
-          </a:stretch>
-        </p:blipFill>
-        <p:spPr>
-          <a:xfrm>
-            <a:off x="2383155" y="2447714"/>
-            <a:ext cx="7486650" cy="2819400"/>
-          </a:xfrm>
-          <a:prstGeom prst="rect">
-            <a:avLst/>
-          </a:prstGeom>
-        </p:spPr>
-      </p:pic>
-      <p:grpSp>
-        <p:nvGrpSpPr>
-          <p:cNvPr id="11" name="Groupe 10"/>
-          <p:cNvGrpSpPr/>
-          <p:nvPr/>
-        </p:nvGrpSpPr>
-        <p:grpSpPr>
-          <a:xfrm>
-            <a:off x="510746" y="5618205"/>
-            <a:ext cx="10214919" cy="543698"/>
-            <a:chOff x="510746" y="5618205"/>
-            <a:chExt cx="10214919" cy="543698"/>
-          </a:xfrm>
-        </p:grpSpPr>
-        <p:sp>
-          <p:nvSpPr>
-            <p:cNvPr id="9" name="Flèche droite rayée 8"/>
-            <p:cNvSpPr/>
-            <p:nvPr/>
-          </p:nvSpPr>
-          <p:spPr>
-            <a:xfrm>
-              <a:off x="510746" y="5618205"/>
-              <a:ext cx="897924" cy="543698"/>
-            </a:xfrm>
-            <a:prstGeom prst="stripedRightArrow">
-              <a:avLst/>
-            </a:prstGeom>
-          </p:spPr>
-          <p:style>
-            <a:lnRef idx="2">
-              <a:schemeClr val="accent1">
-                <a:shade val="50000"/>
-              </a:schemeClr>
-            </a:lnRef>
-            <a:fillRef idx="1">
-              <a:schemeClr val="accent1"/>
-            </a:fillRef>
-            <a:effectRef idx="0">
-              <a:schemeClr val="accent1"/>
-            </a:effectRef>
-            <a:fontRef idx="minor">
-              <a:schemeClr val="lt1"/>
-            </a:fontRef>
-          </p:style>
-          <p:txBody>
-            <a:bodyPr rtlCol="0" anchor="ctr"/>
-            <a:lstStyle/>
-            <a:p>
-              <a:pPr algn="ctr"/>
-              <a:endParaRPr lang="fr-FR"/>
-            </a:p>
-          </p:txBody>
-        </p:sp>
-        <p:sp>
-          <p:nvSpPr>
-            <p:cNvPr id="10" name="ZoneTexte 9"/>
-            <p:cNvSpPr txBox="1"/>
-            <p:nvPr/>
-          </p:nvSpPr>
-          <p:spPr>
-            <a:xfrm>
-              <a:off x="1439149" y="5705388"/>
-              <a:ext cx="9286516" cy="369332"/>
-            </a:xfrm>
-            <a:prstGeom prst="rect">
-              <a:avLst/>
-            </a:prstGeom>
-            <a:noFill/>
-          </p:spPr>
-          <p:txBody>
-            <a:bodyPr wrap="square" rtlCol="0">
-              <a:spAutoFit/>
-            </a:bodyPr>
-            <a:lstStyle/>
-            <a:p>
-              <a:r>
-                <a:rPr lang="en-GB" b="1" dirty="0" smtClean="0"/>
-                <a:t>Conclusion </a:t>
-              </a:r>
-              <a:r>
-                <a:rPr lang="en-GB" dirty="0" smtClean="0"/>
-                <a:t>: since 2010, audience was back at its 1982 peak ( </a:t>
-              </a:r>
-              <a:r>
-                <a:rPr lang="en-GB" dirty="0" smtClean="0">
-                  <a:sym typeface="Symbol" panose="05050102010706020507" pitchFamily="18" charset="2"/>
-                </a:rPr>
-                <a:t> </a:t>
-              </a:r>
-              <a:r>
-                <a:rPr lang="en-GB" dirty="0" smtClean="0"/>
-                <a:t>200 M </a:t>
-              </a:r>
-              <a:r>
-                <a:rPr lang="en-GB" dirty="0" err="1" smtClean="0"/>
-                <a:t>adm</a:t>
-              </a:r>
-              <a:r>
-                <a:rPr lang="en-GB" dirty="0" smtClean="0"/>
-                <a:t>/y) before </a:t>
-              </a:r>
-              <a:r>
-                <a:rPr lang="en-GB" dirty="0" err="1" smtClean="0"/>
-                <a:t>Covid</a:t>
-              </a:r>
-              <a:r>
-                <a:rPr lang="en-GB" dirty="0" smtClean="0"/>
-                <a:t> crisis </a:t>
-              </a:r>
-              <a:endParaRPr lang="en-GB" dirty="0"/>
-            </a:p>
-          </p:txBody>
-        </p:sp>
-      </p:grpSp>
-    </p:spTree>
-    <p:extLst>
-      <p:ext uri="{BB962C8B-B14F-4D97-AF65-F5344CB8AC3E}">
-        <p14:creationId xmlns:p14="http://schemas.microsoft.com/office/powerpoint/2010/main" val="1629484662"/>
-      </p:ext>
-    </p:extLst>
-  </p:cSld>
-  <p:clrMapOvr>
-    <a:masterClrMapping/>
-  </p:clrMapOvr>
-  <p:timing>
-    <p:tnLst>
-      <p:par>
-        <p:cTn id="1" dur="indefinite" restart="never" nodeType="tmRoot">
-          <p:childTnLst>
-            <p:seq concurrent="1" nextAc="seek">
-              <p:cTn id="2" dur="indefinite" nodeType="mainSeq">
-                <p:childTnLst>
-                  <p:par>
-                    <p:cTn id="3" fill="hold">
-                      <p:stCondLst>
-                        <p:cond delay="indefinite"/>
-                      </p:stCondLst>
-                      <p:childTnLst>
-                        <p:par>
-                          <p:cTn id="4" fill="hold">
-                            <p:stCondLst>
-                              <p:cond delay="0"/>
-                            </p:stCondLst>
-                            <p:childTnLst>
-                              <p:par>
-                                <p:cTn id="5" presetID="1" presetClass="entr" presetSubtype="0" fill="hold" nodeType="clickEffect">
-                                  <p:stCondLst>
-                                    <p:cond delay="0"/>
-                                  </p:stCondLst>
-                                  <p:childTnLst>
-                                    <p:set>
-                                      <p:cBhvr>
-                                        <p:cTn id="6" dur="1" fill="hold">
-                                          <p:stCondLst>
-                                            <p:cond delay="0"/>
-                                          </p:stCondLst>
-                                        </p:cTn>
-                                        <p:tgtEl>
-                                          <p:spTgt spid="11"/>
-                                        </p:tgtEl>
-                                        <p:attrNameLst>
-                                          <p:attrName>style.visibility</p:attrName>
-                                        </p:attrNameLst>
-                                      </p:cBhvr>
-                                      <p:to>
-                                        <p:strVal val="visible"/>
-                                      </p:to>
-                                    </p:set>
-                                  </p:childTnLst>
-                                </p:cTn>
-                              </p:par>
-                            </p:childTnLst>
-                          </p:cTn>
-                        </p:par>
-                      </p:childTnLst>
-                    </p:cTn>
-                  </p:par>
-                </p:childTnLst>
-              </p:cTn>
-              <p:prevCondLst>
-                <p:cond evt="onPrev" delay="0">
-                  <p:tgtEl>
-                    <p:sldTgt/>
-                  </p:tgtEl>
-                </p:cond>
-              </p:prevCondLst>
-              <p:nextCondLst>
-                <p:cond evt="onNext" delay="0">
-                  <p:tgtEl>
-                    <p:sldTgt/>
-                  </p:tgtEl>
-                </p:cond>
-              </p:nextCondLst>
-            </p:seq>
-          </p:childTnLst>
-        </p:cTn>
-      </p:par>
-    </p:tnLst>
-  </p:timing>
-</p:sld>
-</file>
-
-<file path=ppt/slides/slide4.xml><?xml version="1.0" encoding="utf-8"?>
-<p:sld xmlns:a="http://schemas.openxmlformats.org/drawingml/2006/main" xmlns:r="http://schemas.openxmlformats.org/officeDocument/2006/relationships" xmlns:p="http://schemas.openxmlformats.org/presentationml/2006/main">
-  <p:cSld>
-    <p:spTree>
-      <p:nvGrpSpPr>
-        <p:cNvPr id="1" name=""/>
-        <p:cNvGrpSpPr/>
-        <p:nvPr/>
-      </p:nvGrpSpPr>
-      <p:grpSpPr>
-        <a:xfrm>
-          <a:off x="0" y="0"/>
-          <a:ext cx="0" cy="0"/>
-          <a:chOff x="0" y="0"/>
-          <a:chExt cx="0" cy="0"/>
-        </a:xfrm>
-      </p:grpSpPr>
-      <p:sp>
-        <p:nvSpPr>
-          <p:cNvPr id="2" name="Titre 1"/>
-          <p:cNvSpPr>
-            <a:spLocks noGrp="1"/>
-          </p:cNvSpPr>
-          <p:nvPr>
-            <p:ph type="title"/>
-          </p:nvPr>
-        </p:nvSpPr>
-        <p:spPr/>
-        <p:txBody>
-          <a:bodyPr/>
-          <a:lstStyle/>
-          <a:p>
-            <a:r>
-              <a:rPr lang="en-GB" dirty="0"/>
-              <a:t>2</a:t>
-            </a:r>
-            <a:r>
-              <a:rPr lang="en-GB" dirty="0" smtClean="0"/>
-              <a:t>. Behaviour</a:t>
-            </a:r>
-            <a:endParaRPr lang="en-GB" dirty="0"/>
-          </a:p>
-        </p:txBody>
-      </p:sp>
-      <p:sp>
-        <p:nvSpPr>
-          <p:cNvPr id="3" name="Espace réservé du contenu 2"/>
-          <p:cNvSpPr>
-            <a:spLocks noGrp="1"/>
-          </p:cNvSpPr>
-          <p:nvPr>
-            <p:ph idx="1"/>
-          </p:nvPr>
-        </p:nvSpPr>
-        <p:spPr/>
-        <p:txBody>
-          <a:bodyPr/>
-          <a:lstStyle/>
-          <a:p>
-            <a:pPr>
-              <a:buFont typeface="Arial" panose="020B0604020202020204" pitchFamily="34" charset="0"/>
-              <a:buChar char="•"/>
-            </a:pPr>
-            <a:r>
-              <a:rPr lang="en-GB" dirty="0" smtClean="0"/>
-              <a:t> Monthly audience (1980-2019)</a:t>
-            </a:r>
-            <a:endParaRPr lang="en-GB" dirty="0"/>
-          </a:p>
-        </p:txBody>
-      </p:sp>
-      <p:pic>
-        <p:nvPicPr>
-          <p:cNvPr id="4" name="Picture 2" descr="File:Gaumont logo.svg - Wikimedia Commons"/>
-          <p:cNvPicPr>
-            <a:picLocks noChangeAspect="1" noChangeArrowheads="1"/>
-          </p:cNvPicPr>
-          <p:nvPr/>
-        </p:nvPicPr>
-        <p:blipFill>
-          <a:blip r:embed="rId2">
-            <a:extLst>
-              <a:ext uri="{28A0092B-C50C-407E-A947-70E740481C1C}">
-                <a14:useLocalDpi xmlns:a14="http://schemas.microsoft.com/office/drawing/2010/main" val="0"/>
-              </a:ext>
-            </a:extLst>
-          </a:blip>
-          <a:srcRect/>
-          <a:stretch>
-            <a:fillRect/>
-          </a:stretch>
-        </p:blipFill>
-        <p:spPr bwMode="auto">
-          <a:xfrm>
-            <a:off x="10354156" y="539886"/>
-            <a:ext cx="1402045" cy="472095"/>
-          </a:xfrm>
-          <a:prstGeom prst="rect">
-            <a:avLst/>
-          </a:prstGeom>
-          <a:noFill/>
-          <a:extLst>
-            <a:ext uri="{909E8E84-426E-40DD-AFC4-6F175D3DCCD1}">
-              <a14:hiddenFill xmlns:a14="http://schemas.microsoft.com/office/drawing/2010/main">
-                <a:solidFill>
-                  <a:srgbClr val="FFFFFF"/>
-                </a:solidFill>
-              </a14:hiddenFill>
-            </a:ext>
-          </a:extLst>
-        </p:spPr>
-      </p:pic>
-      <p:grpSp>
-        <p:nvGrpSpPr>
-          <p:cNvPr id="11" name="Groupe 10"/>
-          <p:cNvGrpSpPr/>
-          <p:nvPr/>
-        </p:nvGrpSpPr>
-        <p:grpSpPr>
-          <a:xfrm>
-            <a:off x="271848" y="5523338"/>
-            <a:ext cx="11709263" cy="733514"/>
-            <a:chOff x="510746" y="5618205"/>
-            <a:chExt cx="11709263" cy="733514"/>
-          </a:xfrm>
-        </p:grpSpPr>
-        <p:sp>
-          <p:nvSpPr>
-            <p:cNvPr id="9" name="Flèche droite rayée 8"/>
-            <p:cNvSpPr/>
-            <p:nvPr/>
-          </p:nvSpPr>
-          <p:spPr>
-            <a:xfrm>
-              <a:off x="510746" y="5618205"/>
-              <a:ext cx="897924" cy="543698"/>
-            </a:xfrm>
-            <a:prstGeom prst="stripedRightArrow">
-              <a:avLst/>
-            </a:prstGeom>
-          </p:spPr>
-          <p:style>
-            <a:lnRef idx="2">
-              <a:schemeClr val="accent1">
-                <a:shade val="50000"/>
-              </a:schemeClr>
-            </a:lnRef>
-            <a:fillRef idx="1">
-              <a:schemeClr val="accent1"/>
-            </a:fillRef>
-            <a:effectRef idx="0">
-              <a:schemeClr val="accent1"/>
-            </a:effectRef>
-            <a:fontRef idx="minor">
-              <a:schemeClr val="lt1"/>
-            </a:fontRef>
-          </p:style>
-          <p:txBody>
-            <a:bodyPr rtlCol="0" anchor="ctr"/>
-            <a:lstStyle/>
-            <a:p>
-              <a:pPr algn="ctr"/>
-              <a:endParaRPr lang="fr-FR"/>
-            </a:p>
-          </p:txBody>
-        </p:sp>
-        <p:sp>
-          <p:nvSpPr>
-            <p:cNvPr id="10" name="ZoneTexte 9"/>
-            <p:cNvSpPr txBox="1"/>
-            <p:nvPr/>
-          </p:nvSpPr>
-          <p:spPr>
-            <a:xfrm>
-              <a:off x="1439148" y="5705388"/>
-              <a:ext cx="10780861" cy="646331"/>
-            </a:xfrm>
-            <a:prstGeom prst="rect">
-              <a:avLst/>
-            </a:prstGeom>
-            <a:noFill/>
-          </p:spPr>
-          <p:txBody>
-            <a:bodyPr wrap="square" rtlCol="0">
-              <a:spAutoFit/>
-            </a:bodyPr>
-            <a:lstStyle/>
-            <a:p>
-              <a:r>
-                <a:rPr lang="en-GB" b="1" dirty="0" smtClean="0"/>
-                <a:t>Conclusion </a:t>
-              </a:r>
-              <a:r>
-                <a:rPr lang="en-GB" dirty="0" smtClean="0"/>
-                <a:t>:  February, March, April, October, November, December seem to be the top months</a:t>
-              </a:r>
-              <a:endParaRPr lang="en-GB" b="1" dirty="0" smtClean="0">
-                <a:solidFill>
-                  <a:srgbClr val="FF0000"/>
-                </a:solidFill>
-              </a:endParaRPr>
-            </a:p>
-            <a:p>
-              <a:r>
-                <a:rPr lang="en-GB" dirty="0" smtClean="0"/>
-                <a:t>                       </a:t>
-              </a:r>
-              <a:endParaRPr lang="en-GB" dirty="0"/>
-            </a:p>
-          </p:txBody>
-        </p:sp>
-      </p:grpSp>
-      <p:pic>
-        <p:nvPicPr>
-          <p:cNvPr id="5" name="Image 4"/>
-          <p:cNvPicPr>
-            <a:picLocks noChangeAspect="1"/>
-          </p:cNvPicPr>
-          <p:nvPr/>
-        </p:nvPicPr>
-        <p:blipFill>
-          <a:blip r:embed="rId3"/>
-          <a:stretch>
-            <a:fillRect/>
-          </a:stretch>
-        </p:blipFill>
-        <p:spPr>
-          <a:xfrm>
-            <a:off x="1370502" y="2171632"/>
-            <a:ext cx="9116265" cy="3330515"/>
-          </a:xfrm>
-          <a:prstGeom prst="rect">
-            <a:avLst/>
-          </a:prstGeom>
-        </p:spPr>
-      </p:pic>
-    </p:spTree>
-    <p:extLst>
-      <p:ext uri="{BB962C8B-B14F-4D97-AF65-F5344CB8AC3E}">
-        <p14:creationId xmlns:p14="http://schemas.microsoft.com/office/powerpoint/2010/main" val="1637601462"/>
-      </p:ext>
-    </p:extLst>
-  </p:cSld>
-  <p:clrMapOvr>
-    <a:masterClrMapping/>
-  </p:clrMapOvr>
-  <p:timing>
-    <p:tnLst>
-      <p:par>
-        <p:cTn id="1" dur="indefinite" restart="never" nodeType="tmRoot">
-          <p:childTnLst>
-            <p:seq concurrent="1" nextAc="seek">
-              <p:cTn id="2" dur="indefinite" nodeType="mainSeq">
-                <p:childTnLst>
-                  <p:par>
-                    <p:cTn id="3" fill="hold">
-                      <p:stCondLst>
-                        <p:cond delay="indefinite"/>
-                      </p:stCondLst>
-                      <p:childTnLst>
-                        <p:par>
-                          <p:cTn id="4" fill="hold">
-                            <p:stCondLst>
-                              <p:cond delay="0"/>
-                            </p:stCondLst>
-                            <p:childTnLst>
-                              <p:par>
-                                <p:cTn id="5" presetID="1" presetClass="entr" presetSubtype="0" fill="hold" nodeType="clickEffect">
-                                  <p:stCondLst>
-                                    <p:cond delay="0"/>
-                                  </p:stCondLst>
-                                  <p:childTnLst>
-                                    <p:set>
-                                      <p:cBhvr>
-                                        <p:cTn id="6" dur="1" fill="hold">
-                                          <p:stCondLst>
-                                            <p:cond delay="0"/>
-                                          </p:stCondLst>
-                                        </p:cTn>
-                                        <p:tgtEl>
-                                          <p:spTgt spid="11"/>
-                                        </p:tgtEl>
-                                        <p:attrNameLst>
-                                          <p:attrName>style.visibility</p:attrName>
-                                        </p:attrNameLst>
-                                      </p:cBhvr>
-                                      <p:to>
-                                        <p:strVal val="visible"/>
-                                      </p:to>
-                                    </p:set>
-                                  </p:childTnLst>
-                                </p:cTn>
-                              </p:par>
-                            </p:childTnLst>
-                          </p:cTn>
-                        </p:par>
-                      </p:childTnLst>
-                    </p:cTn>
-                  </p:par>
-                </p:childTnLst>
-              </p:cTn>
-              <p:prevCondLst>
-                <p:cond evt="onPrev" delay="0">
-                  <p:tgtEl>
-                    <p:sldTgt/>
-                  </p:tgtEl>
-                </p:cond>
-              </p:prevCondLst>
-              <p:nextCondLst>
-                <p:cond evt="onNext" delay="0">
-                  <p:tgtEl>
-                    <p:sldTgt/>
-                  </p:tgtEl>
-                </p:cond>
-              </p:nextCondLst>
-            </p:seq>
-          </p:childTnLst>
-        </p:cTn>
-      </p:par>
-    </p:tnLst>
-  </p:timing>
-</p:sld>
-</file>
-
-<file path=ppt/slides/slide5.xml><?xml version="1.0" encoding="utf-8"?>
-<p:sld xmlns:a="http://schemas.openxmlformats.org/drawingml/2006/main" xmlns:r="http://schemas.openxmlformats.org/officeDocument/2006/relationships" xmlns:p="http://schemas.openxmlformats.org/presentationml/2006/main">
-  <p:cSld>
-    <p:spTree>
-      <p:nvGrpSpPr>
-        <p:cNvPr id="1" name=""/>
-        <p:cNvGrpSpPr/>
-        <p:nvPr/>
-      </p:nvGrpSpPr>
-      <p:grpSpPr>
-        <a:xfrm>
-          <a:off x="0" y="0"/>
-          <a:ext cx="0" cy="0"/>
-          <a:chOff x="0" y="0"/>
-          <a:chExt cx="0" cy="0"/>
-        </a:xfrm>
-      </p:grpSpPr>
-      <p:sp>
-        <p:nvSpPr>
-          <p:cNvPr id="2" name="Titre 1"/>
-          <p:cNvSpPr>
-            <a:spLocks noGrp="1"/>
-          </p:cNvSpPr>
-          <p:nvPr>
-            <p:ph type="title"/>
-          </p:nvPr>
-        </p:nvSpPr>
-        <p:spPr/>
-        <p:txBody>
-          <a:bodyPr/>
-          <a:lstStyle/>
-          <a:p>
-            <a:r>
-              <a:rPr lang="en-GB" dirty="0"/>
-              <a:t>2</a:t>
-            </a:r>
-            <a:r>
-              <a:rPr lang="en-GB" dirty="0" smtClean="0"/>
-              <a:t>. Behaviour</a:t>
-            </a:r>
-            <a:endParaRPr lang="en-GB" dirty="0"/>
-          </a:p>
-        </p:txBody>
-      </p:sp>
-      <p:sp>
-        <p:nvSpPr>
-          <p:cNvPr id="3" name="Espace réservé du contenu 2"/>
-          <p:cNvSpPr>
-            <a:spLocks noGrp="1"/>
-          </p:cNvSpPr>
-          <p:nvPr>
-            <p:ph idx="1"/>
-          </p:nvPr>
-        </p:nvSpPr>
-        <p:spPr/>
-        <p:txBody>
-          <a:bodyPr/>
-          <a:lstStyle/>
-          <a:p>
-            <a:pPr>
-              <a:buFont typeface="Arial" panose="020B0604020202020204" pitchFamily="34" charset="0"/>
-              <a:buChar char="•"/>
-            </a:pPr>
-            <a:r>
-              <a:rPr lang="en-GB" dirty="0" smtClean="0"/>
-              <a:t> Monthly audience</a:t>
-            </a:r>
-            <a:endParaRPr lang="en-GB" dirty="0"/>
-          </a:p>
-        </p:txBody>
-      </p:sp>
-      <p:pic>
-        <p:nvPicPr>
-          <p:cNvPr id="4" name="Picture 2" descr="File:Gaumont logo.svg - Wikimedia Commons"/>
-          <p:cNvPicPr>
-            <a:picLocks noChangeAspect="1" noChangeArrowheads="1"/>
-          </p:cNvPicPr>
-          <p:nvPr/>
-        </p:nvPicPr>
-        <p:blipFill>
-          <a:blip r:embed="rId2">
-            <a:extLst>
-              <a:ext uri="{28A0092B-C50C-407E-A947-70E740481C1C}">
-                <a14:useLocalDpi xmlns:a14="http://schemas.microsoft.com/office/drawing/2010/main" val="0"/>
-              </a:ext>
-            </a:extLst>
-          </a:blip>
-          <a:srcRect/>
-          <a:stretch>
-            <a:fillRect/>
-          </a:stretch>
-        </p:blipFill>
-        <p:spPr bwMode="auto">
-          <a:xfrm>
-            <a:off x="10354156" y="539886"/>
-            <a:ext cx="1402045" cy="472095"/>
-          </a:xfrm>
-          <a:prstGeom prst="rect">
-            <a:avLst/>
-          </a:prstGeom>
-          <a:noFill/>
-          <a:extLst>
-            <a:ext uri="{909E8E84-426E-40DD-AFC4-6F175D3DCCD1}">
-              <a14:hiddenFill xmlns:a14="http://schemas.microsoft.com/office/drawing/2010/main">
-                <a:solidFill>
-                  <a:srgbClr val="FFFFFF"/>
-                </a:solidFill>
-              </a14:hiddenFill>
-            </a:ext>
-          </a:extLst>
-        </p:spPr>
-      </p:pic>
-      <p:grpSp>
-        <p:nvGrpSpPr>
-          <p:cNvPr id="11" name="Groupe 10"/>
-          <p:cNvGrpSpPr/>
-          <p:nvPr/>
-        </p:nvGrpSpPr>
-        <p:grpSpPr>
-          <a:xfrm>
-            <a:off x="271848" y="5523338"/>
-            <a:ext cx="10214919" cy="733514"/>
-            <a:chOff x="510746" y="5618205"/>
-            <a:chExt cx="10214919" cy="733514"/>
-          </a:xfrm>
-        </p:grpSpPr>
-        <p:sp>
-          <p:nvSpPr>
-            <p:cNvPr id="9" name="Flèche droite rayée 8"/>
-            <p:cNvSpPr/>
-            <p:nvPr/>
-          </p:nvSpPr>
-          <p:spPr>
-            <a:xfrm>
-              <a:off x="510746" y="5618205"/>
-              <a:ext cx="897924" cy="543698"/>
-            </a:xfrm>
-            <a:prstGeom prst="stripedRightArrow">
-              <a:avLst/>
-            </a:prstGeom>
-          </p:spPr>
-          <p:style>
-            <a:lnRef idx="2">
-              <a:schemeClr val="accent1">
-                <a:shade val="50000"/>
-              </a:schemeClr>
-            </a:lnRef>
-            <a:fillRef idx="1">
-              <a:schemeClr val="accent1"/>
-            </a:fillRef>
-            <a:effectRef idx="0">
-              <a:schemeClr val="accent1"/>
-            </a:effectRef>
-            <a:fontRef idx="minor">
-              <a:schemeClr val="lt1"/>
-            </a:fontRef>
-          </p:style>
-          <p:txBody>
-            <a:bodyPr rtlCol="0" anchor="ctr"/>
-            <a:lstStyle/>
-            <a:p>
-              <a:pPr algn="ctr"/>
-              <a:endParaRPr lang="fr-FR"/>
-            </a:p>
-          </p:txBody>
-        </p:sp>
-        <p:sp>
-          <p:nvSpPr>
-            <p:cNvPr id="10" name="ZoneTexte 9"/>
-            <p:cNvSpPr txBox="1"/>
-            <p:nvPr/>
-          </p:nvSpPr>
-          <p:spPr>
-            <a:xfrm>
-              <a:off x="1439149" y="5705388"/>
-              <a:ext cx="9286516" cy="646331"/>
-            </a:xfrm>
-            <a:prstGeom prst="rect">
-              <a:avLst/>
-            </a:prstGeom>
-            <a:noFill/>
-          </p:spPr>
-          <p:txBody>
-            <a:bodyPr wrap="square" rtlCol="0">
-              <a:spAutoFit/>
-            </a:bodyPr>
-            <a:lstStyle/>
-            <a:p>
-              <a:r>
-                <a:rPr lang="en-GB" b="1" dirty="0" smtClean="0"/>
-                <a:t>Conclusion </a:t>
-              </a:r>
-              <a:r>
-                <a:rPr lang="en-GB" dirty="0" smtClean="0"/>
-                <a:t>: 1. February, March, April, October, November, December seem to be the top months</a:t>
-              </a:r>
-            </a:p>
-            <a:p>
-              <a:r>
-                <a:rPr lang="en-GB" dirty="0"/>
-                <a:t> </a:t>
-              </a:r>
-              <a:r>
-                <a:rPr lang="en-GB" dirty="0" smtClean="0"/>
-                <a:t>                      2. Power BI has its limits</a:t>
-              </a:r>
-              <a:endParaRPr lang="en-GB" dirty="0"/>
-            </a:p>
-          </p:txBody>
-        </p:sp>
-      </p:grpSp>
-      <p:pic>
-        <p:nvPicPr>
-          <p:cNvPr id="6" name="Image 5"/>
-          <p:cNvPicPr>
-            <a:picLocks noChangeAspect="1"/>
-          </p:cNvPicPr>
-          <p:nvPr/>
-        </p:nvPicPr>
-        <p:blipFill>
-          <a:blip r:embed="rId3"/>
-          <a:stretch>
-            <a:fillRect/>
-          </a:stretch>
-        </p:blipFill>
-        <p:spPr>
-          <a:xfrm>
-            <a:off x="1097280" y="2125118"/>
-            <a:ext cx="10408952" cy="3287461"/>
-          </a:xfrm>
-          <a:prstGeom prst="rect">
-            <a:avLst/>
-          </a:prstGeom>
-        </p:spPr>
-      </p:pic>
-    </p:spTree>
-    <p:extLst>
-      <p:ext uri="{BB962C8B-B14F-4D97-AF65-F5344CB8AC3E}">
-        <p14:creationId xmlns:p14="http://schemas.microsoft.com/office/powerpoint/2010/main" val="1669657945"/>
-      </p:ext>
-    </p:extLst>
-  </p:cSld>
-  <p:clrMapOvr>
-    <a:masterClrMapping/>
-  </p:clrMapOvr>
-  <p:timing>
-    <p:tnLst>
-      <p:par>
-        <p:cTn id="1" dur="indefinite" restart="never" nodeType="tmRoot">
-          <p:childTnLst>
-            <p:seq concurrent="1" nextAc="seek">
-              <p:cTn id="2" dur="indefinite" nodeType="mainSeq">
-                <p:childTnLst>
-                  <p:par>
-                    <p:cTn id="3" fill="hold">
-                      <p:stCondLst>
-                        <p:cond delay="indefinite"/>
-                      </p:stCondLst>
-                      <p:childTnLst>
-                        <p:par>
-                          <p:cTn id="4" fill="hold">
-                            <p:stCondLst>
-                              <p:cond delay="0"/>
-                            </p:stCondLst>
-                            <p:childTnLst>
-                              <p:par>
-                                <p:cTn id="5" presetID="1" presetClass="entr" presetSubtype="0" fill="hold" nodeType="clickEffect">
-                                  <p:stCondLst>
-                                    <p:cond delay="0"/>
-                                  </p:stCondLst>
-                                  <p:childTnLst>
-                                    <p:set>
-                                      <p:cBhvr>
-                                        <p:cTn id="6" dur="1" fill="hold">
-                                          <p:stCondLst>
-                                            <p:cond delay="0"/>
-                                          </p:stCondLst>
-                                        </p:cTn>
-                                        <p:tgtEl>
-                                          <p:spTgt spid="11"/>
-                                        </p:tgtEl>
-                                        <p:attrNameLst>
-                                          <p:attrName>style.visibility</p:attrName>
-                                        </p:attrNameLst>
-                                      </p:cBhvr>
-                                      <p:to>
-                                        <p:strVal val="visible"/>
-                                      </p:to>
-                                    </p:set>
-                                  </p:childTnLst>
-                                </p:cTn>
-                              </p:par>
-                            </p:childTnLst>
-                          </p:cTn>
-                        </p:par>
-                      </p:childTnLst>
-                    </p:cTn>
-                  </p:par>
-                </p:childTnLst>
-              </p:cTn>
-              <p:prevCondLst>
-                <p:cond evt="onPrev" delay="0">
-                  <p:tgtEl>
-                    <p:sldTgt/>
-                  </p:tgtEl>
-                </p:cond>
-              </p:prevCondLst>
-              <p:nextCondLst>
-                <p:cond evt="onNext" delay="0">
-                  <p:tgtEl>
-                    <p:sldTgt/>
-                  </p:tgtEl>
-                </p:cond>
-              </p:nextCondLst>
-            </p:seq>
-          </p:childTnLst>
-        </p:cTn>
-      </p:par>
-    </p:tnLst>
-  </p:timing>
-</p:sld>
-</file>
-
-<file path=ppt/slides/slide6.xml><?xml version="1.0" encoding="utf-8"?>
-<p:sld xmlns:a="http://schemas.openxmlformats.org/drawingml/2006/main" xmlns:r="http://schemas.openxmlformats.org/officeDocument/2006/relationships" xmlns:p="http://schemas.openxmlformats.org/presentationml/2006/main">
-  <p:cSld>
-    <p:spTree>
-      <p:nvGrpSpPr>
-        <p:cNvPr id="1" name=""/>
-        <p:cNvGrpSpPr/>
-        <p:nvPr/>
-      </p:nvGrpSpPr>
-      <p:grpSpPr>
-        <a:xfrm>
-          <a:off x="0" y="0"/>
-          <a:ext cx="0" cy="0"/>
-          <a:chOff x="0" y="0"/>
-          <a:chExt cx="0" cy="0"/>
-        </a:xfrm>
-      </p:grpSpPr>
-      <p:sp>
-        <p:nvSpPr>
-          <p:cNvPr id="2" name="Titre 1"/>
-          <p:cNvSpPr>
-            <a:spLocks noGrp="1"/>
-          </p:cNvSpPr>
-          <p:nvPr>
-            <p:ph type="title"/>
-          </p:nvPr>
-        </p:nvSpPr>
-        <p:spPr/>
-        <p:txBody>
-          <a:bodyPr/>
-          <a:lstStyle/>
-          <a:p>
-            <a:r>
-              <a:rPr lang="en-GB" dirty="0"/>
-              <a:t>2</a:t>
-            </a:r>
-            <a:r>
-              <a:rPr lang="en-GB" dirty="0" smtClean="0"/>
-              <a:t>. Behaviour</a:t>
-            </a:r>
-            <a:endParaRPr lang="en-GB" dirty="0"/>
-          </a:p>
-        </p:txBody>
-      </p:sp>
-      <p:sp>
-        <p:nvSpPr>
-          <p:cNvPr id="3" name="Espace réservé du contenu 2"/>
-          <p:cNvSpPr>
-            <a:spLocks noGrp="1"/>
-          </p:cNvSpPr>
-          <p:nvPr>
-            <p:ph idx="1"/>
-          </p:nvPr>
-        </p:nvSpPr>
-        <p:spPr/>
-        <p:txBody>
-          <a:bodyPr/>
-          <a:lstStyle/>
-          <a:p>
-            <a:pPr>
-              <a:buFont typeface="Arial" panose="020B0604020202020204" pitchFamily="34" charset="0"/>
-              <a:buChar char="•"/>
-            </a:pPr>
-            <a:r>
-              <a:rPr lang="en-GB" dirty="0" smtClean="0"/>
-              <a:t> Daily audience (1980-2019)</a:t>
-            </a:r>
-            <a:endParaRPr lang="en-GB" dirty="0"/>
-          </a:p>
-        </p:txBody>
-      </p:sp>
-      <p:pic>
-        <p:nvPicPr>
-          <p:cNvPr id="4" name="Picture 2" descr="File:Gaumont logo.svg - Wikimedia Commons"/>
-          <p:cNvPicPr>
-            <a:picLocks noChangeAspect="1" noChangeArrowheads="1"/>
-          </p:cNvPicPr>
-          <p:nvPr/>
-        </p:nvPicPr>
-        <p:blipFill>
-          <a:blip r:embed="rId2">
-            <a:extLst>
-              <a:ext uri="{28A0092B-C50C-407E-A947-70E740481C1C}">
-                <a14:useLocalDpi xmlns:a14="http://schemas.microsoft.com/office/drawing/2010/main" val="0"/>
-              </a:ext>
-            </a:extLst>
-          </a:blip>
-          <a:srcRect/>
-          <a:stretch>
-            <a:fillRect/>
-          </a:stretch>
-        </p:blipFill>
-        <p:spPr bwMode="auto">
-          <a:xfrm>
-            <a:off x="10354156" y="539886"/>
-            <a:ext cx="1402045" cy="472095"/>
-          </a:xfrm>
-          <a:prstGeom prst="rect">
-            <a:avLst/>
-          </a:prstGeom>
-          <a:noFill/>
-          <a:extLst>
-            <a:ext uri="{909E8E84-426E-40DD-AFC4-6F175D3DCCD1}">
-              <a14:hiddenFill xmlns:a14="http://schemas.microsoft.com/office/drawing/2010/main">
-                <a:solidFill>
-                  <a:srgbClr val="FFFFFF"/>
-                </a:solidFill>
-              </a14:hiddenFill>
-            </a:ext>
-          </a:extLst>
-        </p:spPr>
-      </p:pic>
-      <p:grpSp>
-        <p:nvGrpSpPr>
-          <p:cNvPr id="11" name="Groupe 10"/>
-          <p:cNvGrpSpPr/>
-          <p:nvPr/>
-        </p:nvGrpSpPr>
-        <p:grpSpPr>
-          <a:xfrm>
-            <a:off x="271848" y="5523338"/>
-            <a:ext cx="11709263" cy="543698"/>
-            <a:chOff x="510746" y="5618205"/>
-            <a:chExt cx="11709263" cy="543698"/>
-          </a:xfrm>
-        </p:grpSpPr>
-        <p:sp>
-          <p:nvSpPr>
-            <p:cNvPr id="9" name="Flèche droite rayée 8"/>
-            <p:cNvSpPr/>
-            <p:nvPr/>
-          </p:nvSpPr>
-          <p:spPr>
-            <a:xfrm>
-              <a:off x="510746" y="5618205"/>
-              <a:ext cx="897924" cy="543698"/>
-            </a:xfrm>
-            <a:prstGeom prst="stripedRightArrow">
-              <a:avLst/>
-            </a:prstGeom>
-          </p:spPr>
-          <p:style>
-            <a:lnRef idx="2">
-              <a:schemeClr val="accent1">
-                <a:shade val="50000"/>
-              </a:schemeClr>
-            </a:lnRef>
-            <a:fillRef idx="1">
-              <a:schemeClr val="accent1"/>
-            </a:fillRef>
-            <a:effectRef idx="0">
-              <a:schemeClr val="accent1"/>
-            </a:effectRef>
-            <a:fontRef idx="minor">
-              <a:schemeClr val="lt1"/>
-            </a:fontRef>
-          </p:style>
-          <p:txBody>
-            <a:bodyPr rtlCol="0" anchor="ctr"/>
-            <a:lstStyle/>
-            <a:p>
-              <a:pPr algn="ctr"/>
-              <a:endParaRPr lang="fr-FR"/>
-            </a:p>
-          </p:txBody>
-        </p:sp>
-        <p:sp>
-          <p:nvSpPr>
-            <p:cNvPr id="10" name="ZoneTexte 9"/>
-            <p:cNvSpPr txBox="1"/>
-            <p:nvPr/>
-          </p:nvSpPr>
-          <p:spPr>
-            <a:xfrm>
-              <a:off x="1439148" y="5705388"/>
-              <a:ext cx="10780861" cy="369332"/>
-            </a:xfrm>
-            <a:prstGeom prst="rect">
-              <a:avLst/>
-            </a:prstGeom>
-            <a:noFill/>
-          </p:spPr>
-          <p:txBody>
-            <a:bodyPr wrap="square" rtlCol="0">
-              <a:spAutoFit/>
-            </a:bodyPr>
-            <a:lstStyle/>
-            <a:p>
-              <a:r>
-                <a:rPr lang="en-GB" b="1" dirty="0" smtClean="0"/>
-                <a:t>Conclusion </a:t>
-              </a:r>
-              <a:r>
-                <a:rPr lang="en-GB" dirty="0" smtClean="0"/>
-                <a:t>: no big changes observed, but curves tend to be flattened </a:t>
-              </a:r>
-              <a:endParaRPr lang="en-GB" dirty="0"/>
-            </a:p>
-          </p:txBody>
-        </p:sp>
-      </p:grpSp>
-      <p:pic>
-        <p:nvPicPr>
-          <p:cNvPr id="7" name="Image 6"/>
-          <p:cNvPicPr>
-            <a:picLocks noChangeAspect="1"/>
-          </p:cNvPicPr>
-          <p:nvPr/>
-        </p:nvPicPr>
-        <p:blipFill>
-          <a:blip r:embed="rId3"/>
-          <a:stretch>
-            <a:fillRect/>
-          </a:stretch>
-        </p:blipFill>
-        <p:spPr>
-          <a:xfrm>
-            <a:off x="1309609" y="2195448"/>
-            <a:ext cx="9044547" cy="3304314"/>
-          </a:xfrm>
-          <a:prstGeom prst="rect">
-            <a:avLst/>
-          </a:prstGeom>
-        </p:spPr>
-      </p:pic>
-    </p:spTree>
-    <p:extLst>
-      <p:ext uri="{BB962C8B-B14F-4D97-AF65-F5344CB8AC3E}">
-        <p14:creationId xmlns:p14="http://schemas.microsoft.com/office/powerpoint/2010/main" val="2255433331"/>
-      </p:ext>
-    </p:extLst>
-  </p:cSld>
-  <p:clrMapOvr>
-    <a:masterClrMapping/>
-  </p:clrMapOvr>
-  <p:timing>
-    <p:tnLst>
-      <p:par>
-        <p:cTn id="1" dur="indefinite" restart="never" nodeType="tmRoot">
-          <p:childTnLst>
-            <p:seq concurrent="1" nextAc="seek">
-              <p:cTn id="2" dur="indefinite" nodeType="mainSeq">
-                <p:childTnLst>
-                  <p:par>
-                    <p:cTn id="3" fill="hold">
-                      <p:stCondLst>
-                        <p:cond delay="indefinite"/>
-                      </p:stCondLst>
-                      <p:childTnLst>
-                        <p:par>
-                          <p:cTn id="4" fill="hold">
-                            <p:stCondLst>
-                              <p:cond delay="0"/>
-                            </p:stCondLst>
-                            <p:childTnLst>
-                              <p:par>
-                                <p:cTn id="5" presetID="1" presetClass="entr" presetSubtype="0" fill="hold" nodeType="clickEffect">
-                                  <p:stCondLst>
-                                    <p:cond delay="0"/>
-                                  </p:stCondLst>
-                                  <p:childTnLst>
-                                    <p:set>
-                                      <p:cBhvr>
-                                        <p:cTn id="6" dur="1" fill="hold">
-                                          <p:stCondLst>
-                                            <p:cond delay="0"/>
-                                          </p:stCondLst>
-                                        </p:cTn>
-                                        <p:tgtEl>
-                                          <p:spTgt spid="11"/>
-                                        </p:tgtEl>
-                                        <p:attrNameLst>
-                                          <p:attrName>style.visibility</p:attrName>
-                                        </p:attrNameLst>
-                                      </p:cBhvr>
-                                      <p:to>
-                                        <p:strVal val="visible"/>
-                                      </p:to>
-                                    </p:set>
-                                  </p:childTnLst>
-                                </p:cTn>
-                              </p:par>
-                            </p:childTnLst>
-                          </p:cTn>
-                        </p:par>
-                      </p:childTnLst>
-                    </p:cTn>
-                  </p:par>
-                </p:childTnLst>
-              </p:cTn>
-              <p:prevCondLst>
-                <p:cond evt="onPrev" delay="0">
-                  <p:tgtEl>
-                    <p:sldTgt/>
-                  </p:tgtEl>
-                </p:cond>
-              </p:prevCondLst>
-              <p:nextCondLst>
-                <p:cond evt="onNext" delay="0">
-                  <p:tgtEl>
-                    <p:sldTgt/>
-                  </p:tgtEl>
-                </p:cond>
-              </p:nextCondLst>
-            </p:seq>
-          </p:childTnLst>
-        </p:cTn>
-      </p:par>
-    </p:tnLst>
-  </p:timing>
-</p:sld>
-</file>
-
-<file path=ppt/slides/slide7.xml><?xml version="1.0" encoding="utf-8"?>
-<p:sld xmlns:a="http://schemas.openxmlformats.org/drawingml/2006/main" xmlns:r="http://schemas.openxmlformats.org/officeDocument/2006/relationships" xmlns:p="http://schemas.openxmlformats.org/presentationml/2006/main">
-  <p:cSld>
-    <p:spTree>
-      <p:nvGrpSpPr>
-        <p:cNvPr id="1" name=""/>
-        <p:cNvGrpSpPr/>
-        <p:nvPr/>
-      </p:nvGrpSpPr>
-      <p:grpSpPr>
-        <a:xfrm>
-          <a:off x="0" y="0"/>
-          <a:ext cx="0" cy="0"/>
-          <a:chOff x="0" y="0"/>
-          <a:chExt cx="0" cy="0"/>
-        </a:xfrm>
-      </p:grpSpPr>
-      <p:sp>
-        <p:nvSpPr>
-          <p:cNvPr id="2" name="Titre 1"/>
-          <p:cNvSpPr>
-            <a:spLocks noGrp="1"/>
-          </p:cNvSpPr>
-          <p:nvPr>
-            <p:ph type="title"/>
-          </p:nvPr>
-        </p:nvSpPr>
-        <p:spPr/>
-        <p:txBody>
-          <a:bodyPr/>
-          <a:lstStyle/>
-          <a:p>
-            <a:r>
-              <a:rPr lang="en-GB" dirty="0"/>
-              <a:t>2</a:t>
-            </a:r>
-            <a:r>
-              <a:rPr lang="en-GB" dirty="0" smtClean="0"/>
-              <a:t>. Behaviour</a:t>
-            </a:r>
-            <a:endParaRPr lang="en-GB" dirty="0"/>
-          </a:p>
-        </p:txBody>
-      </p:sp>
-      <p:sp>
-        <p:nvSpPr>
-          <p:cNvPr id="3" name="Espace réservé du contenu 2"/>
-          <p:cNvSpPr>
-            <a:spLocks noGrp="1"/>
-          </p:cNvSpPr>
-          <p:nvPr>
-            <p:ph idx="1"/>
-          </p:nvPr>
-        </p:nvSpPr>
-        <p:spPr/>
-        <p:txBody>
-          <a:bodyPr/>
-          <a:lstStyle/>
-          <a:p>
-            <a:pPr>
-              <a:buFont typeface="Arial" panose="020B0604020202020204" pitchFamily="34" charset="0"/>
-              <a:buChar char="•"/>
-            </a:pPr>
-            <a:r>
-              <a:rPr lang="en-GB" dirty="0" smtClean="0"/>
-              <a:t> Admissions by genre (1996 – 2020)</a:t>
-            </a:r>
-            <a:endParaRPr lang="en-GB" dirty="0"/>
-          </a:p>
-        </p:txBody>
-      </p:sp>
-      <p:pic>
-        <p:nvPicPr>
-          <p:cNvPr id="4" name="Picture 2" descr="File:Gaumont logo.svg - Wikimedia Commons"/>
-          <p:cNvPicPr>
-            <a:picLocks noChangeAspect="1" noChangeArrowheads="1"/>
-          </p:cNvPicPr>
-          <p:nvPr/>
-        </p:nvPicPr>
-        <p:blipFill>
-          <a:blip r:embed="rId2">
-            <a:extLst>
-              <a:ext uri="{28A0092B-C50C-407E-A947-70E740481C1C}">
-                <a14:useLocalDpi xmlns:a14="http://schemas.microsoft.com/office/drawing/2010/main" val="0"/>
-              </a:ext>
-            </a:extLst>
-          </a:blip>
-          <a:srcRect/>
-          <a:stretch>
-            <a:fillRect/>
-          </a:stretch>
-        </p:blipFill>
-        <p:spPr bwMode="auto">
-          <a:xfrm>
-            <a:off x="10354156" y="539886"/>
-            <a:ext cx="1402045" cy="472095"/>
-          </a:xfrm>
-          <a:prstGeom prst="rect">
-            <a:avLst/>
-          </a:prstGeom>
-          <a:noFill/>
-          <a:extLst>
-            <a:ext uri="{909E8E84-426E-40DD-AFC4-6F175D3DCCD1}">
-              <a14:hiddenFill xmlns:a14="http://schemas.microsoft.com/office/drawing/2010/main">
-                <a:solidFill>
-                  <a:srgbClr val="FFFFFF"/>
-                </a:solidFill>
-              </a14:hiddenFill>
-            </a:ext>
-          </a:extLst>
-        </p:spPr>
-      </p:pic>
-      <p:pic>
-        <p:nvPicPr>
-          <p:cNvPr id="5" name="Image 4"/>
-          <p:cNvPicPr>
-            <a:picLocks noChangeAspect="1"/>
-          </p:cNvPicPr>
-          <p:nvPr/>
-        </p:nvPicPr>
-        <p:blipFill>
-          <a:blip r:embed="rId3"/>
-          <a:stretch>
-            <a:fillRect/>
-          </a:stretch>
-        </p:blipFill>
-        <p:spPr>
-          <a:xfrm>
-            <a:off x="539577" y="2416428"/>
-            <a:ext cx="7072570" cy="2806335"/>
-          </a:xfrm>
-          <a:prstGeom prst="rect">
-            <a:avLst/>
-          </a:prstGeom>
-        </p:spPr>
-      </p:pic>
-      <p:grpSp>
-        <p:nvGrpSpPr>
-          <p:cNvPr id="12" name="Groupe 11"/>
-          <p:cNvGrpSpPr/>
-          <p:nvPr/>
-        </p:nvGrpSpPr>
-        <p:grpSpPr>
-          <a:xfrm>
-            <a:off x="271848" y="5523338"/>
-            <a:ext cx="10214919" cy="733514"/>
-            <a:chOff x="510746" y="5618205"/>
-            <a:chExt cx="10214919" cy="733514"/>
-          </a:xfrm>
-        </p:grpSpPr>
-        <p:sp>
-          <p:nvSpPr>
-            <p:cNvPr id="13" name="Flèche droite rayée 12"/>
-            <p:cNvSpPr/>
-            <p:nvPr/>
-          </p:nvSpPr>
-          <p:spPr>
-            <a:xfrm>
-              <a:off x="510746" y="5618205"/>
-              <a:ext cx="897924" cy="543698"/>
-            </a:xfrm>
-            <a:prstGeom prst="stripedRightArrow">
-              <a:avLst/>
-            </a:prstGeom>
-          </p:spPr>
-          <p:style>
-            <a:lnRef idx="2">
-              <a:schemeClr val="accent1">
-                <a:shade val="50000"/>
-              </a:schemeClr>
-            </a:lnRef>
-            <a:fillRef idx="1">
-              <a:schemeClr val="accent1"/>
-            </a:fillRef>
-            <a:effectRef idx="0">
-              <a:schemeClr val="accent1"/>
-            </a:effectRef>
-            <a:fontRef idx="minor">
-              <a:schemeClr val="lt1"/>
-            </a:fontRef>
-          </p:style>
-          <p:txBody>
-            <a:bodyPr rtlCol="0" anchor="ctr"/>
-            <a:lstStyle/>
-            <a:p>
-              <a:pPr algn="ctr"/>
-              <a:endParaRPr lang="fr-FR"/>
-            </a:p>
-          </p:txBody>
-        </p:sp>
-        <p:sp>
-          <p:nvSpPr>
-            <p:cNvPr id="14" name="ZoneTexte 13"/>
-            <p:cNvSpPr txBox="1"/>
-            <p:nvPr/>
-          </p:nvSpPr>
-          <p:spPr>
-            <a:xfrm>
-              <a:off x="1439149" y="5705388"/>
-              <a:ext cx="9286516" cy="646331"/>
-            </a:xfrm>
-            <a:prstGeom prst="rect">
-              <a:avLst/>
-            </a:prstGeom>
-            <a:noFill/>
-          </p:spPr>
-          <p:txBody>
-            <a:bodyPr wrap="square" rtlCol="0">
-              <a:spAutoFit/>
-            </a:bodyPr>
-            <a:lstStyle/>
-            <a:p>
-              <a:r>
-                <a:rPr lang="en-GB" b="1" dirty="0" smtClean="0"/>
-                <a:t>Conclusion </a:t>
-              </a:r>
-              <a:r>
-                <a:rPr lang="en-GB" dirty="0" smtClean="0"/>
-                <a:t>: 1. Fiction is the preferred genre of the audience</a:t>
-              </a:r>
-            </a:p>
-            <a:p>
-              <a:r>
-                <a:rPr lang="en-GB" dirty="0"/>
-                <a:t> </a:t>
-              </a:r>
-              <a:r>
-                <a:rPr lang="en-GB" dirty="0" smtClean="0"/>
-                <a:t>                      2. Animation genre has grown to reach a ceiling of 15% since 2010</a:t>
-              </a:r>
-              <a:endParaRPr lang="en-GB" dirty="0"/>
-            </a:p>
-          </p:txBody>
-        </p:sp>
-      </p:grpSp>
-      <p:grpSp>
-        <p:nvGrpSpPr>
-          <p:cNvPr id="20" name="Groupe 19"/>
-          <p:cNvGrpSpPr/>
-          <p:nvPr/>
-        </p:nvGrpSpPr>
-        <p:grpSpPr>
-          <a:xfrm>
-            <a:off x="4193058" y="2289537"/>
-            <a:ext cx="6692576" cy="2933226"/>
-            <a:chOff x="4193058" y="2289537"/>
-            <a:chExt cx="6692576" cy="2933226"/>
-          </a:xfrm>
-        </p:grpSpPr>
-        <p:grpSp>
-          <p:nvGrpSpPr>
-            <p:cNvPr id="18" name="Groupe 17"/>
-            <p:cNvGrpSpPr/>
-            <p:nvPr/>
-          </p:nvGrpSpPr>
-          <p:grpSpPr>
-            <a:xfrm>
-              <a:off x="4193058" y="2289537"/>
-              <a:ext cx="5008607" cy="2933226"/>
-              <a:chOff x="4193058" y="2289537"/>
-              <a:chExt cx="5008607" cy="2933226"/>
-            </a:xfrm>
-          </p:grpSpPr>
-          <p:sp>
-            <p:nvSpPr>
-              <p:cNvPr id="8" name="Rectangle 7"/>
-              <p:cNvSpPr/>
-              <p:nvPr/>
-            </p:nvSpPr>
-            <p:spPr>
-              <a:xfrm>
-                <a:off x="4193058" y="3089189"/>
-                <a:ext cx="2207741" cy="2133574"/>
-              </a:xfrm>
-              <a:prstGeom prst="rect">
-                <a:avLst/>
-              </a:prstGeom>
-              <a:noFill/>
-            </p:spPr>
-            <p:style>
-              <a:lnRef idx="2">
-                <a:schemeClr val="accent1">
-                  <a:shade val="50000"/>
-                </a:schemeClr>
-              </a:lnRef>
-              <a:fillRef idx="1">
-                <a:schemeClr val="accent1"/>
-              </a:fillRef>
-              <a:effectRef idx="0">
-                <a:schemeClr val="accent1"/>
-              </a:effectRef>
-              <a:fontRef idx="minor">
-                <a:schemeClr val="lt1"/>
-              </a:fontRef>
-            </p:style>
-            <p:txBody>
-              <a:bodyPr rtlCol="0" anchor="ctr"/>
-              <a:lstStyle/>
-              <a:p>
-                <a:pPr algn="ctr"/>
-                <a:endParaRPr lang="fr-FR"/>
-              </a:p>
-            </p:txBody>
-          </p:sp>
-          <p:sp>
-            <p:nvSpPr>
-              <p:cNvPr id="17" name="Flèche courbée vers le bas 16"/>
-              <p:cNvSpPr/>
-              <p:nvPr/>
-            </p:nvSpPr>
-            <p:spPr>
-              <a:xfrm>
-                <a:off x="6285470" y="2289537"/>
-                <a:ext cx="2916195" cy="706292"/>
-              </a:xfrm>
-              <a:prstGeom prst="curvedDownArrow">
-                <a:avLst/>
-              </a:prstGeom>
-            </p:spPr>
-            <p:style>
-              <a:lnRef idx="2">
-                <a:schemeClr val="accent1">
-                  <a:shade val="50000"/>
-                </a:schemeClr>
-              </a:lnRef>
-              <a:fillRef idx="1">
-                <a:schemeClr val="accent1"/>
-              </a:fillRef>
-              <a:effectRef idx="0">
-                <a:schemeClr val="accent1"/>
-              </a:effectRef>
-              <a:fontRef idx="minor">
-                <a:schemeClr val="lt1"/>
-              </a:fontRef>
-            </p:style>
-            <p:txBody>
-              <a:bodyPr rtlCol="0" anchor="ctr"/>
-              <a:lstStyle/>
-              <a:p>
-                <a:pPr algn="ctr"/>
-                <a:endParaRPr lang="fr-FR">
-                  <a:solidFill>
-                    <a:schemeClr val="tx1"/>
-                  </a:solidFill>
-                </a:endParaRPr>
-              </a:p>
-            </p:txBody>
-          </p:sp>
-        </p:grpSp>
-        <p:pic>
-          <p:nvPicPr>
-            <p:cNvPr id="19" name="Image 18"/>
-            <p:cNvPicPr>
-              <a:picLocks noChangeAspect="1"/>
-            </p:cNvPicPr>
-            <p:nvPr/>
-          </p:nvPicPr>
-          <p:blipFill>
-            <a:blip r:embed="rId4"/>
-            <a:stretch>
-              <a:fillRect/>
-            </a:stretch>
-          </p:blipFill>
-          <p:spPr>
-            <a:xfrm>
-              <a:off x="7248989" y="2995829"/>
-              <a:ext cx="3636645" cy="2226934"/>
-            </a:xfrm>
-            <a:prstGeom prst="rect">
-              <a:avLst/>
-            </a:prstGeom>
-          </p:spPr>
-        </p:pic>
-      </p:grpSp>
-    </p:spTree>
-    <p:extLst>
-      <p:ext uri="{BB962C8B-B14F-4D97-AF65-F5344CB8AC3E}">
-        <p14:creationId xmlns:p14="http://schemas.microsoft.com/office/powerpoint/2010/main" val="564485041"/>
-      </p:ext>
-    </p:extLst>
-  </p:cSld>
-  <p:clrMapOvr>
-    <a:masterClrMapping/>
-  </p:clrMapOvr>
-  <p:timing>
-    <p:tnLst>
-      <p:par>
-        <p:cTn id="1" dur="indefinite" restart="never" nodeType="tmRoot">
-          <p:childTnLst>
-            <p:seq concurrent="1" nextAc="seek">
-              <p:cTn id="2" dur="indefinite" nodeType="mainSeq">
-                <p:childTnLst>
-                  <p:par>
-                    <p:cTn id="3" fill="hold">
-                      <p:stCondLst>
-                        <p:cond delay="indefinite"/>
-                      </p:stCondLst>
-                      <p:childTnLst>
-                        <p:par>
-                          <p:cTn id="4" fill="hold">
-                            <p:stCondLst>
-                              <p:cond delay="0"/>
-                            </p:stCondLst>
-                            <p:childTnLst>
-                              <p:par>
-                                <p:cTn id="5" presetID="1" presetClass="entr" presetSubtype="0" fill="hold" nodeType="clickEffect">
-                                  <p:stCondLst>
-                                    <p:cond delay="0"/>
-                                  </p:stCondLst>
-                                  <p:childTnLst>
-                                    <p:set>
-                                      <p:cBhvr>
-                                        <p:cTn id="6" dur="1" fill="hold">
-                                          <p:stCondLst>
-                                            <p:cond delay="0"/>
-                                          </p:stCondLst>
-                                        </p:cTn>
-                                        <p:tgtEl>
-                                          <p:spTgt spid="20"/>
-                                        </p:tgtEl>
-                                        <p:attrNameLst>
-                                          <p:attrName>style.visibility</p:attrName>
-                                        </p:attrNameLst>
-                                      </p:cBhvr>
-                                      <p:to>
-                                        <p:strVal val="visible"/>
-                                      </p:to>
-                                    </p:set>
-                                  </p:childTnLst>
-                                </p:cTn>
-                              </p:par>
-                            </p:childTnLst>
-                          </p:cTn>
-                        </p:par>
-                      </p:childTnLst>
-                    </p:cTn>
-                  </p:par>
-                  <p:par>
-                    <p:cTn id="7" fill="hold">
-                      <p:stCondLst>
-                        <p:cond delay="indefinite"/>
-                      </p:stCondLst>
-                      <p:childTnLst>
-                        <p:par>
-                          <p:cTn id="8" fill="hold">
-                            <p:stCondLst>
-                              <p:cond delay="0"/>
-                            </p:stCondLst>
-                            <p:childTnLst>
-                              <p:par>
-                                <p:cTn id="9" presetID="1" presetClass="entr" presetSubtype="0" fill="hold" nodeType="clickEffect">
-                                  <p:stCondLst>
-                                    <p:cond delay="0"/>
-                                  </p:stCondLst>
-                                  <p:childTnLst>
-                                    <p:set>
-                                      <p:cBhvr>
-                                        <p:cTn id="10" dur="1" fill="hold">
-                                          <p:stCondLst>
-                                            <p:cond delay="0"/>
-                                          </p:stCondLst>
-                                        </p:cTn>
-                                        <p:tgtEl>
-                                          <p:spTgt spid="12"/>
-                                        </p:tgtEl>
-                                        <p:attrNameLst>
-                                          <p:attrName>style.visibility</p:attrName>
-                                        </p:attrNameLst>
-                                      </p:cBhvr>
-                                      <p:to>
-                                        <p:strVal val="visible"/>
-                                      </p:to>
-                                    </p:set>
-                                  </p:childTnLst>
-                                </p:cTn>
-                              </p:par>
-                            </p:childTnLst>
-                          </p:cTn>
-                        </p:par>
-                      </p:childTnLst>
-                    </p:cTn>
-                  </p:par>
-                </p:childTnLst>
-              </p:cTn>
-              <p:prevCondLst>
-                <p:cond evt="onPrev" delay="0">
-                  <p:tgtEl>
-                    <p:sldTgt/>
-                  </p:tgtEl>
-                </p:cond>
-              </p:prevCondLst>
-              <p:nextCondLst>
-                <p:cond evt="onNext" delay="0">
-                  <p:tgtEl>
-                    <p:sldTgt/>
-                  </p:tgtEl>
-                </p:cond>
-              </p:nextCondLst>
-            </p:seq>
-          </p:childTnLst>
-        </p:cTn>
-      </p:par>
-    </p:tnLst>
-  </p:timing>
-</p:sld>
-</file>
-
-<file path=ppt/slides/slide8.xml><?xml version="1.0" encoding="utf-8"?>
-<p:sld xmlns:a="http://schemas.openxmlformats.org/drawingml/2006/main" xmlns:r="http://schemas.openxmlformats.org/officeDocument/2006/relationships" xmlns:p="http://schemas.openxmlformats.org/presentationml/2006/main">
-  <p:cSld>
-    <p:spTree>
-      <p:nvGrpSpPr>
-        <p:cNvPr id="1" name=""/>
-        <p:cNvGrpSpPr/>
-        <p:nvPr/>
-      </p:nvGrpSpPr>
-      <p:grpSpPr>
-        <a:xfrm>
-          <a:off x="0" y="0"/>
-          <a:ext cx="0" cy="0"/>
-          <a:chOff x="0" y="0"/>
-          <a:chExt cx="0" cy="0"/>
-        </a:xfrm>
-      </p:grpSpPr>
-      <p:sp>
-        <p:nvSpPr>
-          <p:cNvPr id="2" name="Titre 1"/>
-          <p:cNvSpPr>
-            <a:spLocks noGrp="1"/>
-          </p:cNvSpPr>
-          <p:nvPr>
-            <p:ph type="title"/>
-          </p:nvPr>
-        </p:nvSpPr>
-        <p:spPr/>
-        <p:txBody>
-          <a:bodyPr/>
-          <a:lstStyle/>
-          <a:p>
-            <a:r>
-              <a:rPr lang="en-GB" dirty="0"/>
-              <a:t>3. </a:t>
-            </a:r>
-            <a:r>
-              <a:rPr lang="en-GB" dirty="0" smtClean="0"/>
-              <a:t>Business review : 80s vs 10s</a:t>
-            </a:r>
-            <a:endParaRPr lang="fr-FR" dirty="0"/>
-          </a:p>
-        </p:txBody>
-      </p:sp>
-      <p:sp>
-        <p:nvSpPr>
-          <p:cNvPr id="3" name="Espace réservé du texte 2"/>
-          <p:cNvSpPr>
-            <a:spLocks noGrp="1"/>
-          </p:cNvSpPr>
-          <p:nvPr>
-            <p:ph type="body" idx="1"/>
-          </p:nvPr>
-        </p:nvSpPr>
-        <p:spPr/>
-        <p:txBody>
-          <a:bodyPr/>
-          <a:lstStyle/>
-          <a:p>
-            <a:r>
-              <a:rPr lang="fr-FR" dirty="0" smtClean="0"/>
-              <a:t>Revenue vs admissions</a:t>
-            </a:r>
-            <a:endParaRPr lang="fr-FR" dirty="0"/>
-          </a:p>
-        </p:txBody>
-      </p:sp>
-      <p:sp>
-        <p:nvSpPr>
-          <p:cNvPr id="4" name="Espace réservé du contenu 3"/>
-          <p:cNvSpPr>
-            <a:spLocks noGrp="1"/>
-          </p:cNvSpPr>
-          <p:nvPr>
-            <p:ph sz="half" idx="2"/>
-          </p:nvPr>
-        </p:nvSpPr>
-        <p:spPr/>
-        <p:txBody>
-          <a:bodyPr>
-            <a:normAutofit fontScale="92500" lnSpcReduction="20000"/>
-          </a:bodyPr>
-          <a:lstStyle/>
-          <a:p>
-            <a:pPr lvl="0">
-              <a:buClr>
-                <a:srgbClr val="D34817"/>
-              </a:buClr>
-              <a:buFont typeface="Arial" panose="020B0604020202020204" pitchFamily="34" charset="0"/>
-              <a:buChar char="•"/>
-            </a:pPr>
-            <a:endParaRPr lang="en-GB" dirty="0" smtClean="0">
-              <a:solidFill>
-                <a:prstClr val="black">
-                  <a:lumMod val="75000"/>
-                  <a:lumOff val="25000"/>
-                </a:prstClr>
-              </a:solidFill>
-            </a:endParaRPr>
-          </a:p>
-          <a:p>
-            <a:pPr lvl="0">
-              <a:buClr>
-                <a:srgbClr val="D34817"/>
-              </a:buClr>
-              <a:buFont typeface="Arial" panose="020B0604020202020204" pitchFamily="34" charset="0"/>
-              <a:buChar char="•"/>
-            </a:pPr>
-            <a:endParaRPr lang="en-GB" dirty="0">
-              <a:solidFill>
-                <a:prstClr val="black">
-                  <a:lumMod val="75000"/>
-                  <a:lumOff val="25000"/>
-                </a:prstClr>
-              </a:solidFill>
-            </a:endParaRPr>
-          </a:p>
-          <a:p>
-            <a:pPr lvl="0">
-              <a:buClr>
-                <a:srgbClr val="D34817"/>
-              </a:buClr>
-              <a:buFont typeface="Arial" panose="020B0604020202020204" pitchFamily="34" charset="0"/>
-              <a:buChar char="•"/>
-            </a:pPr>
-            <a:endParaRPr lang="en-GB" dirty="0" smtClean="0">
-              <a:solidFill>
-                <a:prstClr val="black">
-                  <a:lumMod val="75000"/>
-                  <a:lumOff val="25000"/>
-                </a:prstClr>
-              </a:solidFill>
-            </a:endParaRPr>
-          </a:p>
-          <a:p>
-            <a:pPr lvl="0">
-              <a:buClr>
-                <a:srgbClr val="D34817"/>
-              </a:buClr>
-              <a:buFont typeface="Arial" panose="020B0604020202020204" pitchFamily="34" charset="0"/>
-              <a:buChar char="•"/>
-            </a:pPr>
-            <a:endParaRPr lang="en-GB" dirty="0">
-              <a:solidFill>
-                <a:prstClr val="black">
-                  <a:lumMod val="75000"/>
-                  <a:lumOff val="25000"/>
-                </a:prstClr>
-              </a:solidFill>
-            </a:endParaRPr>
-          </a:p>
-          <a:p>
-            <a:pPr marL="0" lvl="0" indent="0">
-              <a:buClr>
-                <a:srgbClr val="D34817"/>
-              </a:buClr>
-              <a:buNone/>
-            </a:pPr>
-            <a:endParaRPr lang="en-GB" dirty="0" smtClean="0">
-              <a:solidFill>
-                <a:prstClr val="black">
-                  <a:lumMod val="75000"/>
-                  <a:lumOff val="25000"/>
-                </a:prstClr>
-              </a:solidFill>
-            </a:endParaRPr>
-          </a:p>
-          <a:p>
-            <a:pPr marL="0" lvl="0" indent="0">
-              <a:buClr>
-                <a:srgbClr val="D34817"/>
-              </a:buClr>
-              <a:buNone/>
-            </a:pPr>
-            <a:endParaRPr lang="en-GB" dirty="0">
-              <a:solidFill>
-                <a:prstClr val="black">
-                  <a:lumMod val="75000"/>
-                  <a:lumOff val="25000"/>
-                </a:prstClr>
-              </a:solidFill>
-            </a:endParaRPr>
-          </a:p>
-          <a:p>
-            <a:pPr marL="0" lvl="0" indent="0">
-              <a:buClr>
-                <a:srgbClr val="D34817"/>
-              </a:buClr>
-              <a:buNone/>
-            </a:pPr>
-            <a:endParaRPr lang="en-GB" dirty="0" smtClean="0">
-              <a:solidFill>
-                <a:prstClr val="black">
-                  <a:lumMod val="75000"/>
-                  <a:lumOff val="25000"/>
-                </a:prstClr>
-              </a:solidFill>
-            </a:endParaRPr>
-          </a:p>
-          <a:p>
-            <a:pPr lvl="0">
-              <a:buClr>
-                <a:srgbClr val="D34817"/>
-              </a:buClr>
-              <a:buFont typeface="Arial" panose="020B0604020202020204" pitchFamily="34" charset="0"/>
-              <a:buChar char="•"/>
-            </a:pPr>
-            <a:r>
-              <a:rPr lang="en-GB" dirty="0" smtClean="0">
-                <a:solidFill>
-                  <a:prstClr val="black">
-                    <a:lumMod val="75000"/>
-                    <a:lumOff val="25000"/>
-                  </a:prstClr>
-                </a:solidFill>
-              </a:rPr>
-              <a:t> Admissions : from 190M/y to 210M/y</a:t>
-            </a:r>
-          </a:p>
-          <a:p>
-            <a:pPr lvl="0">
-              <a:buClr>
-                <a:srgbClr val="D34817"/>
-              </a:buClr>
-              <a:buFont typeface="Arial" panose="020B0604020202020204" pitchFamily="34" charset="0"/>
-              <a:buChar char="•"/>
-            </a:pPr>
-            <a:r>
-              <a:rPr lang="en-GB" dirty="0" smtClean="0">
-                <a:solidFill>
-                  <a:prstClr val="black">
-                    <a:lumMod val="75000"/>
-                    <a:lumOff val="25000"/>
-                  </a:prstClr>
-                </a:solidFill>
-              </a:rPr>
-              <a:t> Revenues : from 0,7Md€/y to 1,4 </a:t>
-            </a:r>
-            <a:r>
-              <a:rPr lang="en-GB" dirty="0" err="1" smtClean="0">
-                <a:solidFill>
-                  <a:prstClr val="black">
-                    <a:lumMod val="75000"/>
-                    <a:lumOff val="25000"/>
-                  </a:prstClr>
-                </a:solidFill>
-              </a:rPr>
-              <a:t>Md</a:t>
-            </a:r>
-            <a:r>
-              <a:rPr lang="en-GB" dirty="0" smtClean="0">
-                <a:solidFill>
-                  <a:prstClr val="black">
-                    <a:lumMod val="75000"/>
-                    <a:lumOff val="25000"/>
-                  </a:prstClr>
-                </a:solidFill>
-              </a:rPr>
-              <a:t>/y</a:t>
-            </a:r>
-            <a:endParaRPr lang="en-GB" dirty="0">
-              <a:solidFill>
-                <a:prstClr val="black">
-                  <a:lumMod val="75000"/>
-                  <a:lumOff val="25000"/>
-                </a:prstClr>
-              </a:solidFill>
-            </a:endParaRPr>
-          </a:p>
-          <a:p>
-            <a:endParaRPr lang="fr-FR" dirty="0"/>
-          </a:p>
-        </p:txBody>
-      </p:sp>
-      <p:sp>
-        <p:nvSpPr>
-          <p:cNvPr id="5" name="Espace réservé du texte 4"/>
-          <p:cNvSpPr>
-            <a:spLocks noGrp="1"/>
-          </p:cNvSpPr>
-          <p:nvPr>
-            <p:ph type="body" sz="quarter" idx="3"/>
-          </p:nvPr>
-        </p:nvSpPr>
-        <p:spPr/>
-        <p:txBody>
-          <a:bodyPr/>
-          <a:lstStyle/>
-          <a:p>
-            <a:r>
-              <a:rPr lang="fr-FR" dirty="0" smtClean="0"/>
-              <a:t>inflation</a:t>
-            </a:r>
-            <a:endParaRPr lang="fr-FR" dirty="0"/>
-          </a:p>
-        </p:txBody>
-      </p:sp>
-      <p:sp>
-        <p:nvSpPr>
-          <p:cNvPr id="6" name="Espace réservé du contenu 5"/>
-          <p:cNvSpPr>
-            <a:spLocks noGrp="1"/>
-          </p:cNvSpPr>
-          <p:nvPr>
-            <p:ph sz="quarter" idx="4"/>
-          </p:nvPr>
-        </p:nvSpPr>
-        <p:spPr/>
-        <p:txBody>
-          <a:bodyPr>
-            <a:normAutofit lnSpcReduction="10000"/>
-          </a:bodyPr>
-          <a:lstStyle/>
-          <a:p>
-            <a:endParaRPr lang="fr-FR" dirty="0" smtClean="0"/>
-          </a:p>
-          <a:p>
-            <a:endParaRPr lang="fr-FR" dirty="0"/>
-          </a:p>
-          <a:p>
-            <a:endParaRPr lang="fr-FR" dirty="0" smtClean="0"/>
-          </a:p>
-          <a:p>
-            <a:endParaRPr lang="fr-FR" dirty="0" smtClean="0"/>
-          </a:p>
-          <a:p>
-            <a:endParaRPr lang="fr-FR" dirty="0"/>
-          </a:p>
-          <a:p>
-            <a:endParaRPr lang="fr-FR" dirty="0" smtClean="0"/>
-          </a:p>
-          <a:p>
-            <a:pPr lvl="0">
-              <a:buClr>
-                <a:srgbClr val="D34817"/>
-              </a:buClr>
-              <a:buFont typeface="Arial" panose="020B0604020202020204" pitchFamily="34" charset="0"/>
-              <a:buChar char="•"/>
-            </a:pPr>
-            <a:r>
-              <a:rPr lang="en-GB" sz="1900" dirty="0" smtClean="0">
-                <a:solidFill>
-                  <a:prstClr val="black">
-                    <a:lumMod val="75000"/>
-                    <a:lumOff val="25000"/>
-                  </a:prstClr>
-                </a:solidFill>
-              </a:rPr>
-              <a:t> Inflation: +122% between 1983 and 2019</a:t>
-            </a:r>
-          </a:p>
-          <a:p>
-            <a:pPr lvl="1">
-              <a:buClr>
-                <a:srgbClr val="D34817"/>
-              </a:buClr>
-              <a:buFont typeface="Arial" panose="020B0604020202020204" pitchFamily="34" charset="0"/>
-              <a:buChar char="•"/>
-            </a:pPr>
-            <a:r>
-              <a:rPr lang="en-GB" sz="1700" dirty="0" smtClean="0">
-                <a:solidFill>
-                  <a:prstClr val="black">
-                    <a:lumMod val="75000"/>
-                    <a:lumOff val="25000"/>
-                  </a:prstClr>
-                </a:solidFill>
-              </a:rPr>
-              <a:t> 0,7 </a:t>
-            </a:r>
-            <a:r>
-              <a:rPr lang="en-GB" sz="1700" dirty="0" err="1" smtClean="0">
-                <a:solidFill>
-                  <a:prstClr val="black">
-                    <a:lumMod val="75000"/>
-                    <a:lumOff val="25000"/>
-                  </a:prstClr>
-                </a:solidFill>
-              </a:rPr>
-              <a:t>Md</a:t>
-            </a:r>
-            <a:r>
-              <a:rPr lang="en-GB" sz="1700" dirty="0" smtClean="0">
-                <a:solidFill>
-                  <a:prstClr val="black">
-                    <a:lumMod val="75000"/>
-                    <a:lumOff val="25000"/>
-                  </a:prstClr>
-                </a:solidFill>
-              </a:rPr>
-              <a:t>€ </a:t>
-            </a:r>
-            <a:r>
-              <a:rPr lang="en-GB" sz="1700" dirty="0" smtClean="0">
-                <a:solidFill>
-                  <a:prstClr val="black">
-                    <a:lumMod val="75000"/>
-                    <a:lumOff val="25000"/>
-                  </a:prstClr>
-                </a:solidFill>
-                <a:sym typeface="Symbol" panose="05050102010706020507" pitchFamily="18" charset="2"/>
-              </a:rPr>
-              <a:t> </a:t>
-            </a:r>
-            <a:r>
-              <a:rPr lang="en-GB" sz="1700" dirty="0" smtClean="0">
-                <a:solidFill>
-                  <a:prstClr val="black">
-                    <a:lumMod val="75000"/>
-                    <a:lumOff val="25000"/>
-                  </a:prstClr>
-                </a:solidFill>
-              </a:rPr>
-              <a:t>today’s 1,5 </a:t>
-            </a:r>
-            <a:r>
-              <a:rPr lang="en-GB" sz="1700" dirty="0" err="1" smtClean="0">
-                <a:solidFill>
-                  <a:prstClr val="black">
-                    <a:lumMod val="75000"/>
-                    <a:lumOff val="25000"/>
-                  </a:prstClr>
-                </a:solidFill>
-              </a:rPr>
-              <a:t>Md</a:t>
-            </a:r>
-            <a:r>
-              <a:rPr lang="en-GB" sz="1700" dirty="0" smtClean="0">
-                <a:solidFill>
-                  <a:prstClr val="black">
-                    <a:lumMod val="75000"/>
-                    <a:lumOff val="25000"/>
-                  </a:prstClr>
-                </a:solidFill>
-              </a:rPr>
-              <a:t>€ with this rate</a:t>
-            </a:r>
-            <a:endParaRPr lang="en-GB" sz="1700" dirty="0">
-              <a:solidFill>
-                <a:prstClr val="black">
-                  <a:lumMod val="75000"/>
-                  <a:lumOff val="25000"/>
-                </a:prstClr>
-              </a:solidFill>
-            </a:endParaRPr>
-          </a:p>
-          <a:p>
-            <a:endParaRPr lang="fr-FR" dirty="0" smtClean="0"/>
-          </a:p>
-          <a:p>
-            <a:endParaRPr lang="fr-FR" dirty="0" smtClean="0"/>
-          </a:p>
-          <a:p>
-            <a:endParaRPr lang="fr-FR" dirty="0"/>
-          </a:p>
-          <a:p>
-            <a:endParaRPr lang="fr-FR" dirty="0" smtClean="0"/>
-          </a:p>
-          <a:p>
-            <a:endParaRPr lang="fr-FR" dirty="0"/>
-          </a:p>
-          <a:p>
-            <a:pPr marL="0" indent="0">
-              <a:buNone/>
-            </a:pPr>
-            <a:endParaRPr lang="fr-FR" dirty="0"/>
-          </a:p>
-        </p:txBody>
-      </p:sp>
-      <p:pic>
-        <p:nvPicPr>
-          <p:cNvPr id="7" name="Image 6"/>
-          <p:cNvPicPr>
-            <a:picLocks noChangeAspect="1"/>
-          </p:cNvPicPr>
-          <p:nvPr/>
-        </p:nvPicPr>
-        <p:blipFill>
-          <a:blip r:embed="rId2"/>
-          <a:stretch>
-            <a:fillRect/>
-          </a:stretch>
-        </p:blipFill>
-        <p:spPr>
-          <a:xfrm>
-            <a:off x="849966" y="2403040"/>
-            <a:ext cx="4933950" cy="2847975"/>
-          </a:xfrm>
-          <a:prstGeom prst="rect">
-            <a:avLst/>
-          </a:prstGeom>
-        </p:spPr>
-      </p:pic>
-      <p:pic>
-        <p:nvPicPr>
-          <p:cNvPr id="8" name="Image 7"/>
-          <p:cNvPicPr>
-            <a:picLocks noChangeAspect="1"/>
-          </p:cNvPicPr>
-          <p:nvPr/>
-        </p:nvPicPr>
-        <p:blipFill>
-          <a:blip r:embed="rId3"/>
-          <a:stretch>
-            <a:fillRect/>
-          </a:stretch>
-        </p:blipFill>
-        <p:spPr>
-          <a:xfrm>
-            <a:off x="6631978" y="2582334"/>
-            <a:ext cx="3216783" cy="2143182"/>
-          </a:xfrm>
-          <a:prstGeom prst="rect">
-            <a:avLst/>
-          </a:prstGeom>
-        </p:spPr>
-      </p:pic>
-      <p:pic>
-        <p:nvPicPr>
-          <p:cNvPr id="9" name="Picture 2" descr="File:Gaumont logo.svg - Wikimedia Commons"/>
-          <p:cNvPicPr>
-            <a:picLocks noChangeAspect="1" noChangeArrowheads="1"/>
-          </p:cNvPicPr>
-          <p:nvPr/>
-        </p:nvPicPr>
-        <p:blipFill>
-          <a:blip r:embed="rId4">
-            <a:extLst>
-              <a:ext uri="{28A0092B-C50C-407E-A947-70E740481C1C}">
-                <a14:useLocalDpi xmlns:a14="http://schemas.microsoft.com/office/drawing/2010/main" val="0"/>
-              </a:ext>
-            </a:extLst>
-          </a:blip>
-          <a:srcRect/>
-          <a:stretch>
-            <a:fillRect/>
-          </a:stretch>
-        </p:blipFill>
-        <p:spPr bwMode="auto">
-          <a:xfrm>
-            <a:off x="10354156" y="539886"/>
-            <a:ext cx="1402045" cy="472095"/>
-          </a:xfrm>
-          <a:prstGeom prst="rect">
-            <a:avLst/>
-          </a:prstGeom>
-          <a:noFill/>
-          <a:extLst>
-            <a:ext uri="{909E8E84-426E-40DD-AFC4-6F175D3DCCD1}">
-              <a14:hiddenFill xmlns:a14="http://schemas.microsoft.com/office/drawing/2010/main">
-                <a:solidFill>
-                  <a:srgbClr val="FFFFFF"/>
-                </a:solidFill>
-              </a14:hiddenFill>
-            </a:ext>
-          </a:extLst>
-        </p:spPr>
-      </p:pic>
-    </p:spTree>
-    <p:extLst>
-      <p:ext uri="{BB962C8B-B14F-4D97-AF65-F5344CB8AC3E}">
-        <p14:creationId xmlns:p14="http://schemas.microsoft.com/office/powerpoint/2010/main" val="2916227317"/>
-      </p:ext>
-    </p:extLst>
-  </p:cSld>
-  <p:clrMapOvr>
-    <a:masterClrMapping/>
-  </p:clrMapOvr>
-  <p:timing>
-    <p:tnLst>
-      <p:par>
-        <p:cTn id="1" dur="indefinite" restart="never" nodeType="tmRoot">
-          <p:childTnLst>
-            <p:seq concurrent="1" nextAc="seek">
-              <p:cTn id="2" dur="indefinite" nodeType="mainSeq">
-                <p:childTnLst>
-                  <p:par>
-                    <p:cTn id="3" fill="hold">
-                      <p:stCondLst>
-                        <p:cond delay="indefinite"/>
-                      </p:stCondLst>
-                      <p:childTnLst>
-                        <p:par>
-                          <p:cTn id="4" fill="hold">
-                            <p:stCondLst>
-                              <p:cond delay="0"/>
-                            </p:stCondLst>
-                            <p:childTnLst>
-                              <p:par>
-                                <p:cTn id="5" presetID="1" presetClass="entr" presetSubtype="0" fill="hold" grpId="0" nodeType="clickEffect">
-                                  <p:stCondLst>
-                                    <p:cond delay="0"/>
-                                  </p:stCondLst>
-                                  <p:childTnLst>
-                                    <p:set>
-                                      <p:cBhvr>
-                                        <p:cTn id="6" dur="1" fill="hold">
-                                          <p:stCondLst>
-                                            <p:cond delay="0"/>
-                                          </p:stCondLst>
-                                        </p:cTn>
-                                        <p:tgtEl>
-                                          <p:spTgt spid="5">
-                                            <p:txEl>
-                                              <p:pRg st="0" end="0"/>
-                                            </p:txEl>
-                                          </p:spTgt>
-                                        </p:tgtEl>
-                                        <p:attrNameLst>
-                                          <p:attrName>style.visibility</p:attrName>
-                                        </p:attrNameLst>
-                                      </p:cBhvr>
-                                      <p:to>
-                                        <p:strVal val="visible"/>
-                                      </p:to>
-                                    </p:set>
-                                  </p:childTnLst>
-                                </p:cTn>
-                              </p:par>
-                              <p:par>
-                                <p:cTn id="7" presetID="1" presetClass="entr" presetSubtype="0" fill="hold" nodeType="withEffect">
-                                  <p:stCondLst>
-                                    <p:cond delay="0"/>
-                                  </p:stCondLst>
-                                  <p:childTnLst>
-                                    <p:set>
-                                      <p:cBhvr>
-                                        <p:cTn id="8" dur="1" fill="hold">
-                                          <p:stCondLst>
-                                            <p:cond delay="0"/>
-                                          </p:stCondLst>
-                                        </p:cTn>
-                                        <p:tgtEl>
-                                          <p:spTgt spid="8"/>
-                                        </p:tgtEl>
-                                        <p:attrNameLst>
-                                          <p:attrName>style.visibility</p:attrName>
-                                        </p:attrNameLst>
-                                      </p:cBhvr>
-                                      <p:to>
-                                        <p:strVal val="visible"/>
-                                      </p:to>
-                                    </p:set>
-                                  </p:childTnLst>
-                                </p:cTn>
-                              </p:par>
-                              <p:par>
-                                <p:cTn id="9" presetID="1" presetClass="entr" presetSubtype="0" fill="hold" grpId="0" nodeType="withEffect">
-                                  <p:stCondLst>
-                                    <p:cond delay="0"/>
-                                  </p:stCondLst>
-                                  <p:childTnLst>
-                                    <p:set>
-                                      <p:cBhvr>
-                                        <p:cTn id="10" dur="1" fill="hold">
-                                          <p:stCondLst>
-                                            <p:cond delay="0"/>
-                                          </p:stCondLst>
-                                        </p:cTn>
-                                        <p:tgtEl>
-                                          <p:spTgt spid="6">
-                                            <p:txEl>
-                                              <p:pRg st="6" end="6"/>
-                                            </p:txEl>
-                                          </p:spTgt>
-                                        </p:tgtEl>
-                                        <p:attrNameLst>
-                                          <p:attrName>style.visibility</p:attrName>
-                                        </p:attrNameLst>
-                                      </p:cBhvr>
-                                      <p:to>
-                                        <p:strVal val="visible"/>
-                                      </p:to>
-                                    </p:set>
-                                  </p:childTnLst>
-                                </p:cTn>
-                              </p:par>
-                              <p:par>
-                                <p:cTn id="11" presetID="1" presetClass="entr" presetSubtype="0" fill="hold" grpId="0" nodeType="withEffect">
-                                  <p:stCondLst>
-                                    <p:cond delay="0"/>
-                                  </p:stCondLst>
-                                  <p:childTnLst>
-                                    <p:set>
-                                      <p:cBhvr>
-                                        <p:cTn id="12" dur="1" fill="hold">
-                                          <p:stCondLst>
-                                            <p:cond delay="0"/>
-                                          </p:stCondLst>
-                                        </p:cTn>
-                                        <p:tgtEl>
-                                          <p:spTgt spid="6">
-                                            <p:txEl>
-                                              <p:pRg st="7" end="7"/>
-                                            </p:txEl>
-                                          </p:spTgt>
-                                        </p:tgtEl>
-                                        <p:attrNameLst>
-                                          <p:attrName>style.visibility</p:attrName>
-                                        </p:attrNameLst>
-                                      </p:cBhvr>
-                                      <p:to>
-                                        <p:strVal val="visible"/>
-                                      </p:to>
-                                    </p:set>
-                                  </p:childTnLst>
-                                </p:cTn>
-                              </p:par>
-                            </p:childTnLst>
-                          </p:cTn>
-                        </p:par>
-                      </p:childTnLst>
-                    </p:cTn>
-                  </p:par>
-                </p:childTnLst>
-              </p:cTn>
-              <p:prevCondLst>
-                <p:cond evt="onPrev" delay="0">
-                  <p:tgtEl>
-                    <p:sldTgt/>
-                  </p:tgtEl>
-                </p:cond>
-              </p:prevCondLst>
-              <p:nextCondLst>
-                <p:cond evt="onNext" delay="0">
-                  <p:tgtEl>
-                    <p:sldTgt/>
-                  </p:tgtEl>
-                </p:cond>
-              </p:nextCondLst>
-            </p:seq>
-          </p:childTnLst>
-        </p:cTn>
-      </p:par>
-    </p:tnLst>
-    <p:bldLst>
-      <p:bldP spid="5" grpId="0" build="p"/>
-      <p:bldP spid="6" grpId="0" build="p"/>
-    </p:bldLst>
-  </p:timing>
-</p:sld>
-</file>
-
-<file path=ppt/slides/slide9.xml><?xml version="1.0" encoding="utf-8"?>
+<file path=ppt/slides/slide10.xml><?xml version="1.0" encoding="utf-8"?>
 <p:sld xmlns:a="http://schemas.openxmlformats.org/drawingml/2006/main" xmlns:r="http://schemas.openxmlformats.org/officeDocument/2006/relationships" xmlns:p="http://schemas.openxmlformats.org/presentationml/2006/main">
   <p:cSld>
     <p:spTree>
@@ -8237,6 +5354,4295 @@
         </p:cTn>
       </p:par>
     </p:tnLst>
+  </p:timing>
+</p:sld>
+</file>
+
+<file path=ppt/slides/slide11.xml><?xml version="1.0" encoding="utf-8"?>
+<p:sld xmlns:a="http://schemas.openxmlformats.org/drawingml/2006/main" xmlns:r="http://schemas.openxmlformats.org/officeDocument/2006/relationships" xmlns:p="http://schemas.openxmlformats.org/presentationml/2006/main">
+  <p:cSld>
+    <p:spTree>
+      <p:nvGrpSpPr>
+        <p:cNvPr id="1" name=""/>
+        <p:cNvGrpSpPr/>
+        <p:nvPr/>
+      </p:nvGrpSpPr>
+      <p:grpSpPr>
+        <a:xfrm>
+          <a:off x="0" y="0"/>
+          <a:ext cx="0" cy="0"/>
+          <a:chOff x="0" y="0"/>
+          <a:chExt cx="0" cy="0"/>
+        </a:xfrm>
+      </p:grpSpPr>
+      <p:sp>
+        <p:nvSpPr>
+          <p:cNvPr id="2" name="Titre 1"/>
+          <p:cNvSpPr>
+            <a:spLocks noGrp="1"/>
+          </p:cNvSpPr>
+          <p:nvPr>
+            <p:ph type="title"/>
+          </p:nvPr>
+        </p:nvSpPr>
+        <p:spPr/>
+        <p:txBody>
+          <a:bodyPr/>
+          <a:lstStyle/>
+          <a:p>
+            <a:r>
+              <a:rPr lang="fr-FR" dirty="0" smtClean="0"/>
+              <a:t>Conclusion</a:t>
+            </a:r>
+            <a:endParaRPr lang="fr-FR" dirty="0"/>
+          </a:p>
+        </p:txBody>
+      </p:sp>
+      <p:sp>
+        <p:nvSpPr>
+          <p:cNvPr id="4" name="Espace réservé du texte 3"/>
+          <p:cNvSpPr>
+            <a:spLocks noGrp="1"/>
+          </p:cNvSpPr>
+          <p:nvPr>
+            <p:ph type="body" sz="half" idx="2"/>
+          </p:nvPr>
+        </p:nvSpPr>
+        <p:spPr/>
+        <p:txBody>
+          <a:bodyPr/>
+          <a:lstStyle/>
+          <a:p>
+            <a:r>
+              <a:rPr lang="en-GB" sz="1600" i="1" cap="all" spc="200" dirty="0">
+                <a:solidFill>
+                  <a:srgbClr val="696464"/>
+                </a:solidFill>
+                <a:latin typeface="Calibri Light" panose="020F0302020204030204"/>
+              </a:rPr>
+              <a:t>A data analysis from 1980 to 2020 in French cinemas</a:t>
+            </a:r>
+          </a:p>
+          <a:p>
+            <a:endParaRPr lang="fr-FR" dirty="0"/>
+          </a:p>
+        </p:txBody>
+      </p:sp>
+      <p:sp>
+        <p:nvSpPr>
+          <p:cNvPr id="6" name="Espace réservé du contenu 5"/>
+          <p:cNvSpPr>
+            <a:spLocks noGrp="1"/>
+          </p:cNvSpPr>
+          <p:nvPr>
+            <p:ph idx="1"/>
+          </p:nvPr>
+        </p:nvSpPr>
+        <p:spPr/>
+        <p:txBody>
+          <a:bodyPr/>
+          <a:lstStyle/>
+          <a:p>
+            <a:pPr lvl="0">
+              <a:buClr>
+                <a:srgbClr val="D34817"/>
+              </a:buClr>
+              <a:buFont typeface="Arial" panose="020B0604020202020204" pitchFamily="34" charset="0"/>
+              <a:buChar char="•"/>
+            </a:pPr>
+            <a:endParaRPr lang="en-GB" b="1" dirty="0" smtClean="0">
+              <a:solidFill>
+                <a:prstClr val="black">
+                  <a:lumMod val="75000"/>
+                  <a:lumOff val="25000"/>
+                </a:prstClr>
+              </a:solidFill>
+            </a:endParaRPr>
+          </a:p>
+          <a:p>
+            <a:pPr lvl="0">
+              <a:buClr>
+                <a:srgbClr val="D34817"/>
+              </a:buClr>
+              <a:buFont typeface="Arial" panose="020B0604020202020204" pitchFamily="34" charset="0"/>
+              <a:buChar char="•"/>
+            </a:pPr>
+            <a:endParaRPr lang="en-GB" b="1" dirty="0">
+              <a:solidFill>
+                <a:prstClr val="black">
+                  <a:lumMod val="75000"/>
+                  <a:lumOff val="25000"/>
+                </a:prstClr>
+              </a:solidFill>
+            </a:endParaRPr>
+          </a:p>
+          <a:p>
+            <a:pPr lvl="0">
+              <a:buClr>
+                <a:srgbClr val="D34817"/>
+              </a:buClr>
+              <a:buFont typeface="Arial" panose="020B0604020202020204" pitchFamily="34" charset="0"/>
+              <a:buChar char="•"/>
+            </a:pPr>
+            <a:r>
+              <a:rPr lang="en-GB" b="1" dirty="0" smtClean="0">
+                <a:solidFill>
+                  <a:prstClr val="black">
+                    <a:lumMod val="75000"/>
+                    <a:lumOff val="25000"/>
+                  </a:prstClr>
+                </a:solidFill>
+              </a:rPr>
+              <a:t>Overall audience </a:t>
+            </a:r>
+            <a:r>
+              <a:rPr lang="en-GB" dirty="0" smtClean="0">
+                <a:solidFill>
+                  <a:prstClr val="black">
+                    <a:lumMod val="75000"/>
+                    <a:lumOff val="25000"/>
+                  </a:prstClr>
+                </a:solidFill>
+              </a:rPr>
+              <a:t>:  has not slowed down before </a:t>
+            </a:r>
+            <a:r>
+              <a:rPr lang="en-GB" dirty="0" err="1" smtClean="0">
+                <a:solidFill>
+                  <a:prstClr val="black">
+                    <a:lumMod val="75000"/>
+                    <a:lumOff val="25000"/>
+                  </a:prstClr>
+                </a:solidFill>
+              </a:rPr>
+              <a:t>Covid</a:t>
+            </a:r>
+            <a:endParaRPr lang="en-GB" dirty="0" smtClean="0">
+              <a:solidFill>
+                <a:prstClr val="black">
+                  <a:lumMod val="75000"/>
+                  <a:lumOff val="25000"/>
+                </a:prstClr>
+              </a:solidFill>
+            </a:endParaRPr>
+          </a:p>
+          <a:p>
+            <a:pPr lvl="0">
+              <a:buClr>
+                <a:srgbClr val="D34817"/>
+              </a:buClr>
+              <a:buFont typeface="Arial" panose="020B0604020202020204" pitchFamily="34" charset="0"/>
+              <a:buChar char="•"/>
+            </a:pPr>
+            <a:endParaRPr lang="en-GB" dirty="0">
+              <a:solidFill>
+                <a:prstClr val="black">
+                  <a:lumMod val="75000"/>
+                  <a:lumOff val="25000"/>
+                </a:prstClr>
+              </a:solidFill>
+            </a:endParaRPr>
+          </a:p>
+          <a:p>
+            <a:pPr>
+              <a:buClr>
+                <a:srgbClr val="D34817"/>
+              </a:buClr>
+              <a:buFont typeface="Arial" panose="020B0604020202020204" pitchFamily="34" charset="0"/>
+              <a:buChar char="•"/>
+            </a:pPr>
+            <a:r>
+              <a:rPr lang="en-GB" b="1" dirty="0">
+                <a:solidFill>
+                  <a:prstClr val="black">
+                    <a:lumMod val="75000"/>
+                    <a:lumOff val="25000"/>
+                  </a:prstClr>
+                </a:solidFill>
+              </a:rPr>
+              <a:t> Overall </a:t>
+            </a:r>
+            <a:r>
+              <a:rPr lang="en-GB" b="1" dirty="0" smtClean="0">
+                <a:solidFill>
+                  <a:prstClr val="black">
+                    <a:lumMod val="75000"/>
+                    <a:lumOff val="25000"/>
+                  </a:prstClr>
+                </a:solidFill>
+              </a:rPr>
+              <a:t>revenue</a:t>
+            </a:r>
+            <a:r>
+              <a:rPr lang="en-GB" dirty="0" smtClean="0">
+                <a:solidFill>
+                  <a:prstClr val="black">
+                    <a:lumMod val="75000"/>
+                    <a:lumOff val="25000"/>
+                  </a:prstClr>
+                </a:solidFill>
+              </a:rPr>
+              <a:t>:  </a:t>
+            </a:r>
+            <a:r>
+              <a:rPr lang="en-GB" dirty="0">
+                <a:solidFill>
+                  <a:prstClr val="black">
+                    <a:lumMod val="75000"/>
+                    <a:lumOff val="25000"/>
+                  </a:prstClr>
+                </a:solidFill>
+              </a:rPr>
+              <a:t>has not slowed </a:t>
+            </a:r>
+            <a:r>
+              <a:rPr lang="en-GB" dirty="0" smtClean="0">
+                <a:solidFill>
+                  <a:prstClr val="black">
+                    <a:lumMod val="75000"/>
+                    <a:lumOff val="25000"/>
+                  </a:prstClr>
+                </a:solidFill>
+              </a:rPr>
+              <a:t>down before </a:t>
+            </a:r>
+            <a:r>
+              <a:rPr lang="en-GB" dirty="0" err="1" smtClean="0">
+                <a:solidFill>
+                  <a:prstClr val="black">
+                    <a:lumMod val="75000"/>
+                    <a:lumOff val="25000"/>
+                  </a:prstClr>
+                </a:solidFill>
+              </a:rPr>
+              <a:t>Covid</a:t>
+            </a:r>
+            <a:r>
+              <a:rPr lang="en-GB" dirty="0" smtClean="0">
+                <a:solidFill>
+                  <a:prstClr val="black">
+                    <a:lumMod val="75000"/>
+                    <a:lumOff val="25000"/>
+                  </a:prstClr>
+                </a:solidFill>
+              </a:rPr>
+              <a:t> </a:t>
+            </a:r>
+          </a:p>
+          <a:p>
+            <a:pPr lvl="1">
+              <a:buClr>
+                <a:srgbClr val="D34817"/>
+              </a:buClr>
+              <a:buFont typeface="Arial" panose="020B0604020202020204" pitchFamily="34" charset="0"/>
+              <a:buChar char="•"/>
+            </a:pPr>
+            <a:r>
+              <a:rPr lang="en-GB" dirty="0" smtClean="0">
+                <a:solidFill>
+                  <a:prstClr val="black">
+                    <a:lumMod val="75000"/>
+                    <a:lumOff val="25000"/>
+                  </a:prstClr>
+                </a:solidFill>
+              </a:rPr>
+              <a:t>revenue correlates with inflation</a:t>
+            </a:r>
+          </a:p>
+          <a:p>
+            <a:pPr marL="0" indent="0">
+              <a:buClr>
+                <a:srgbClr val="D34817"/>
+              </a:buClr>
+              <a:buNone/>
+            </a:pPr>
+            <a:endParaRPr lang="en-GB" dirty="0">
+              <a:solidFill>
+                <a:prstClr val="black">
+                  <a:lumMod val="75000"/>
+                  <a:lumOff val="25000"/>
+                </a:prstClr>
+              </a:solidFill>
+            </a:endParaRPr>
+          </a:p>
+          <a:p>
+            <a:pPr>
+              <a:buClr>
+                <a:srgbClr val="D34817"/>
+              </a:buClr>
+              <a:buFont typeface="Arial" panose="020B0604020202020204" pitchFamily="34" charset="0"/>
+              <a:buChar char="•"/>
+            </a:pPr>
+            <a:r>
+              <a:rPr lang="en-GB" b="1" dirty="0" smtClean="0">
+                <a:solidFill>
+                  <a:prstClr val="black">
+                    <a:lumMod val="75000"/>
+                    <a:lumOff val="25000"/>
+                  </a:prstClr>
+                </a:solidFill>
+              </a:rPr>
+              <a:t>Audience behaviour </a:t>
+            </a:r>
+            <a:r>
+              <a:rPr lang="en-GB" dirty="0" smtClean="0">
+                <a:solidFill>
+                  <a:prstClr val="black">
+                    <a:lumMod val="75000"/>
+                    <a:lumOff val="25000"/>
+                  </a:prstClr>
+                </a:solidFill>
+              </a:rPr>
+              <a:t>: has slightly changed:</a:t>
+            </a:r>
+          </a:p>
+          <a:p>
+            <a:pPr lvl="1">
+              <a:buClr>
+                <a:srgbClr val="D34817"/>
+              </a:buClr>
+              <a:buFont typeface="Arial" panose="020B0604020202020204" pitchFamily="34" charset="0"/>
+              <a:buChar char="•"/>
+            </a:pPr>
+            <a:r>
+              <a:rPr lang="en-GB" dirty="0" smtClean="0">
+                <a:solidFill>
+                  <a:prstClr val="black">
+                    <a:lumMod val="75000"/>
+                    <a:lumOff val="25000"/>
+                  </a:prstClr>
+                </a:solidFill>
+              </a:rPr>
+              <a:t>More animation movies</a:t>
+            </a:r>
+          </a:p>
+          <a:p>
+            <a:pPr lvl="1">
+              <a:buClr>
+                <a:srgbClr val="D34817"/>
+              </a:buClr>
+              <a:buFont typeface="Arial" panose="020B0604020202020204" pitchFamily="34" charset="0"/>
+              <a:buChar char="•"/>
+            </a:pPr>
+            <a:r>
+              <a:rPr lang="en-GB" dirty="0" smtClean="0">
+                <a:solidFill>
+                  <a:prstClr val="black">
+                    <a:lumMod val="75000"/>
+                    <a:lumOff val="25000"/>
+                  </a:prstClr>
+                </a:solidFill>
+              </a:rPr>
+              <a:t>More traffic on Wednesday </a:t>
+            </a:r>
+          </a:p>
+          <a:p>
+            <a:pPr lvl="1">
+              <a:buClr>
+                <a:srgbClr val="D34817"/>
+              </a:buClr>
+              <a:buFont typeface="Arial" panose="020B0604020202020204" pitchFamily="34" charset="0"/>
+              <a:buChar char="•"/>
+            </a:pPr>
+            <a:r>
+              <a:rPr lang="en-GB" dirty="0" smtClean="0">
+                <a:solidFill>
+                  <a:prstClr val="black">
+                    <a:lumMod val="75000"/>
+                    <a:lumOff val="25000"/>
+                  </a:prstClr>
+                </a:solidFill>
+              </a:rPr>
+              <a:t>More audience in February and April</a:t>
+            </a:r>
+          </a:p>
+          <a:p>
+            <a:pPr lvl="1">
+              <a:buClr>
+                <a:srgbClr val="D34817"/>
+              </a:buClr>
+              <a:buFont typeface="Arial" panose="020B0604020202020204" pitchFamily="34" charset="0"/>
+              <a:buChar char="•"/>
+            </a:pPr>
+            <a:r>
+              <a:rPr lang="en-GB" dirty="0" smtClean="0">
+                <a:solidFill>
+                  <a:prstClr val="black">
+                    <a:lumMod val="75000"/>
+                    <a:lumOff val="25000"/>
+                  </a:prstClr>
+                </a:solidFill>
+              </a:rPr>
+              <a:t>Less audience in September</a:t>
+            </a:r>
+          </a:p>
+          <a:p>
+            <a:pPr lvl="1">
+              <a:buClr>
+                <a:srgbClr val="D34817"/>
+              </a:buClr>
+              <a:buFont typeface="Arial" panose="020B0604020202020204" pitchFamily="34" charset="0"/>
+              <a:buChar char="•"/>
+            </a:pPr>
+            <a:endParaRPr lang="en-GB" dirty="0">
+              <a:solidFill>
+                <a:prstClr val="black">
+                  <a:lumMod val="75000"/>
+                  <a:lumOff val="25000"/>
+                </a:prstClr>
+              </a:solidFill>
+            </a:endParaRPr>
+          </a:p>
+          <a:p>
+            <a:pPr lvl="0">
+              <a:buClr>
+                <a:srgbClr val="D34817"/>
+              </a:buClr>
+              <a:buFont typeface="Arial" panose="020B0604020202020204" pitchFamily="34" charset="0"/>
+              <a:buChar char="•"/>
+            </a:pPr>
+            <a:endParaRPr lang="en-GB" dirty="0">
+              <a:solidFill>
+                <a:prstClr val="black">
+                  <a:lumMod val="75000"/>
+                  <a:lumOff val="25000"/>
+                </a:prstClr>
+              </a:solidFill>
+            </a:endParaRPr>
+          </a:p>
+          <a:p>
+            <a:endParaRPr lang="fr-FR" dirty="0"/>
+          </a:p>
+        </p:txBody>
+      </p:sp>
+      <p:grpSp>
+        <p:nvGrpSpPr>
+          <p:cNvPr id="9" name="Groupe 8"/>
+          <p:cNvGrpSpPr/>
+          <p:nvPr/>
+        </p:nvGrpSpPr>
+        <p:grpSpPr>
+          <a:xfrm>
+            <a:off x="7915836" y="4203266"/>
+            <a:ext cx="1682407" cy="412376"/>
+            <a:chOff x="7924800" y="3288700"/>
+            <a:chExt cx="1682407" cy="412376"/>
+          </a:xfrm>
+        </p:grpSpPr>
+        <p:sp>
+          <p:nvSpPr>
+            <p:cNvPr id="7" name="Chevron 6"/>
+            <p:cNvSpPr/>
+            <p:nvPr/>
+          </p:nvSpPr>
+          <p:spPr>
+            <a:xfrm>
+              <a:off x="7924800" y="3288700"/>
+              <a:ext cx="457200" cy="412376"/>
+            </a:xfrm>
+            <a:prstGeom prst="chevron">
+              <a:avLst/>
+            </a:prstGeom>
+          </p:spPr>
+          <p:style>
+            <a:lnRef idx="2">
+              <a:schemeClr val="accent1">
+                <a:shade val="50000"/>
+              </a:schemeClr>
+            </a:lnRef>
+            <a:fillRef idx="1">
+              <a:schemeClr val="accent1"/>
+            </a:fillRef>
+            <a:effectRef idx="0">
+              <a:schemeClr val="accent1"/>
+            </a:effectRef>
+            <a:fontRef idx="minor">
+              <a:schemeClr val="lt1"/>
+            </a:fontRef>
+          </p:style>
+          <p:txBody>
+            <a:bodyPr rtlCol="0" anchor="ctr"/>
+            <a:lstStyle/>
+            <a:p>
+              <a:pPr algn="ctr"/>
+              <a:endParaRPr lang="fr-FR">
+                <a:solidFill>
+                  <a:schemeClr val="tx1"/>
+                </a:solidFill>
+              </a:endParaRPr>
+            </a:p>
+          </p:txBody>
+        </p:sp>
+        <p:sp>
+          <p:nvSpPr>
+            <p:cNvPr id="8" name="ZoneTexte 7"/>
+            <p:cNvSpPr txBox="1"/>
+            <p:nvPr/>
+          </p:nvSpPr>
+          <p:spPr>
+            <a:xfrm>
+              <a:off x="8382000" y="3310222"/>
+              <a:ext cx="1225207" cy="369332"/>
+            </a:xfrm>
+            <a:prstGeom prst="rect">
+              <a:avLst/>
+            </a:prstGeom>
+            <a:noFill/>
+          </p:spPr>
+          <p:txBody>
+            <a:bodyPr wrap="none" rtlCol="0">
+              <a:spAutoFit/>
+            </a:bodyPr>
+            <a:lstStyle/>
+            <a:p>
+              <a:r>
+                <a:rPr lang="fr-FR" dirty="0">
+                  <a:solidFill>
+                    <a:prstClr val="black">
+                      <a:lumMod val="75000"/>
+                      <a:lumOff val="25000"/>
+                    </a:prstClr>
+                  </a:solidFill>
+                </a:rPr>
+                <a:t>More kids?</a:t>
+              </a:r>
+            </a:p>
+          </p:txBody>
+        </p:sp>
+      </p:grpSp>
+      <p:pic>
+        <p:nvPicPr>
+          <p:cNvPr id="12" name="Picture 2" descr="File:Gaumont logo.svg - Wikimedia Commons"/>
+          <p:cNvPicPr>
+            <a:picLocks noChangeAspect="1" noChangeArrowheads="1"/>
+          </p:cNvPicPr>
+          <p:nvPr/>
+        </p:nvPicPr>
+        <p:blipFill>
+          <a:blip r:embed="rId3">
+            <a:extLst>
+              <a:ext uri="{28A0092B-C50C-407E-A947-70E740481C1C}">
+                <a14:useLocalDpi xmlns:a14="http://schemas.microsoft.com/office/drawing/2010/main" val="0"/>
+              </a:ext>
+            </a:extLst>
+          </a:blip>
+          <a:srcRect/>
+          <a:stretch>
+            <a:fillRect/>
+          </a:stretch>
+        </p:blipFill>
+        <p:spPr bwMode="auto">
+          <a:xfrm>
+            <a:off x="10354156" y="539886"/>
+            <a:ext cx="1402045" cy="472095"/>
+          </a:xfrm>
+          <a:prstGeom prst="rect">
+            <a:avLst/>
+          </a:prstGeom>
+          <a:noFill/>
+          <a:extLst>
+            <a:ext uri="{909E8E84-426E-40DD-AFC4-6F175D3DCCD1}">
+              <a14:hiddenFill xmlns:a14="http://schemas.microsoft.com/office/drawing/2010/main">
+                <a:solidFill>
+                  <a:srgbClr val="FFFFFF"/>
+                </a:solidFill>
+              </a14:hiddenFill>
+            </a:ext>
+          </a:extLst>
+        </p:spPr>
+      </p:pic>
+    </p:spTree>
+    <p:extLst>
+      <p:ext uri="{BB962C8B-B14F-4D97-AF65-F5344CB8AC3E}">
+        <p14:creationId xmlns:p14="http://schemas.microsoft.com/office/powerpoint/2010/main" val="3733840319"/>
+      </p:ext>
+    </p:extLst>
+  </p:cSld>
+  <p:clrMapOvr>
+    <a:masterClrMapping/>
+  </p:clrMapOvr>
+  <p:timing>
+    <p:tnLst>
+      <p:par>
+        <p:cTn id="1" dur="indefinite" restart="never" nodeType="tmRoot">
+          <p:childTnLst>
+            <p:seq concurrent="1" nextAc="seek">
+              <p:cTn id="2" dur="indefinite" nodeType="mainSeq">
+                <p:childTnLst>
+                  <p:par>
+                    <p:cTn id="3" fill="hold">
+                      <p:stCondLst>
+                        <p:cond delay="indefinite"/>
+                      </p:stCondLst>
+                      <p:childTnLst>
+                        <p:par>
+                          <p:cTn id="4" fill="hold">
+                            <p:stCondLst>
+                              <p:cond delay="0"/>
+                            </p:stCondLst>
+                            <p:childTnLst>
+                              <p:par>
+                                <p:cTn id="5" presetID="1" presetClass="entr" presetSubtype="0" fill="hold" nodeType="clickEffect">
+                                  <p:stCondLst>
+                                    <p:cond delay="0"/>
+                                  </p:stCondLst>
+                                  <p:childTnLst>
+                                    <p:set>
+                                      <p:cBhvr>
+                                        <p:cTn id="6" dur="1" fill="hold">
+                                          <p:stCondLst>
+                                            <p:cond delay="0"/>
+                                          </p:stCondLst>
+                                        </p:cTn>
+                                        <p:tgtEl>
+                                          <p:spTgt spid="6">
+                                            <p:txEl>
+                                              <p:pRg st="4" end="4"/>
+                                            </p:txEl>
+                                          </p:spTgt>
+                                        </p:tgtEl>
+                                        <p:attrNameLst>
+                                          <p:attrName>style.visibility</p:attrName>
+                                        </p:attrNameLst>
+                                      </p:cBhvr>
+                                      <p:to>
+                                        <p:strVal val="visible"/>
+                                      </p:to>
+                                    </p:set>
+                                  </p:childTnLst>
+                                </p:cTn>
+                              </p:par>
+                              <p:par>
+                                <p:cTn id="7" presetID="1" presetClass="entr" presetSubtype="0" fill="hold" nodeType="withEffect">
+                                  <p:stCondLst>
+                                    <p:cond delay="0"/>
+                                  </p:stCondLst>
+                                  <p:childTnLst>
+                                    <p:set>
+                                      <p:cBhvr>
+                                        <p:cTn id="8" dur="1" fill="hold">
+                                          <p:stCondLst>
+                                            <p:cond delay="0"/>
+                                          </p:stCondLst>
+                                        </p:cTn>
+                                        <p:tgtEl>
+                                          <p:spTgt spid="6">
+                                            <p:txEl>
+                                              <p:pRg st="5" end="5"/>
+                                            </p:txEl>
+                                          </p:spTgt>
+                                        </p:tgtEl>
+                                        <p:attrNameLst>
+                                          <p:attrName>style.visibility</p:attrName>
+                                        </p:attrNameLst>
+                                      </p:cBhvr>
+                                      <p:to>
+                                        <p:strVal val="visible"/>
+                                      </p:to>
+                                    </p:set>
+                                  </p:childTnLst>
+                                </p:cTn>
+                              </p:par>
+                            </p:childTnLst>
+                          </p:cTn>
+                        </p:par>
+                      </p:childTnLst>
+                    </p:cTn>
+                  </p:par>
+                  <p:par>
+                    <p:cTn id="9" fill="hold">
+                      <p:stCondLst>
+                        <p:cond delay="indefinite"/>
+                      </p:stCondLst>
+                      <p:childTnLst>
+                        <p:par>
+                          <p:cTn id="10" fill="hold">
+                            <p:stCondLst>
+                              <p:cond delay="0"/>
+                            </p:stCondLst>
+                            <p:childTnLst>
+                              <p:par>
+                                <p:cTn id="11" presetID="1" presetClass="entr" presetSubtype="0" fill="hold" nodeType="clickEffect">
+                                  <p:stCondLst>
+                                    <p:cond delay="0"/>
+                                  </p:stCondLst>
+                                  <p:childTnLst>
+                                    <p:set>
+                                      <p:cBhvr>
+                                        <p:cTn id="12" dur="1" fill="hold">
+                                          <p:stCondLst>
+                                            <p:cond delay="0"/>
+                                          </p:stCondLst>
+                                        </p:cTn>
+                                        <p:tgtEl>
+                                          <p:spTgt spid="6">
+                                            <p:txEl>
+                                              <p:pRg st="7" end="7"/>
+                                            </p:txEl>
+                                          </p:spTgt>
+                                        </p:tgtEl>
+                                        <p:attrNameLst>
+                                          <p:attrName>style.visibility</p:attrName>
+                                        </p:attrNameLst>
+                                      </p:cBhvr>
+                                      <p:to>
+                                        <p:strVal val="visible"/>
+                                      </p:to>
+                                    </p:set>
+                                  </p:childTnLst>
+                                </p:cTn>
+                              </p:par>
+                              <p:par>
+                                <p:cTn id="13" presetID="1" presetClass="entr" presetSubtype="0" fill="hold" nodeType="withEffect">
+                                  <p:stCondLst>
+                                    <p:cond delay="0"/>
+                                  </p:stCondLst>
+                                  <p:childTnLst>
+                                    <p:set>
+                                      <p:cBhvr>
+                                        <p:cTn id="14" dur="1" fill="hold">
+                                          <p:stCondLst>
+                                            <p:cond delay="0"/>
+                                          </p:stCondLst>
+                                        </p:cTn>
+                                        <p:tgtEl>
+                                          <p:spTgt spid="6">
+                                            <p:txEl>
+                                              <p:pRg st="8" end="8"/>
+                                            </p:txEl>
+                                          </p:spTgt>
+                                        </p:tgtEl>
+                                        <p:attrNameLst>
+                                          <p:attrName>style.visibility</p:attrName>
+                                        </p:attrNameLst>
+                                      </p:cBhvr>
+                                      <p:to>
+                                        <p:strVal val="visible"/>
+                                      </p:to>
+                                    </p:set>
+                                  </p:childTnLst>
+                                </p:cTn>
+                              </p:par>
+                              <p:par>
+                                <p:cTn id="15" presetID="1" presetClass="entr" presetSubtype="0" fill="hold" nodeType="withEffect">
+                                  <p:stCondLst>
+                                    <p:cond delay="0"/>
+                                  </p:stCondLst>
+                                  <p:childTnLst>
+                                    <p:set>
+                                      <p:cBhvr>
+                                        <p:cTn id="16" dur="1" fill="hold">
+                                          <p:stCondLst>
+                                            <p:cond delay="0"/>
+                                          </p:stCondLst>
+                                        </p:cTn>
+                                        <p:tgtEl>
+                                          <p:spTgt spid="6">
+                                            <p:txEl>
+                                              <p:pRg st="9" end="9"/>
+                                            </p:txEl>
+                                          </p:spTgt>
+                                        </p:tgtEl>
+                                        <p:attrNameLst>
+                                          <p:attrName>style.visibility</p:attrName>
+                                        </p:attrNameLst>
+                                      </p:cBhvr>
+                                      <p:to>
+                                        <p:strVal val="visible"/>
+                                      </p:to>
+                                    </p:set>
+                                  </p:childTnLst>
+                                </p:cTn>
+                              </p:par>
+                              <p:par>
+                                <p:cTn id="17" presetID="1" presetClass="entr" presetSubtype="0" fill="hold" nodeType="withEffect">
+                                  <p:stCondLst>
+                                    <p:cond delay="0"/>
+                                  </p:stCondLst>
+                                  <p:childTnLst>
+                                    <p:set>
+                                      <p:cBhvr>
+                                        <p:cTn id="18" dur="1" fill="hold">
+                                          <p:stCondLst>
+                                            <p:cond delay="0"/>
+                                          </p:stCondLst>
+                                        </p:cTn>
+                                        <p:tgtEl>
+                                          <p:spTgt spid="6">
+                                            <p:txEl>
+                                              <p:pRg st="10" end="10"/>
+                                            </p:txEl>
+                                          </p:spTgt>
+                                        </p:tgtEl>
+                                        <p:attrNameLst>
+                                          <p:attrName>style.visibility</p:attrName>
+                                        </p:attrNameLst>
+                                      </p:cBhvr>
+                                      <p:to>
+                                        <p:strVal val="visible"/>
+                                      </p:to>
+                                    </p:set>
+                                  </p:childTnLst>
+                                </p:cTn>
+                              </p:par>
+                              <p:par>
+                                <p:cTn id="19" presetID="1" presetClass="entr" presetSubtype="0" fill="hold" nodeType="withEffect">
+                                  <p:stCondLst>
+                                    <p:cond delay="0"/>
+                                  </p:stCondLst>
+                                  <p:childTnLst>
+                                    <p:set>
+                                      <p:cBhvr>
+                                        <p:cTn id="20" dur="1" fill="hold">
+                                          <p:stCondLst>
+                                            <p:cond delay="0"/>
+                                          </p:stCondLst>
+                                        </p:cTn>
+                                        <p:tgtEl>
+                                          <p:spTgt spid="6">
+                                            <p:txEl>
+                                              <p:pRg st="11" end="11"/>
+                                            </p:txEl>
+                                          </p:spTgt>
+                                        </p:tgtEl>
+                                        <p:attrNameLst>
+                                          <p:attrName>style.visibility</p:attrName>
+                                        </p:attrNameLst>
+                                      </p:cBhvr>
+                                      <p:to>
+                                        <p:strVal val="visible"/>
+                                      </p:to>
+                                    </p:set>
+                                  </p:childTnLst>
+                                </p:cTn>
+                              </p:par>
+                              <p:par>
+                                <p:cTn id="21" presetID="1" presetClass="entr" presetSubtype="0" fill="hold" nodeType="withEffect">
+                                  <p:stCondLst>
+                                    <p:cond delay="0"/>
+                                  </p:stCondLst>
+                                  <p:childTnLst>
+                                    <p:set>
+                                      <p:cBhvr>
+                                        <p:cTn id="22" dur="1" fill="hold">
+                                          <p:stCondLst>
+                                            <p:cond delay="0"/>
+                                          </p:stCondLst>
+                                        </p:cTn>
+                                        <p:tgtEl>
+                                          <p:spTgt spid="9"/>
+                                        </p:tgtEl>
+                                        <p:attrNameLst>
+                                          <p:attrName>style.visibility</p:attrName>
+                                        </p:attrNameLst>
+                                      </p:cBhvr>
+                                      <p:to>
+                                        <p:strVal val="visible"/>
+                                      </p:to>
+                                    </p:set>
+                                  </p:childTnLst>
+                                </p:cTn>
+                              </p:par>
+                            </p:childTnLst>
+                          </p:cTn>
+                        </p:par>
+                      </p:childTnLst>
+                    </p:cTn>
+                  </p:par>
+                </p:childTnLst>
+              </p:cTn>
+              <p:prevCondLst>
+                <p:cond evt="onPrev" delay="0">
+                  <p:tgtEl>
+                    <p:sldTgt/>
+                  </p:tgtEl>
+                </p:cond>
+              </p:prevCondLst>
+              <p:nextCondLst>
+                <p:cond evt="onNext" delay="0">
+                  <p:tgtEl>
+                    <p:sldTgt/>
+                  </p:tgtEl>
+                </p:cond>
+              </p:nextCondLst>
+            </p:seq>
+          </p:childTnLst>
+        </p:cTn>
+      </p:par>
+    </p:tnLst>
+  </p:timing>
+</p:sld>
+</file>
+
+<file path=ppt/slides/slide12.xml><?xml version="1.0" encoding="utf-8"?>
+<p:sld xmlns:a="http://schemas.openxmlformats.org/drawingml/2006/main" xmlns:r="http://schemas.openxmlformats.org/officeDocument/2006/relationships" xmlns:p="http://schemas.openxmlformats.org/presentationml/2006/main">
+  <p:cSld>
+    <p:spTree>
+      <p:nvGrpSpPr>
+        <p:cNvPr id="1" name=""/>
+        <p:cNvGrpSpPr/>
+        <p:nvPr/>
+      </p:nvGrpSpPr>
+      <p:grpSpPr>
+        <a:xfrm>
+          <a:off x="0" y="0"/>
+          <a:ext cx="0" cy="0"/>
+          <a:chOff x="0" y="0"/>
+          <a:chExt cx="0" cy="0"/>
+        </a:xfrm>
+      </p:grpSpPr>
+      <p:sp>
+        <p:nvSpPr>
+          <p:cNvPr id="2" name="Titre 1"/>
+          <p:cNvSpPr>
+            <a:spLocks noGrp="1"/>
+          </p:cNvSpPr>
+          <p:nvPr>
+            <p:ph type="title"/>
+          </p:nvPr>
+        </p:nvSpPr>
+        <p:spPr/>
+        <p:txBody>
+          <a:bodyPr/>
+          <a:lstStyle/>
+          <a:p>
+            <a:r>
+              <a:rPr lang="fr-FR" dirty="0" err="1" smtClean="0"/>
+              <a:t>Thanks</a:t>
+            </a:r>
+            <a:r>
+              <a:rPr lang="fr-FR" dirty="0" smtClean="0"/>
+              <a:t> !</a:t>
+            </a:r>
+            <a:endParaRPr lang="fr-FR" dirty="0"/>
+          </a:p>
+        </p:txBody>
+      </p:sp>
+      <p:pic>
+        <p:nvPicPr>
+          <p:cNvPr id="5" name="Espace réservé pour une image  4"/>
+          <p:cNvPicPr>
+            <a:picLocks noGrp="1" noChangeAspect="1"/>
+          </p:cNvPicPr>
+          <p:nvPr>
+            <p:ph type="pic" idx="1"/>
+          </p:nvPr>
+        </p:nvPicPr>
+        <p:blipFill>
+          <a:blip r:embed="rId2">
+            <a:extLst>
+              <a:ext uri="{28A0092B-C50C-407E-A947-70E740481C1C}">
+                <a14:useLocalDpi xmlns:a14="http://schemas.microsoft.com/office/drawing/2010/main" val="0"/>
+              </a:ext>
+            </a:extLst>
+          </a:blip>
+          <a:srcRect t="9688" b="9688"/>
+          <a:stretch>
+            <a:fillRect/>
+          </a:stretch>
+        </p:blipFill>
+        <p:spPr/>
+      </p:pic>
+      <p:sp>
+        <p:nvSpPr>
+          <p:cNvPr id="4" name="Espace réservé du texte 3"/>
+          <p:cNvSpPr>
+            <a:spLocks noGrp="1"/>
+          </p:cNvSpPr>
+          <p:nvPr>
+            <p:ph type="body" sz="half" idx="2"/>
+          </p:nvPr>
+        </p:nvSpPr>
+        <p:spPr/>
+        <p:txBody>
+          <a:bodyPr/>
+          <a:lstStyle/>
+          <a:p>
+            <a:endParaRPr lang="fr-FR" dirty="0"/>
+          </a:p>
+        </p:txBody>
+      </p:sp>
+    </p:spTree>
+    <p:extLst>
+      <p:ext uri="{BB962C8B-B14F-4D97-AF65-F5344CB8AC3E}">
+        <p14:creationId xmlns:p14="http://schemas.microsoft.com/office/powerpoint/2010/main" val="3584143410"/>
+      </p:ext>
+    </p:extLst>
+  </p:cSld>
+  <p:clrMapOvr>
+    <a:masterClrMapping/>
+  </p:clrMapOvr>
+  <p:timing>
+    <p:tnLst>
+      <p:par>
+        <p:cTn id="1" dur="indefinite" restart="never" nodeType="tmRoot"/>
+      </p:par>
+    </p:tnLst>
+  </p:timing>
+</p:sld>
+</file>
+
+<file path=ppt/slides/slide2.xml><?xml version="1.0" encoding="utf-8"?>
+<p:sld xmlns:a="http://schemas.openxmlformats.org/drawingml/2006/main" xmlns:r="http://schemas.openxmlformats.org/officeDocument/2006/relationships" xmlns:p="http://schemas.openxmlformats.org/presentationml/2006/main">
+  <p:cSld>
+    <p:spTree>
+      <p:nvGrpSpPr>
+        <p:cNvPr id="1" name=""/>
+        <p:cNvGrpSpPr/>
+        <p:nvPr/>
+      </p:nvGrpSpPr>
+      <p:grpSpPr>
+        <a:xfrm>
+          <a:off x="0" y="0"/>
+          <a:ext cx="0" cy="0"/>
+          <a:chOff x="0" y="0"/>
+          <a:chExt cx="0" cy="0"/>
+        </a:xfrm>
+      </p:grpSpPr>
+      <p:sp>
+        <p:nvSpPr>
+          <p:cNvPr id="2" name="Titre 1"/>
+          <p:cNvSpPr>
+            <a:spLocks noGrp="1"/>
+          </p:cNvSpPr>
+          <p:nvPr>
+            <p:ph type="title"/>
+          </p:nvPr>
+        </p:nvSpPr>
+        <p:spPr/>
+        <p:txBody>
+          <a:bodyPr/>
+          <a:lstStyle/>
+          <a:p>
+            <a:r>
+              <a:rPr lang="fr-FR" dirty="0" smtClean="0"/>
+              <a:t>Introduction</a:t>
+            </a:r>
+            <a:endParaRPr lang="fr-FR" dirty="0"/>
+          </a:p>
+        </p:txBody>
+      </p:sp>
+      <p:sp>
+        <p:nvSpPr>
+          <p:cNvPr id="3" name="Espace réservé du contenu 2"/>
+          <p:cNvSpPr>
+            <a:spLocks noGrp="1"/>
+          </p:cNvSpPr>
+          <p:nvPr>
+            <p:ph idx="1"/>
+          </p:nvPr>
+        </p:nvSpPr>
+        <p:spPr/>
+        <p:txBody>
+          <a:bodyPr/>
+          <a:lstStyle/>
+          <a:p>
+            <a:r>
+              <a:rPr lang="en-US" i="1" dirty="0"/>
+              <a:t>"Cinema is a </a:t>
+            </a:r>
+            <a:r>
+              <a:rPr lang="en-US" i="1" dirty="0" smtClean="0"/>
+              <a:t>matter </a:t>
+            </a:r>
+            <a:r>
+              <a:rPr lang="en-US" i="1" dirty="0"/>
+              <a:t>of what's in the frame and </a:t>
+            </a:r>
+            <a:r>
+              <a:rPr lang="en-US" i="1" dirty="0" smtClean="0"/>
+              <a:t>what's </a:t>
+            </a:r>
+            <a:r>
+              <a:rPr lang="en-US" i="1" dirty="0"/>
+              <a:t>out</a:t>
+            </a:r>
+            <a:r>
+              <a:rPr lang="en-US" i="1" dirty="0" smtClean="0"/>
+              <a:t>.“</a:t>
+            </a:r>
+          </a:p>
+          <a:p>
+            <a:pPr algn="r"/>
+            <a:r>
+              <a:rPr lang="en-US" i="1" dirty="0" smtClean="0"/>
+              <a:t>Martin </a:t>
+            </a:r>
+            <a:r>
+              <a:rPr lang="en-US" i="1" dirty="0" err="1" smtClean="0"/>
+              <a:t>Scorcese</a:t>
+            </a:r>
+            <a:endParaRPr lang="en-US" i="1" dirty="0" smtClean="0"/>
+          </a:p>
+          <a:p>
+            <a:pPr algn="r"/>
+            <a:endParaRPr lang="en-US" i="1" dirty="0"/>
+          </a:p>
+          <a:p>
+            <a:pPr algn="r"/>
+            <a:endParaRPr lang="en-US" i="1" dirty="0" smtClean="0"/>
+          </a:p>
+          <a:p>
+            <a:pPr algn="r"/>
+            <a:endParaRPr lang="en-US" i="1" dirty="0"/>
+          </a:p>
+          <a:p>
+            <a:pPr algn="r"/>
+            <a:endParaRPr lang="en-US" i="1" dirty="0" smtClean="0"/>
+          </a:p>
+          <a:p>
+            <a:pPr algn="r"/>
+            <a:endParaRPr lang="en-US" i="1" dirty="0"/>
+          </a:p>
+          <a:p>
+            <a:pPr algn="r"/>
+            <a:r>
+              <a:rPr lang="en-US" i="1" dirty="0" smtClean="0"/>
+              <a:t>“</a:t>
+            </a:r>
+            <a:r>
+              <a:rPr lang="fr-FR" i="1" dirty="0"/>
+              <a:t>Le cinéma c'est de l'art de faire faire de jolies choses à de jolies femmes</a:t>
+            </a:r>
+            <a:r>
+              <a:rPr lang="fr-FR" i="1" dirty="0" smtClean="0"/>
+              <a:t>.</a:t>
+            </a:r>
+            <a:r>
+              <a:rPr lang="en-US" i="1" dirty="0" smtClean="0"/>
+              <a:t>”</a:t>
+            </a:r>
+          </a:p>
+          <a:p>
+            <a:r>
+              <a:rPr lang="en-US" i="1" dirty="0" smtClean="0"/>
+              <a:t>François Truffaut</a:t>
+            </a:r>
+            <a:endParaRPr lang="fr-FR" i="1" dirty="0"/>
+          </a:p>
+        </p:txBody>
+      </p:sp>
+      <p:sp>
+        <p:nvSpPr>
+          <p:cNvPr id="4" name="Espace réservé du texte 3"/>
+          <p:cNvSpPr>
+            <a:spLocks noGrp="1"/>
+          </p:cNvSpPr>
+          <p:nvPr>
+            <p:ph type="body" sz="half" idx="2"/>
+          </p:nvPr>
+        </p:nvSpPr>
+        <p:spPr/>
+        <p:txBody>
+          <a:bodyPr/>
+          <a:lstStyle/>
+          <a:p>
+            <a:pPr lvl="0">
+              <a:buClr>
+                <a:srgbClr val="D34817"/>
+              </a:buClr>
+            </a:pPr>
+            <a:r>
+              <a:rPr lang="en-GB" sz="2000" i="1" cap="all" spc="200" dirty="0">
+                <a:solidFill>
+                  <a:srgbClr val="696464"/>
+                </a:solidFill>
+                <a:latin typeface="Calibri Light" panose="020F0302020204030204"/>
+              </a:rPr>
+              <a:t>A data analysis from 1980 to 2020 in French cinemas</a:t>
+            </a:r>
+          </a:p>
+          <a:p>
+            <a:endParaRPr lang="fr-FR" dirty="0"/>
+          </a:p>
+        </p:txBody>
+      </p:sp>
+      <p:pic>
+        <p:nvPicPr>
+          <p:cNvPr id="2050" name="Picture 2" descr="Martin Scorsese | Biography, Films, &amp; Facts | Britannica"/>
+          <p:cNvPicPr>
+            <a:picLocks noChangeAspect="1" noChangeArrowheads="1"/>
+          </p:cNvPicPr>
+          <p:nvPr/>
+        </p:nvPicPr>
+        <p:blipFill>
+          <a:blip r:embed="rId2">
+            <a:extLst>
+              <a:ext uri="{28A0092B-C50C-407E-A947-70E740481C1C}">
+                <a14:useLocalDpi xmlns:a14="http://schemas.microsoft.com/office/drawing/2010/main" val="0"/>
+              </a:ext>
+            </a:extLst>
+          </a:blip>
+          <a:srcRect/>
+          <a:stretch>
+            <a:fillRect/>
+          </a:stretch>
+        </p:blipFill>
+        <p:spPr bwMode="auto">
+          <a:xfrm>
+            <a:off x="5417858" y="1245421"/>
+            <a:ext cx="2731060" cy="2048295"/>
+          </a:xfrm>
+          <a:prstGeom prst="rect">
+            <a:avLst/>
+          </a:prstGeom>
+          <a:ln>
+            <a:noFill/>
+          </a:ln>
+          <a:effectLst>
+            <a:reflection blurRad="12700" stA="30000" endPos="30000" dist="5000" dir="5400000" sy="-100000" algn="bl" rotWithShape="0"/>
+          </a:effectLst>
+          <a:scene3d>
+            <a:camera prst="perspectiveContrastingLeftFacing">
+              <a:rot lat="300000" lon="19800000" rev="0"/>
+            </a:camera>
+            <a:lightRig rig="threePt" dir="t">
+              <a:rot lat="0" lon="0" rev="2700000"/>
+            </a:lightRig>
+          </a:scene3d>
+          <a:sp3d>
+            <a:bevelT w="63500" h="50800"/>
+          </a:sp3d>
+          <a:extLst>
+            <a:ext uri="{909E8E84-426E-40DD-AFC4-6F175D3DCCD1}">
+              <a14:hiddenFill xmlns:a14="http://schemas.microsoft.com/office/drawing/2010/main">
+                <a:solidFill>
+                  <a:srgbClr val="FFFFFF"/>
+                </a:solidFill>
+              </a14:hiddenFill>
+            </a:ext>
+          </a:extLst>
+        </p:spPr>
+      </p:pic>
+      <p:pic>
+        <p:nvPicPr>
+          <p:cNvPr id="8194" name="Picture 2" descr="QUIZ - Connaissez-vous François Truffaut et sa filmographie ?"/>
+          <p:cNvPicPr>
+            <a:picLocks noChangeAspect="1" noChangeArrowheads="1"/>
+          </p:cNvPicPr>
+          <p:nvPr/>
+        </p:nvPicPr>
+        <p:blipFill>
+          <a:blip r:embed="rId3">
+            <a:extLst>
+              <a:ext uri="{28A0092B-C50C-407E-A947-70E740481C1C}">
+                <a14:useLocalDpi xmlns:a14="http://schemas.microsoft.com/office/drawing/2010/main" val="0"/>
+              </a:ext>
+            </a:extLst>
+          </a:blip>
+          <a:srcRect/>
+          <a:stretch>
+            <a:fillRect/>
+          </a:stretch>
+        </p:blipFill>
+        <p:spPr bwMode="auto">
+          <a:xfrm>
+            <a:off x="7960658" y="4615642"/>
+            <a:ext cx="3042397" cy="1710037"/>
+          </a:xfrm>
+          <a:prstGeom prst="rect">
+            <a:avLst/>
+          </a:prstGeom>
+          <a:solidFill>
+            <a:srgbClr val="FFFFFF">
+              <a:shade val="85000"/>
+            </a:srgbClr>
+          </a:solidFill>
+          <a:ln w="190500" cap="rnd">
+            <a:solidFill>
+              <a:srgbClr val="FFFFFF"/>
+            </a:solidFill>
+          </a:ln>
+          <a:effectLst>
+            <a:outerShdw blurRad="36195" dist="12700" dir="11400000" algn="tl" rotWithShape="0">
+              <a:srgbClr val="000000">
+                <a:alpha val="33000"/>
+              </a:srgbClr>
+            </a:outerShdw>
+          </a:effectLst>
+          <a:scene3d>
+            <a:camera prst="perspectiveContrastingLeftFacing">
+              <a:rot lat="540000" lon="2100000" rev="0"/>
+            </a:camera>
+            <a:lightRig rig="soft" dir="t"/>
+          </a:scene3d>
+          <a:sp3d contourW="12700" prstMaterial="matte">
+            <a:bevelT w="63500" h="50800"/>
+            <a:contourClr>
+              <a:srgbClr val="C0C0C0"/>
+            </a:contourClr>
+          </a:sp3d>
+          <a:extLst>
+            <a:ext uri="{909E8E84-426E-40DD-AFC4-6F175D3DCCD1}">
+              <a14:hiddenFill xmlns:a14="http://schemas.microsoft.com/office/drawing/2010/main">
+                <a:solidFill>
+                  <a:srgbClr val="FFFFFF"/>
+                </a:solidFill>
+              </a14:hiddenFill>
+            </a:ext>
+          </a:extLst>
+        </p:spPr>
+      </p:pic>
+    </p:spTree>
+    <p:extLst>
+      <p:ext uri="{BB962C8B-B14F-4D97-AF65-F5344CB8AC3E}">
+        <p14:creationId xmlns:p14="http://schemas.microsoft.com/office/powerpoint/2010/main" val="2248745612"/>
+      </p:ext>
+    </p:extLst>
+  </p:cSld>
+  <p:clrMapOvr>
+    <a:masterClrMapping/>
+  </p:clrMapOvr>
+  <p:timing>
+    <p:tnLst>
+      <p:par>
+        <p:cTn id="1" dur="indefinite" restart="never" nodeType="tmRoot">
+          <p:childTnLst>
+            <p:seq concurrent="1" nextAc="seek">
+              <p:cTn id="2" dur="indefinite" nodeType="mainSeq">
+                <p:childTnLst>
+                  <p:par>
+                    <p:cTn id="3" fill="hold">
+                      <p:stCondLst>
+                        <p:cond delay="indefinite"/>
+                      </p:stCondLst>
+                      <p:childTnLst>
+                        <p:par>
+                          <p:cTn id="4" fill="hold">
+                            <p:stCondLst>
+                              <p:cond delay="0"/>
+                            </p:stCondLst>
+                            <p:childTnLst>
+                              <p:par>
+                                <p:cTn id="5" presetID="1" presetClass="entr" presetSubtype="0" fill="hold" nodeType="clickEffect">
+                                  <p:stCondLst>
+                                    <p:cond delay="0"/>
+                                  </p:stCondLst>
+                                  <p:childTnLst>
+                                    <p:set>
+                                      <p:cBhvr>
+                                        <p:cTn id="6" dur="1" fill="hold">
+                                          <p:stCondLst>
+                                            <p:cond delay="0"/>
+                                          </p:stCondLst>
+                                        </p:cTn>
+                                        <p:tgtEl>
+                                          <p:spTgt spid="8194"/>
+                                        </p:tgtEl>
+                                        <p:attrNameLst>
+                                          <p:attrName>style.visibility</p:attrName>
+                                        </p:attrNameLst>
+                                      </p:cBhvr>
+                                      <p:to>
+                                        <p:strVal val="visible"/>
+                                      </p:to>
+                                    </p:set>
+                                  </p:childTnLst>
+                                </p:cTn>
+                              </p:par>
+                            </p:childTnLst>
+                          </p:cTn>
+                        </p:par>
+                        <p:par>
+                          <p:cTn id="7" fill="hold">
+                            <p:stCondLst>
+                              <p:cond delay="0"/>
+                            </p:stCondLst>
+                            <p:childTnLst>
+                              <p:par>
+                                <p:cTn id="8" presetID="1" presetClass="entr" presetSubtype="0" fill="hold" nodeType="afterEffect">
+                                  <p:stCondLst>
+                                    <p:cond delay="0"/>
+                                  </p:stCondLst>
+                                  <p:childTnLst>
+                                    <p:set>
+                                      <p:cBhvr>
+                                        <p:cTn id="9" dur="1" fill="hold">
+                                          <p:stCondLst>
+                                            <p:cond delay="0"/>
+                                          </p:stCondLst>
+                                        </p:cTn>
+                                        <p:tgtEl>
+                                          <p:spTgt spid="3">
+                                            <p:txEl>
+                                              <p:pRg st="7" end="7"/>
+                                            </p:txEl>
+                                          </p:spTgt>
+                                        </p:tgtEl>
+                                        <p:attrNameLst>
+                                          <p:attrName>style.visibility</p:attrName>
+                                        </p:attrNameLst>
+                                      </p:cBhvr>
+                                      <p:to>
+                                        <p:strVal val="visible"/>
+                                      </p:to>
+                                    </p:set>
+                                  </p:childTnLst>
+                                </p:cTn>
+                              </p:par>
+                            </p:childTnLst>
+                          </p:cTn>
+                        </p:par>
+                        <p:par>
+                          <p:cTn id="10" fill="hold">
+                            <p:stCondLst>
+                              <p:cond delay="0"/>
+                            </p:stCondLst>
+                            <p:childTnLst>
+                              <p:par>
+                                <p:cTn id="11" presetID="1" presetClass="entr" presetSubtype="0" fill="hold" nodeType="afterEffect">
+                                  <p:stCondLst>
+                                    <p:cond delay="0"/>
+                                  </p:stCondLst>
+                                  <p:childTnLst>
+                                    <p:set>
+                                      <p:cBhvr>
+                                        <p:cTn id="12" dur="1" fill="hold">
+                                          <p:stCondLst>
+                                            <p:cond delay="0"/>
+                                          </p:stCondLst>
+                                        </p:cTn>
+                                        <p:tgtEl>
+                                          <p:spTgt spid="3">
+                                            <p:txEl>
+                                              <p:pRg st="8" end="8"/>
+                                            </p:txEl>
+                                          </p:spTgt>
+                                        </p:tgtEl>
+                                        <p:attrNameLst>
+                                          <p:attrName>style.visibility</p:attrName>
+                                        </p:attrNameLst>
+                                      </p:cBhvr>
+                                      <p:to>
+                                        <p:strVal val="visible"/>
+                                      </p:to>
+                                    </p:set>
+                                  </p:childTnLst>
+                                </p:cTn>
+                              </p:par>
+                            </p:childTnLst>
+                          </p:cTn>
+                        </p:par>
+                      </p:childTnLst>
+                    </p:cTn>
+                  </p:par>
+                </p:childTnLst>
+              </p:cTn>
+              <p:prevCondLst>
+                <p:cond evt="onPrev" delay="0">
+                  <p:tgtEl>
+                    <p:sldTgt/>
+                  </p:tgtEl>
+                </p:cond>
+              </p:prevCondLst>
+              <p:nextCondLst>
+                <p:cond evt="onNext" delay="0">
+                  <p:tgtEl>
+                    <p:sldTgt/>
+                  </p:tgtEl>
+                </p:cond>
+              </p:nextCondLst>
+            </p:seq>
+          </p:childTnLst>
+        </p:cTn>
+      </p:par>
+    </p:tnLst>
+  </p:timing>
+</p:sld>
+</file>
+
+<file path=ppt/slides/slide3.xml><?xml version="1.0" encoding="utf-8"?>
+<p:sld xmlns:a="http://schemas.openxmlformats.org/drawingml/2006/main" xmlns:r="http://schemas.openxmlformats.org/officeDocument/2006/relationships" xmlns:p="http://schemas.openxmlformats.org/presentationml/2006/main">
+  <p:cSld>
+    <p:spTree>
+      <p:nvGrpSpPr>
+        <p:cNvPr id="1" name=""/>
+        <p:cNvGrpSpPr/>
+        <p:nvPr/>
+      </p:nvGrpSpPr>
+      <p:grpSpPr>
+        <a:xfrm>
+          <a:off x="0" y="0"/>
+          <a:ext cx="0" cy="0"/>
+          <a:chOff x="0" y="0"/>
+          <a:chExt cx="0" cy="0"/>
+        </a:xfrm>
+      </p:grpSpPr>
+      <p:sp>
+        <p:nvSpPr>
+          <p:cNvPr id="2" name="Titre 1"/>
+          <p:cNvSpPr>
+            <a:spLocks noGrp="1"/>
+          </p:cNvSpPr>
+          <p:nvPr>
+            <p:ph type="title"/>
+          </p:nvPr>
+        </p:nvSpPr>
+        <p:spPr/>
+        <p:txBody>
+          <a:bodyPr/>
+          <a:lstStyle/>
+          <a:p>
+            <a:r>
+              <a:rPr lang="fr-FR" dirty="0" smtClean="0"/>
+              <a:t>Introduction</a:t>
+            </a:r>
+            <a:endParaRPr lang="fr-FR" dirty="0"/>
+          </a:p>
+        </p:txBody>
+      </p:sp>
+      <p:sp>
+        <p:nvSpPr>
+          <p:cNvPr id="3" name="Espace réservé du contenu 2"/>
+          <p:cNvSpPr>
+            <a:spLocks noGrp="1"/>
+          </p:cNvSpPr>
+          <p:nvPr>
+            <p:ph idx="1"/>
+          </p:nvPr>
+        </p:nvSpPr>
+        <p:spPr/>
+        <p:txBody>
+          <a:bodyPr/>
+          <a:lstStyle/>
+          <a:p>
+            <a:r>
+              <a:rPr lang="en-US" b="1" u="sng" dirty="0" smtClean="0"/>
+              <a:t>Perimeter :</a:t>
+            </a:r>
+          </a:p>
+          <a:p>
+            <a:endParaRPr lang="en-US" b="1" u="sng" dirty="0" smtClean="0"/>
+          </a:p>
+          <a:p>
+            <a:pPr>
+              <a:buFontTx/>
+              <a:buChar char="-"/>
+            </a:pPr>
+            <a:r>
+              <a:rPr lang="en-US" dirty="0" smtClean="0"/>
+              <a:t> KPI: admissions</a:t>
+            </a:r>
+            <a:r>
+              <a:rPr lang="en-US" dirty="0" smtClean="0"/>
+              <a:t> </a:t>
+            </a:r>
+          </a:p>
+          <a:p>
+            <a:pPr marL="0" indent="0">
+              <a:buNone/>
+            </a:pPr>
+            <a:endParaRPr lang="en-US" dirty="0" smtClean="0"/>
+          </a:p>
+          <a:p>
+            <a:pPr>
+              <a:buFontTx/>
+              <a:buChar char="-"/>
+            </a:pPr>
+            <a:r>
+              <a:rPr lang="en-US" dirty="0"/>
+              <a:t> </a:t>
+            </a:r>
+            <a:r>
+              <a:rPr lang="en-US" dirty="0" smtClean="0"/>
+              <a:t>Source </a:t>
+            </a:r>
+            <a:r>
+              <a:rPr lang="en-US" dirty="0"/>
+              <a:t>: CNC </a:t>
+            </a:r>
+            <a:endParaRPr lang="en-US" dirty="0" smtClean="0"/>
+          </a:p>
+          <a:p>
+            <a:pPr marL="0" indent="0">
+              <a:buNone/>
+            </a:pPr>
+            <a:endParaRPr lang="en-US" dirty="0"/>
+          </a:p>
+          <a:p>
+            <a:pPr>
+              <a:buFontTx/>
+              <a:buChar char="-"/>
+            </a:pPr>
+            <a:r>
+              <a:rPr lang="en-US" dirty="0" smtClean="0"/>
+              <a:t> Geography : France</a:t>
+            </a:r>
+          </a:p>
+          <a:p>
+            <a:pPr marL="0" indent="0">
+              <a:buNone/>
+            </a:pPr>
+            <a:endParaRPr lang="en-US" dirty="0" smtClean="0"/>
+          </a:p>
+          <a:p>
+            <a:pPr>
+              <a:buFontTx/>
+              <a:buChar char="-"/>
+            </a:pPr>
+            <a:r>
+              <a:rPr lang="en-US" dirty="0"/>
+              <a:t> </a:t>
+            </a:r>
+            <a:r>
+              <a:rPr lang="en-US" dirty="0" smtClean="0"/>
+              <a:t>Years : 1989 to 2020</a:t>
+            </a:r>
+          </a:p>
+          <a:p>
+            <a:pPr>
+              <a:buFontTx/>
+              <a:buChar char="-"/>
+            </a:pPr>
+            <a:endParaRPr lang="en-US" dirty="0"/>
+          </a:p>
+          <a:p>
+            <a:pPr>
+              <a:buFontTx/>
+              <a:buChar char="-"/>
+            </a:pPr>
+            <a:r>
+              <a:rPr lang="en-US" dirty="0">
+                <a:solidFill>
+                  <a:prstClr val="black">
+                    <a:lumMod val="75000"/>
+                    <a:lumOff val="25000"/>
+                  </a:prstClr>
+                </a:solidFill>
+              </a:rPr>
+              <a:t> Customer oriented analysis</a:t>
+            </a:r>
+          </a:p>
+          <a:p>
+            <a:pPr marL="0" indent="0">
+              <a:buNone/>
+            </a:pPr>
+            <a:endParaRPr lang="en-US" dirty="0" smtClean="0"/>
+          </a:p>
+          <a:p>
+            <a:endParaRPr lang="en-US" i="1" dirty="0"/>
+          </a:p>
+          <a:p>
+            <a:endParaRPr lang="en-US" i="1" dirty="0" smtClean="0"/>
+          </a:p>
+          <a:p>
+            <a:pPr algn="r"/>
+            <a:endParaRPr lang="en-US" i="1" dirty="0"/>
+          </a:p>
+          <a:p>
+            <a:pPr algn="r"/>
+            <a:endParaRPr lang="en-US" i="1" dirty="0" smtClean="0"/>
+          </a:p>
+          <a:p>
+            <a:pPr algn="r"/>
+            <a:endParaRPr lang="en-US" i="1" dirty="0"/>
+          </a:p>
+          <a:p>
+            <a:pPr algn="r"/>
+            <a:endParaRPr lang="en-US" i="1" dirty="0" smtClean="0"/>
+          </a:p>
+          <a:p>
+            <a:pPr algn="r"/>
+            <a:endParaRPr lang="en-US" i="1" dirty="0"/>
+          </a:p>
+        </p:txBody>
+      </p:sp>
+      <p:sp>
+        <p:nvSpPr>
+          <p:cNvPr id="4" name="Espace réservé du texte 3"/>
+          <p:cNvSpPr>
+            <a:spLocks noGrp="1"/>
+          </p:cNvSpPr>
+          <p:nvPr>
+            <p:ph type="body" sz="half" idx="2"/>
+          </p:nvPr>
+        </p:nvSpPr>
+        <p:spPr/>
+        <p:txBody>
+          <a:bodyPr/>
+          <a:lstStyle/>
+          <a:p>
+            <a:pPr lvl="0">
+              <a:buClr>
+                <a:srgbClr val="D34817"/>
+              </a:buClr>
+            </a:pPr>
+            <a:r>
+              <a:rPr lang="en-GB" sz="2000" i="1" cap="all" spc="200" dirty="0">
+                <a:solidFill>
+                  <a:srgbClr val="696464"/>
+                </a:solidFill>
+                <a:latin typeface="Calibri Light" panose="020F0302020204030204"/>
+              </a:rPr>
+              <a:t>A data analysis from 1980 to 2020 in French cinemas</a:t>
+            </a:r>
+          </a:p>
+          <a:p>
+            <a:endParaRPr lang="fr-FR" dirty="0"/>
+          </a:p>
+        </p:txBody>
+      </p:sp>
+    </p:spTree>
+    <p:extLst>
+      <p:ext uri="{BB962C8B-B14F-4D97-AF65-F5344CB8AC3E}">
+        <p14:creationId xmlns:p14="http://schemas.microsoft.com/office/powerpoint/2010/main" val="3934079796"/>
+      </p:ext>
+    </p:extLst>
+  </p:cSld>
+  <p:clrMapOvr>
+    <a:masterClrMapping/>
+  </p:clrMapOvr>
+  <p:timing>
+    <p:tnLst>
+      <p:par>
+        <p:cTn id="1" dur="indefinite" restart="never" nodeType="tmRoot"/>
+      </p:par>
+    </p:tnLst>
+  </p:timing>
+</p:sld>
+</file>
+
+<file path=ppt/slides/slide4.xml><?xml version="1.0" encoding="utf-8"?>
+<p:sld xmlns:a="http://schemas.openxmlformats.org/drawingml/2006/main" xmlns:r="http://schemas.openxmlformats.org/officeDocument/2006/relationships" xmlns:p="http://schemas.openxmlformats.org/presentationml/2006/main">
+  <p:cSld>
+    <p:spTree>
+      <p:nvGrpSpPr>
+        <p:cNvPr id="1" name=""/>
+        <p:cNvGrpSpPr/>
+        <p:nvPr/>
+      </p:nvGrpSpPr>
+      <p:grpSpPr>
+        <a:xfrm>
+          <a:off x="0" y="0"/>
+          <a:ext cx="0" cy="0"/>
+          <a:chOff x="0" y="0"/>
+          <a:chExt cx="0" cy="0"/>
+        </a:xfrm>
+      </p:grpSpPr>
+      <p:sp>
+        <p:nvSpPr>
+          <p:cNvPr id="2" name="Titre 1"/>
+          <p:cNvSpPr>
+            <a:spLocks noGrp="1"/>
+          </p:cNvSpPr>
+          <p:nvPr>
+            <p:ph type="title"/>
+          </p:nvPr>
+        </p:nvSpPr>
+        <p:spPr/>
+        <p:txBody>
+          <a:bodyPr/>
+          <a:lstStyle/>
+          <a:p>
+            <a:r>
+              <a:rPr lang="en-GB" dirty="0" smtClean="0"/>
+              <a:t>1. Audience</a:t>
+            </a:r>
+            <a:endParaRPr lang="en-GB" dirty="0"/>
+          </a:p>
+        </p:txBody>
+      </p:sp>
+      <p:sp>
+        <p:nvSpPr>
+          <p:cNvPr id="3" name="Espace réservé du contenu 2"/>
+          <p:cNvSpPr>
+            <a:spLocks noGrp="1"/>
+          </p:cNvSpPr>
+          <p:nvPr>
+            <p:ph idx="1"/>
+          </p:nvPr>
+        </p:nvSpPr>
+        <p:spPr/>
+        <p:txBody>
+          <a:bodyPr/>
+          <a:lstStyle/>
+          <a:p>
+            <a:pPr>
+              <a:buFont typeface="Arial" panose="020B0604020202020204" pitchFamily="34" charset="0"/>
+              <a:buChar char="•"/>
+            </a:pPr>
+            <a:r>
+              <a:rPr lang="en-GB" dirty="0" smtClean="0"/>
+              <a:t> Annual audience</a:t>
+            </a:r>
+            <a:endParaRPr lang="en-GB" dirty="0"/>
+          </a:p>
+        </p:txBody>
+      </p:sp>
+      <p:pic>
+        <p:nvPicPr>
+          <p:cNvPr id="4" name="Picture 2" descr="File:Gaumont logo.svg - Wikimedia Commons"/>
+          <p:cNvPicPr>
+            <a:picLocks noChangeAspect="1" noChangeArrowheads="1"/>
+          </p:cNvPicPr>
+          <p:nvPr/>
+        </p:nvPicPr>
+        <p:blipFill>
+          <a:blip r:embed="rId2">
+            <a:extLst>
+              <a:ext uri="{28A0092B-C50C-407E-A947-70E740481C1C}">
+                <a14:useLocalDpi xmlns:a14="http://schemas.microsoft.com/office/drawing/2010/main" val="0"/>
+              </a:ext>
+            </a:extLst>
+          </a:blip>
+          <a:srcRect/>
+          <a:stretch>
+            <a:fillRect/>
+          </a:stretch>
+        </p:blipFill>
+        <p:spPr bwMode="auto">
+          <a:xfrm>
+            <a:off x="10354156" y="539886"/>
+            <a:ext cx="1402045" cy="472095"/>
+          </a:xfrm>
+          <a:prstGeom prst="rect">
+            <a:avLst/>
+          </a:prstGeom>
+          <a:noFill/>
+          <a:extLst>
+            <a:ext uri="{909E8E84-426E-40DD-AFC4-6F175D3DCCD1}">
+              <a14:hiddenFill xmlns:a14="http://schemas.microsoft.com/office/drawing/2010/main">
+                <a:solidFill>
+                  <a:srgbClr val="FFFFFF"/>
+                </a:solidFill>
+              </a14:hiddenFill>
+            </a:ext>
+          </a:extLst>
+        </p:spPr>
+      </p:pic>
+      <p:pic>
+        <p:nvPicPr>
+          <p:cNvPr id="5" name="Image 4"/>
+          <p:cNvPicPr>
+            <a:picLocks noChangeAspect="1"/>
+          </p:cNvPicPr>
+          <p:nvPr/>
+        </p:nvPicPr>
+        <p:blipFill>
+          <a:blip r:embed="rId3"/>
+          <a:stretch>
+            <a:fillRect/>
+          </a:stretch>
+        </p:blipFill>
+        <p:spPr>
+          <a:xfrm>
+            <a:off x="2383155" y="2447714"/>
+            <a:ext cx="7486650" cy="2819400"/>
+          </a:xfrm>
+          <a:prstGeom prst="rect">
+            <a:avLst/>
+          </a:prstGeom>
+        </p:spPr>
+      </p:pic>
+      <p:grpSp>
+        <p:nvGrpSpPr>
+          <p:cNvPr id="11" name="Groupe 10"/>
+          <p:cNvGrpSpPr/>
+          <p:nvPr/>
+        </p:nvGrpSpPr>
+        <p:grpSpPr>
+          <a:xfrm>
+            <a:off x="510746" y="5618205"/>
+            <a:ext cx="10214919" cy="543698"/>
+            <a:chOff x="510746" y="5618205"/>
+            <a:chExt cx="10214919" cy="543698"/>
+          </a:xfrm>
+        </p:grpSpPr>
+        <p:sp>
+          <p:nvSpPr>
+            <p:cNvPr id="9" name="Flèche droite rayée 8"/>
+            <p:cNvSpPr/>
+            <p:nvPr/>
+          </p:nvSpPr>
+          <p:spPr>
+            <a:xfrm>
+              <a:off x="510746" y="5618205"/>
+              <a:ext cx="897924" cy="543698"/>
+            </a:xfrm>
+            <a:prstGeom prst="stripedRightArrow">
+              <a:avLst/>
+            </a:prstGeom>
+          </p:spPr>
+          <p:style>
+            <a:lnRef idx="2">
+              <a:schemeClr val="accent1">
+                <a:shade val="50000"/>
+              </a:schemeClr>
+            </a:lnRef>
+            <a:fillRef idx="1">
+              <a:schemeClr val="accent1"/>
+            </a:fillRef>
+            <a:effectRef idx="0">
+              <a:schemeClr val="accent1"/>
+            </a:effectRef>
+            <a:fontRef idx="minor">
+              <a:schemeClr val="lt1"/>
+            </a:fontRef>
+          </p:style>
+          <p:txBody>
+            <a:bodyPr rtlCol="0" anchor="ctr"/>
+            <a:lstStyle/>
+            <a:p>
+              <a:pPr algn="ctr"/>
+              <a:endParaRPr lang="fr-FR"/>
+            </a:p>
+          </p:txBody>
+        </p:sp>
+        <p:sp>
+          <p:nvSpPr>
+            <p:cNvPr id="10" name="ZoneTexte 9"/>
+            <p:cNvSpPr txBox="1"/>
+            <p:nvPr/>
+          </p:nvSpPr>
+          <p:spPr>
+            <a:xfrm>
+              <a:off x="1439149" y="5705388"/>
+              <a:ext cx="9286516" cy="369332"/>
+            </a:xfrm>
+            <a:prstGeom prst="rect">
+              <a:avLst/>
+            </a:prstGeom>
+            <a:noFill/>
+          </p:spPr>
+          <p:txBody>
+            <a:bodyPr wrap="square" rtlCol="0">
+              <a:spAutoFit/>
+            </a:bodyPr>
+            <a:lstStyle/>
+            <a:p>
+              <a:r>
+                <a:rPr lang="en-GB" b="1" dirty="0" smtClean="0"/>
+                <a:t>Conclusion </a:t>
+              </a:r>
+              <a:r>
+                <a:rPr lang="en-GB" dirty="0" smtClean="0"/>
+                <a:t>: since 2010, audience was back at its 1982 peak ( </a:t>
+              </a:r>
+              <a:r>
+                <a:rPr lang="en-GB" dirty="0" smtClean="0">
+                  <a:sym typeface="Symbol" panose="05050102010706020507" pitchFamily="18" charset="2"/>
+                </a:rPr>
+                <a:t> </a:t>
+              </a:r>
+              <a:r>
+                <a:rPr lang="en-GB" dirty="0" smtClean="0"/>
+                <a:t>200 M </a:t>
+              </a:r>
+              <a:r>
+                <a:rPr lang="en-GB" dirty="0" err="1" smtClean="0"/>
+                <a:t>adm</a:t>
+              </a:r>
+              <a:r>
+                <a:rPr lang="en-GB" dirty="0" smtClean="0"/>
+                <a:t>/y) before </a:t>
+              </a:r>
+              <a:r>
+                <a:rPr lang="en-GB" dirty="0" err="1" smtClean="0"/>
+                <a:t>Covid</a:t>
+              </a:r>
+              <a:r>
+                <a:rPr lang="en-GB" dirty="0" smtClean="0"/>
+                <a:t> crisis </a:t>
+              </a:r>
+              <a:endParaRPr lang="en-GB" dirty="0"/>
+            </a:p>
+          </p:txBody>
+        </p:sp>
+      </p:grpSp>
+    </p:spTree>
+    <p:extLst>
+      <p:ext uri="{BB962C8B-B14F-4D97-AF65-F5344CB8AC3E}">
+        <p14:creationId xmlns:p14="http://schemas.microsoft.com/office/powerpoint/2010/main" val="1629484662"/>
+      </p:ext>
+    </p:extLst>
+  </p:cSld>
+  <p:clrMapOvr>
+    <a:masterClrMapping/>
+  </p:clrMapOvr>
+  <p:timing>
+    <p:tnLst>
+      <p:par>
+        <p:cTn id="1" dur="indefinite" restart="never" nodeType="tmRoot">
+          <p:childTnLst>
+            <p:seq concurrent="1" nextAc="seek">
+              <p:cTn id="2" dur="indefinite" nodeType="mainSeq">
+                <p:childTnLst>
+                  <p:par>
+                    <p:cTn id="3" fill="hold">
+                      <p:stCondLst>
+                        <p:cond delay="indefinite"/>
+                      </p:stCondLst>
+                      <p:childTnLst>
+                        <p:par>
+                          <p:cTn id="4" fill="hold">
+                            <p:stCondLst>
+                              <p:cond delay="0"/>
+                            </p:stCondLst>
+                            <p:childTnLst>
+                              <p:par>
+                                <p:cTn id="5" presetID="1" presetClass="entr" presetSubtype="0" fill="hold" nodeType="clickEffect">
+                                  <p:stCondLst>
+                                    <p:cond delay="0"/>
+                                  </p:stCondLst>
+                                  <p:childTnLst>
+                                    <p:set>
+                                      <p:cBhvr>
+                                        <p:cTn id="6" dur="1" fill="hold">
+                                          <p:stCondLst>
+                                            <p:cond delay="0"/>
+                                          </p:stCondLst>
+                                        </p:cTn>
+                                        <p:tgtEl>
+                                          <p:spTgt spid="11"/>
+                                        </p:tgtEl>
+                                        <p:attrNameLst>
+                                          <p:attrName>style.visibility</p:attrName>
+                                        </p:attrNameLst>
+                                      </p:cBhvr>
+                                      <p:to>
+                                        <p:strVal val="visible"/>
+                                      </p:to>
+                                    </p:set>
+                                  </p:childTnLst>
+                                </p:cTn>
+                              </p:par>
+                            </p:childTnLst>
+                          </p:cTn>
+                        </p:par>
+                      </p:childTnLst>
+                    </p:cTn>
+                  </p:par>
+                </p:childTnLst>
+              </p:cTn>
+              <p:prevCondLst>
+                <p:cond evt="onPrev" delay="0">
+                  <p:tgtEl>
+                    <p:sldTgt/>
+                  </p:tgtEl>
+                </p:cond>
+              </p:prevCondLst>
+              <p:nextCondLst>
+                <p:cond evt="onNext" delay="0">
+                  <p:tgtEl>
+                    <p:sldTgt/>
+                  </p:tgtEl>
+                </p:cond>
+              </p:nextCondLst>
+            </p:seq>
+          </p:childTnLst>
+        </p:cTn>
+      </p:par>
+    </p:tnLst>
+  </p:timing>
+</p:sld>
+</file>
+
+<file path=ppt/slides/slide5.xml><?xml version="1.0" encoding="utf-8"?>
+<p:sld xmlns:a="http://schemas.openxmlformats.org/drawingml/2006/main" xmlns:r="http://schemas.openxmlformats.org/officeDocument/2006/relationships" xmlns:p="http://schemas.openxmlformats.org/presentationml/2006/main">
+  <p:cSld>
+    <p:spTree>
+      <p:nvGrpSpPr>
+        <p:cNvPr id="1" name=""/>
+        <p:cNvGrpSpPr/>
+        <p:nvPr/>
+      </p:nvGrpSpPr>
+      <p:grpSpPr>
+        <a:xfrm>
+          <a:off x="0" y="0"/>
+          <a:ext cx="0" cy="0"/>
+          <a:chOff x="0" y="0"/>
+          <a:chExt cx="0" cy="0"/>
+        </a:xfrm>
+      </p:grpSpPr>
+      <p:sp>
+        <p:nvSpPr>
+          <p:cNvPr id="2" name="Titre 1"/>
+          <p:cNvSpPr>
+            <a:spLocks noGrp="1"/>
+          </p:cNvSpPr>
+          <p:nvPr>
+            <p:ph type="title"/>
+          </p:nvPr>
+        </p:nvSpPr>
+        <p:spPr/>
+        <p:txBody>
+          <a:bodyPr/>
+          <a:lstStyle/>
+          <a:p>
+            <a:r>
+              <a:rPr lang="en-GB" dirty="0"/>
+              <a:t>2</a:t>
+            </a:r>
+            <a:r>
+              <a:rPr lang="en-GB" dirty="0" smtClean="0"/>
+              <a:t>. Behaviour</a:t>
+            </a:r>
+            <a:endParaRPr lang="en-GB" dirty="0"/>
+          </a:p>
+        </p:txBody>
+      </p:sp>
+      <p:sp>
+        <p:nvSpPr>
+          <p:cNvPr id="3" name="Espace réservé du contenu 2"/>
+          <p:cNvSpPr>
+            <a:spLocks noGrp="1"/>
+          </p:cNvSpPr>
+          <p:nvPr>
+            <p:ph idx="1"/>
+          </p:nvPr>
+        </p:nvSpPr>
+        <p:spPr/>
+        <p:txBody>
+          <a:bodyPr/>
+          <a:lstStyle/>
+          <a:p>
+            <a:pPr>
+              <a:buFont typeface="Arial" panose="020B0604020202020204" pitchFamily="34" charset="0"/>
+              <a:buChar char="•"/>
+            </a:pPr>
+            <a:r>
+              <a:rPr lang="en-GB" dirty="0" smtClean="0"/>
+              <a:t> Monthly audience (1980-2019)</a:t>
+            </a:r>
+            <a:endParaRPr lang="en-GB" dirty="0"/>
+          </a:p>
+        </p:txBody>
+      </p:sp>
+      <p:pic>
+        <p:nvPicPr>
+          <p:cNvPr id="4" name="Picture 2" descr="File:Gaumont logo.svg - Wikimedia Commons"/>
+          <p:cNvPicPr>
+            <a:picLocks noChangeAspect="1" noChangeArrowheads="1"/>
+          </p:cNvPicPr>
+          <p:nvPr/>
+        </p:nvPicPr>
+        <p:blipFill>
+          <a:blip r:embed="rId2">
+            <a:extLst>
+              <a:ext uri="{28A0092B-C50C-407E-A947-70E740481C1C}">
+                <a14:useLocalDpi xmlns:a14="http://schemas.microsoft.com/office/drawing/2010/main" val="0"/>
+              </a:ext>
+            </a:extLst>
+          </a:blip>
+          <a:srcRect/>
+          <a:stretch>
+            <a:fillRect/>
+          </a:stretch>
+        </p:blipFill>
+        <p:spPr bwMode="auto">
+          <a:xfrm>
+            <a:off x="10354156" y="539886"/>
+            <a:ext cx="1402045" cy="472095"/>
+          </a:xfrm>
+          <a:prstGeom prst="rect">
+            <a:avLst/>
+          </a:prstGeom>
+          <a:noFill/>
+          <a:extLst>
+            <a:ext uri="{909E8E84-426E-40DD-AFC4-6F175D3DCCD1}">
+              <a14:hiddenFill xmlns:a14="http://schemas.microsoft.com/office/drawing/2010/main">
+                <a:solidFill>
+                  <a:srgbClr val="FFFFFF"/>
+                </a:solidFill>
+              </a14:hiddenFill>
+            </a:ext>
+          </a:extLst>
+        </p:spPr>
+      </p:pic>
+      <p:grpSp>
+        <p:nvGrpSpPr>
+          <p:cNvPr id="11" name="Groupe 10"/>
+          <p:cNvGrpSpPr/>
+          <p:nvPr/>
+        </p:nvGrpSpPr>
+        <p:grpSpPr>
+          <a:xfrm>
+            <a:off x="271848" y="5523338"/>
+            <a:ext cx="11709263" cy="733514"/>
+            <a:chOff x="510746" y="5618205"/>
+            <a:chExt cx="11709263" cy="733514"/>
+          </a:xfrm>
+        </p:grpSpPr>
+        <p:sp>
+          <p:nvSpPr>
+            <p:cNvPr id="9" name="Flèche droite rayée 8"/>
+            <p:cNvSpPr/>
+            <p:nvPr/>
+          </p:nvSpPr>
+          <p:spPr>
+            <a:xfrm>
+              <a:off x="510746" y="5618205"/>
+              <a:ext cx="897924" cy="543698"/>
+            </a:xfrm>
+            <a:prstGeom prst="stripedRightArrow">
+              <a:avLst/>
+            </a:prstGeom>
+          </p:spPr>
+          <p:style>
+            <a:lnRef idx="2">
+              <a:schemeClr val="accent1">
+                <a:shade val="50000"/>
+              </a:schemeClr>
+            </a:lnRef>
+            <a:fillRef idx="1">
+              <a:schemeClr val="accent1"/>
+            </a:fillRef>
+            <a:effectRef idx="0">
+              <a:schemeClr val="accent1"/>
+            </a:effectRef>
+            <a:fontRef idx="minor">
+              <a:schemeClr val="lt1"/>
+            </a:fontRef>
+          </p:style>
+          <p:txBody>
+            <a:bodyPr rtlCol="0" anchor="ctr"/>
+            <a:lstStyle/>
+            <a:p>
+              <a:pPr algn="ctr"/>
+              <a:endParaRPr lang="fr-FR"/>
+            </a:p>
+          </p:txBody>
+        </p:sp>
+        <p:sp>
+          <p:nvSpPr>
+            <p:cNvPr id="10" name="ZoneTexte 9"/>
+            <p:cNvSpPr txBox="1"/>
+            <p:nvPr/>
+          </p:nvSpPr>
+          <p:spPr>
+            <a:xfrm>
+              <a:off x="1439148" y="5705388"/>
+              <a:ext cx="10780861" cy="646331"/>
+            </a:xfrm>
+            <a:prstGeom prst="rect">
+              <a:avLst/>
+            </a:prstGeom>
+            <a:noFill/>
+          </p:spPr>
+          <p:txBody>
+            <a:bodyPr wrap="square" rtlCol="0">
+              <a:spAutoFit/>
+            </a:bodyPr>
+            <a:lstStyle/>
+            <a:p>
+              <a:r>
+                <a:rPr lang="en-GB" b="1" dirty="0" smtClean="0"/>
+                <a:t>Conclusion </a:t>
+              </a:r>
+              <a:r>
+                <a:rPr lang="en-GB" dirty="0" smtClean="0"/>
+                <a:t>:  February, March, April, October, November, December seem to be the top months</a:t>
+              </a:r>
+              <a:endParaRPr lang="en-GB" b="1" dirty="0" smtClean="0">
+                <a:solidFill>
+                  <a:srgbClr val="FF0000"/>
+                </a:solidFill>
+              </a:endParaRPr>
+            </a:p>
+            <a:p>
+              <a:r>
+                <a:rPr lang="en-GB" dirty="0" smtClean="0"/>
+                <a:t>                       </a:t>
+              </a:r>
+              <a:endParaRPr lang="en-GB" dirty="0"/>
+            </a:p>
+          </p:txBody>
+        </p:sp>
+      </p:grpSp>
+      <p:pic>
+        <p:nvPicPr>
+          <p:cNvPr id="5" name="Image 4"/>
+          <p:cNvPicPr>
+            <a:picLocks noChangeAspect="1"/>
+          </p:cNvPicPr>
+          <p:nvPr/>
+        </p:nvPicPr>
+        <p:blipFill>
+          <a:blip r:embed="rId3"/>
+          <a:stretch>
+            <a:fillRect/>
+          </a:stretch>
+        </p:blipFill>
+        <p:spPr>
+          <a:xfrm>
+            <a:off x="1370502" y="2171632"/>
+            <a:ext cx="9116265" cy="3330515"/>
+          </a:xfrm>
+          <a:prstGeom prst="rect">
+            <a:avLst/>
+          </a:prstGeom>
+        </p:spPr>
+      </p:pic>
+    </p:spTree>
+    <p:extLst>
+      <p:ext uri="{BB962C8B-B14F-4D97-AF65-F5344CB8AC3E}">
+        <p14:creationId xmlns:p14="http://schemas.microsoft.com/office/powerpoint/2010/main" val="1637601462"/>
+      </p:ext>
+    </p:extLst>
+  </p:cSld>
+  <p:clrMapOvr>
+    <a:masterClrMapping/>
+  </p:clrMapOvr>
+  <p:timing>
+    <p:tnLst>
+      <p:par>
+        <p:cTn id="1" dur="indefinite" restart="never" nodeType="tmRoot">
+          <p:childTnLst>
+            <p:seq concurrent="1" nextAc="seek">
+              <p:cTn id="2" dur="indefinite" nodeType="mainSeq">
+                <p:childTnLst>
+                  <p:par>
+                    <p:cTn id="3" fill="hold">
+                      <p:stCondLst>
+                        <p:cond delay="indefinite"/>
+                      </p:stCondLst>
+                      <p:childTnLst>
+                        <p:par>
+                          <p:cTn id="4" fill="hold">
+                            <p:stCondLst>
+                              <p:cond delay="0"/>
+                            </p:stCondLst>
+                            <p:childTnLst>
+                              <p:par>
+                                <p:cTn id="5" presetID="1" presetClass="entr" presetSubtype="0" fill="hold" nodeType="clickEffect">
+                                  <p:stCondLst>
+                                    <p:cond delay="0"/>
+                                  </p:stCondLst>
+                                  <p:childTnLst>
+                                    <p:set>
+                                      <p:cBhvr>
+                                        <p:cTn id="6" dur="1" fill="hold">
+                                          <p:stCondLst>
+                                            <p:cond delay="0"/>
+                                          </p:stCondLst>
+                                        </p:cTn>
+                                        <p:tgtEl>
+                                          <p:spTgt spid="11"/>
+                                        </p:tgtEl>
+                                        <p:attrNameLst>
+                                          <p:attrName>style.visibility</p:attrName>
+                                        </p:attrNameLst>
+                                      </p:cBhvr>
+                                      <p:to>
+                                        <p:strVal val="visible"/>
+                                      </p:to>
+                                    </p:set>
+                                  </p:childTnLst>
+                                </p:cTn>
+                              </p:par>
+                            </p:childTnLst>
+                          </p:cTn>
+                        </p:par>
+                      </p:childTnLst>
+                    </p:cTn>
+                  </p:par>
+                </p:childTnLst>
+              </p:cTn>
+              <p:prevCondLst>
+                <p:cond evt="onPrev" delay="0">
+                  <p:tgtEl>
+                    <p:sldTgt/>
+                  </p:tgtEl>
+                </p:cond>
+              </p:prevCondLst>
+              <p:nextCondLst>
+                <p:cond evt="onNext" delay="0">
+                  <p:tgtEl>
+                    <p:sldTgt/>
+                  </p:tgtEl>
+                </p:cond>
+              </p:nextCondLst>
+            </p:seq>
+          </p:childTnLst>
+        </p:cTn>
+      </p:par>
+    </p:tnLst>
+  </p:timing>
+</p:sld>
+</file>
+
+<file path=ppt/slides/slide6.xml><?xml version="1.0" encoding="utf-8"?>
+<p:sld xmlns:a="http://schemas.openxmlformats.org/drawingml/2006/main" xmlns:r="http://schemas.openxmlformats.org/officeDocument/2006/relationships" xmlns:p="http://schemas.openxmlformats.org/presentationml/2006/main">
+  <p:cSld>
+    <p:spTree>
+      <p:nvGrpSpPr>
+        <p:cNvPr id="1" name=""/>
+        <p:cNvGrpSpPr/>
+        <p:nvPr/>
+      </p:nvGrpSpPr>
+      <p:grpSpPr>
+        <a:xfrm>
+          <a:off x="0" y="0"/>
+          <a:ext cx="0" cy="0"/>
+          <a:chOff x="0" y="0"/>
+          <a:chExt cx="0" cy="0"/>
+        </a:xfrm>
+      </p:grpSpPr>
+      <p:sp>
+        <p:nvSpPr>
+          <p:cNvPr id="2" name="Titre 1"/>
+          <p:cNvSpPr>
+            <a:spLocks noGrp="1"/>
+          </p:cNvSpPr>
+          <p:nvPr>
+            <p:ph type="title"/>
+          </p:nvPr>
+        </p:nvSpPr>
+        <p:spPr/>
+        <p:txBody>
+          <a:bodyPr/>
+          <a:lstStyle/>
+          <a:p>
+            <a:r>
+              <a:rPr lang="en-GB" dirty="0"/>
+              <a:t>2</a:t>
+            </a:r>
+            <a:r>
+              <a:rPr lang="en-GB" dirty="0" smtClean="0"/>
+              <a:t>. Behaviour</a:t>
+            </a:r>
+            <a:endParaRPr lang="en-GB" dirty="0"/>
+          </a:p>
+        </p:txBody>
+      </p:sp>
+      <p:sp>
+        <p:nvSpPr>
+          <p:cNvPr id="3" name="Espace réservé du contenu 2"/>
+          <p:cNvSpPr>
+            <a:spLocks noGrp="1"/>
+          </p:cNvSpPr>
+          <p:nvPr>
+            <p:ph idx="1"/>
+          </p:nvPr>
+        </p:nvSpPr>
+        <p:spPr/>
+        <p:txBody>
+          <a:bodyPr/>
+          <a:lstStyle/>
+          <a:p>
+            <a:pPr>
+              <a:buFont typeface="Arial" panose="020B0604020202020204" pitchFamily="34" charset="0"/>
+              <a:buChar char="•"/>
+            </a:pPr>
+            <a:r>
+              <a:rPr lang="en-GB" dirty="0" smtClean="0"/>
+              <a:t> Monthly audience</a:t>
+            </a:r>
+            <a:endParaRPr lang="en-GB" dirty="0"/>
+          </a:p>
+        </p:txBody>
+      </p:sp>
+      <p:pic>
+        <p:nvPicPr>
+          <p:cNvPr id="4" name="Picture 2" descr="File:Gaumont logo.svg - Wikimedia Commons"/>
+          <p:cNvPicPr>
+            <a:picLocks noChangeAspect="1" noChangeArrowheads="1"/>
+          </p:cNvPicPr>
+          <p:nvPr/>
+        </p:nvPicPr>
+        <p:blipFill>
+          <a:blip r:embed="rId2">
+            <a:extLst>
+              <a:ext uri="{28A0092B-C50C-407E-A947-70E740481C1C}">
+                <a14:useLocalDpi xmlns:a14="http://schemas.microsoft.com/office/drawing/2010/main" val="0"/>
+              </a:ext>
+            </a:extLst>
+          </a:blip>
+          <a:srcRect/>
+          <a:stretch>
+            <a:fillRect/>
+          </a:stretch>
+        </p:blipFill>
+        <p:spPr bwMode="auto">
+          <a:xfrm>
+            <a:off x="10354156" y="539886"/>
+            <a:ext cx="1402045" cy="472095"/>
+          </a:xfrm>
+          <a:prstGeom prst="rect">
+            <a:avLst/>
+          </a:prstGeom>
+          <a:noFill/>
+          <a:extLst>
+            <a:ext uri="{909E8E84-426E-40DD-AFC4-6F175D3DCCD1}">
+              <a14:hiddenFill xmlns:a14="http://schemas.microsoft.com/office/drawing/2010/main">
+                <a:solidFill>
+                  <a:srgbClr val="FFFFFF"/>
+                </a:solidFill>
+              </a14:hiddenFill>
+            </a:ext>
+          </a:extLst>
+        </p:spPr>
+      </p:pic>
+      <p:grpSp>
+        <p:nvGrpSpPr>
+          <p:cNvPr id="11" name="Groupe 10"/>
+          <p:cNvGrpSpPr/>
+          <p:nvPr/>
+        </p:nvGrpSpPr>
+        <p:grpSpPr>
+          <a:xfrm>
+            <a:off x="271848" y="5523338"/>
+            <a:ext cx="10214919" cy="733514"/>
+            <a:chOff x="510746" y="5618205"/>
+            <a:chExt cx="10214919" cy="733514"/>
+          </a:xfrm>
+        </p:grpSpPr>
+        <p:sp>
+          <p:nvSpPr>
+            <p:cNvPr id="9" name="Flèche droite rayée 8"/>
+            <p:cNvSpPr/>
+            <p:nvPr/>
+          </p:nvSpPr>
+          <p:spPr>
+            <a:xfrm>
+              <a:off x="510746" y="5618205"/>
+              <a:ext cx="897924" cy="543698"/>
+            </a:xfrm>
+            <a:prstGeom prst="stripedRightArrow">
+              <a:avLst/>
+            </a:prstGeom>
+          </p:spPr>
+          <p:style>
+            <a:lnRef idx="2">
+              <a:schemeClr val="accent1">
+                <a:shade val="50000"/>
+              </a:schemeClr>
+            </a:lnRef>
+            <a:fillRef idx="1">
+              <a:schemeClr val="accent1"/>
+            </a:fillRef>
+            <a:effectRef idx="0">
+              <a:schemeClr val="accent1"/>
+            </a:effectRef>
+            <a:fontRef idx="minor">
+              <a:schemeClr val="lt1"/>
+            </a:fontRef>
+          </p:style>
+          <p:txBody>
+            <a:bodyPr rtlCol="0" anchor="ctr"/>
+            <a:lstStyle/>
+            <a:p>
+              <a:pPr algn="ctr"/>
+              <a:endParaRPr lang="fr-FR"/>
+            </a:p>
+          </p:txBody>
+        </p:sp>
+        <p:sp>
+          <p:nvSpPr>
+            <p:cNvPr id="10" name="ZoneTexte 9"/>
+            <p:cNvSpPr txBox="1"/>
+            <p:nvPr/>
+          </p:nvSpPr>
+          <p:spPr>
+            <a:xfrm>
+              <a:off x="1439149" y="5705388"/>
+              <a:ext cx="9286516" cy="646331"/>
+            </a:xfrm>
+            <a:prstGeom prst="rect">
+              <a:avLst/>
+            </a:prstGeom>
+            <a:noFill/>
+          </p:spPr>
+          <p:txBody>
+            <a:bodyPr wrap="square" rtlCol="0">
+              <a:spAutoFit/>
+            </a:bodyPr>
+            <a:lstStyle/>
+            <a:p>
+              <a:r>
+                <a:rPr lang="en-GB" b="1" dirty="0" smtClean="0"/>
+                <a:t>Conclusion </a:t>
+              </a:r>
+              <a:r>
+                <a:rPr lang="en-GB" dirty="0" smtClean="0"/>
+                <a:t>: 1. February, March, April, October, November, December seem to be the top months</a:t>
+              </a:r>
+            </a:p>
+            <a:p>
+              <a:r>
+                <a:rPr lang="en-GB" dirty="0"/>
+                <a:t> </a:t>
+              </a:r>
+              <a:r>
+                <a:rPr lang="en-GB" dirty="0" smtClean="0"/>
+                <a:t>                      2. Power BI has its limits</a:t>
+              </a:r>
+              <a:endParaRPr lang="en-GB" dirty="0"/>
+            </a:p>
+          </p:txBody>
+        </p:sp>
+      </p:grpSp>
+      <p:pic>
+        <p:nvPicPr>
+          <p:cNvPr id="6" name="Image 5"/>
+          <p:cNvPicPr>
+            <a:picLocks noChangeAspect="1"/>
+          </p:cNvPicPr>
+          <p:nvPr/>
+        </p:nvPicPr>
+        <p:blipFill>
+          <a:blip r:embed="rId3"/>
+          <a:stretch>
+            <a:fillRect/>
+          </a:stretch>
+        </p:blipFill>
+        <p:spPr>
+          <a:xfrm>
+            <a:off x="1097280" y="2125118"/>
+            <a:ext cx="10408952" cy="3287461"/>
+          </a:xfrm>
+          <a:prstGeom prst="rect">
+            <a:avLst/>
+          </a:prstGeom>
+        </p:spPr>
+      </p:pic>
+    </p:spTree>
+    <p:extLst>
+      <p:ext uri="{BB962C8B-B14F-4D97-AF65-F5344CB8AC3E}">
+        <p14:creationId xmlns:p14="http://schemas.microsoft.com/office/powerpoint/2010/main" val="1669657945"/>
+      </p:ext>
+    </p:extLst>
+  </p:cSld>
+  <p:clrMapOvr>
+    <a:masterClrMapping/>
+  </p:clrMapOvr>
+  <p:timing>
+    <p:tnLst>
+      <p:par>
+        <p:cTn id="1" dur="indefinite" restart="never" nodeType="tmRoot">
+          <p:childTnLst>
+            <p:seq concurrent="1" nextAc="seek">
+              <p:cTn id="2" dur="indefinite" nodeType="mainSeq">
+                <p:childTnLst>
+                  <p:par>
+                    <p:cTn id="3" fill="hold">
+                      <p:stCondLst>
+                        <p:cond delay="indefinite"/>
+                      </p:stCondLst>
+                      <p:childTnLst>
+                        <p:par>
+                          <p:cTn id="4" fill="hold">
+                            <p:stCondLst>
+                              <p:cond delay="0"/>
+                            </p:stCondLst>
+                            <p:childTnLst>
+                              <p:par>
+                                <p:cTn id="5" presetID="1" presetClass="entr" presetSubtype="0" fill="hold" nodeType="clickEffect">
+                                  <p:stCondLst>
+                                    <p:cond delay="0"/>
+                                  </p:stCondLst>
+                                  <p:childTnLst>
+                                    <p:set>
+                                      <p:cBhvr>
+                                        <p:cTn id="6" dur="1" fill="hold">
+                                          <p:stCondLst>
+                                            <p:cond delay="0"/>
+                                          </p:stCondLst>
+                                        </p:cTn>
+                                        <p:tgtEl>
+                                          <p:spTgt spid="11"/>
+                                        </p:tgtEl>
+                                        <p:attrNameLst>
+                                          <p:attrName>style.visibility</p:attrName>
+                                        </p:attrNameLst>
+                                      </p:cBhvr>
+                                      <p:to>
+                                        <p:strVal val="visible"/>
+                                      </p:to>
+                                    </p:set>
+                                  </p:childTnLst>
+                                </p:cTn>
+                              </p:par>
+                            </p:childTnLst>
+                          </p:cTn>
+                        </p:par>
+                      </p:childTnLst>
+                    </p:cTn>
+                  </p:par>
+                </p:childTnLst>
+              </p:cTn>
+              <p:prevCondLst>
+                <p:cond evt="onPrev" delay="0">
+                  <p:tgtEl>
+                    <p:sldTgt/>
+                  </p:tgtEl>
+                </p:cond>
+              </p:prevCondLst>
+              <p:nextCondLst>
+                <p:cond evt="onNext" delay="0">
+                  <p:tgtEl>
+                    <p:sldTgt/>
+                  </p:tgtEl>
+                </p:cond>
+              </p:nextCondLst>
+            </p:seq>
+          </p:childTnLst>
+        </p:cTn>
+      </p:par>
+    </p:tnLst>
+  </p:timing>
+</p:sld>
+</file>
+
+<file path=ppt/slides/slide7.xml><?xml version="1.0" encoding="utf-8"?>
+<p:sld xmlns:a="http://schemas.openxmlformats.org/drawingml/2006/main" xmlns:r="http://schemas.openxmlformats.org/officeDocument/2006/relationships" xmlns:p="http://schemas.openxmlformats.org/presentationml/2006/main">
+  <p:cSld>
+    <p:spTree>
+      <p:nvGrpSpPr>
+        <p:cNvPr id="1" name=""/>
+        <p:cNvGrpSpPr/>
+        <p:nvPr/>
+      </p:nvGrpSpPr>
+      <p:grpSpPr>
+        <a:xfrm>
+          <a:off x="0" y="0"/>
+          <a:ext cx="0" cy="0"/>
+          <a:chOff x="0" y="0"/>
+          <a:chExt cx="0" cy="0"/>
+        </a:xfrm>
+      </p:grpSpPr>
+      <p:sp>
+        <p:nvSpPr>
+          <p:cNvPr id="2" name="Titre 1"/>
+          <p:cNvSpPr>
+            <a:spLocks noGrp="1"/>
+          </p:cNvSpPr>
+          <p:nvPr>
+            <p:ph type="title"/>
+          </p:nvPr>
+        </p:nvSpPr>
+        <p:spPr/>
+        <p:txBody>
+          <a:bodyPr/>
+          <a:lstStyle/>
+          <a:p>
+            <a:r>
+              <a:rPr lang="en-GB" dirty="0"/>
+              <a:t>2</a:t>
+            </a:r>
+            <a:r>
+              <a:rPr lang="en-GB" dirty="0" smtClean="0"/>
+              <a:t>. Behaviour</a:t>
+            </a:r>
+            <a:endParaRPr lang="en-GB" dirty="0"/>
+          </a:p>
+        </p:txBody>
+      </p:sp>
+      <p:sp>
+        <p:nvSpPr>
+          <p:cNvPr id="3" name="Espace réservé du contenu 2"/>
+          <p:cNvSpPr>
+            <a:spLocks noGrp="1"/>
+          </p:cNvSpPr>
+          <p:nvPr>
+            <p:ph idx="1"/>
+          </p:nvPr>
+        </p:nvSpPr>
+        <p:spPr/>
+        <p:txBody>
+          <a:bodyPr/>
+          <a:lstStyle/>
+          <a:p>
+            <a:pPr>
+              <a:buFont typeface="Arial" panose="020B0604020202020204" pitchFamily="34" charset="0"/>
+              <a:buChar char="•"/>
+            </a:pPr>
+            <a:r>
+              <a:rPr lang="en-GB" dirty="0" smtClean="0"/>
+              <a:t> Daily audience (1980-2019)</a:t>
+            </a:r>
+            <a:endParaRPr lang="en-GB" dirty="0"/>
+          </a:p>
+        </p:txBody>
+      </p:sp>
+      <p:pic>
+        <p:nvPicPr>
+          <p:cNvPr id="4" name="Picture 2" descr="File:Gaumont logo.svg - Wikimedia Commons"/>
+          <p:cNvPicPr>
+            <a:picLocks noChangeAspect="1" noChangeArrowheads="1"/>
+          </p:cNvPicPr>
+          <p:nvPr/>
+        </p:nvPicPr>
+        <p:blipFill>
+          <a:blip r:embed="rId2">
+            <a:extLst>
+              <a:ext uri="{28A0092B-C50C-407E-A947-70E740481C1C}">
+                <a14:useLocalDpi xmlns:a14="http://schemas.microsoft.com/office/drawing/2010/main" val="0"/>
+              </a:ext>
+            </a:extLst>
+          </a:blip>
+          <a:srcRect/>
+          <a:stretch>
+            <a:fillRect/>
+          </a:stretch>
+        </p:blipFill>
+        <p:spPr bwMode="auto">
+          <a:xfrm>
+            <a:off x="10354156" y="539886"/>
+            <a:ext cx="1402045" cy="472095"/>
+          </a:xfrm>
+          <a:prstGeom prst="rect">
+            <a:avLst/>
+          </a:prstGeom>
+          <a:noFill/>
+          <a:extLst>
+            <a:ext uri="{909E8E84-426E-40DD-AFC4-6F175D3DCCD1}">
+              <a14:hiddenFill xmlns:a14="http://schemas.microsoft.com/office/drawing/2010/main">
+                <a:solidFill>
+                  <a:srgbClr val="FFFFFF"/>
+                </a:solidFill>
+              </a14:hiddenFill>
+            </a:ext>
+          </a:extLst>
+        </p:spPr>
+      </p:pic>
+      <p:grpSp>
+        <p:nvGrpSpPr>
+          <p:cNvPr id="11" name="Groupe 10"/>
+          <p:cNvGrpSpPr/>
+          <p:nvPr/>
+        </p:nvGrpSpPr>
+        <p:grpSpPr>
+          <a:xfrm>
+            <a:off x="271848" y="5523338"/>
+            <a:ext cx="11709263" cy="543698"/>
+            <a:chOff x="510746" y="5618205"/>
+            <a:chExt cx="11709263" cy="543698"/>
+          </a:xfrm>
+        </p:grpSpPr>
+        <p:sp>
+          <p:nvSpPr>
+            <p:cNvPr id="9" name="Flèche droite rayée 8"/>
+            <p:cNvSpPr/>
+            <p:nvPr/>
+          </p:nvSpPr>
+          <p:spPr>
+            <a:xfrm>
+              <a:off x="510746" y="5618205"/>
+              <a:ext cx="897924" cy="543698"/>
+            </a:xfrm>
+            <a:prstGeom prst="stripedRightArrow">
+              <a:avLst/>
+            </a:prstGeom>
+          </p:spPr>
+          <p:style>
+            <a:lnRef idx="2">
+              <a:schemeClr val="accent1">
+                <a:shade val="50000"/>
+              </a:schemeClr>
+            </a:lnRef>
+            <a:fillRef idx="1">
+              <a:schemeClr val="accent1"/>
+            </a:fillRef>
+            <a:effectRef idx="0">
+              <a:schemeClr val="accent1"/>
+            </a:effectRef>
+            <a:fontRef idx="minor">
+              <a:schemeClr val="lt1"/>
+            </a:fontRef>
+          </p:style>
+          <p:txBody>
+            <a:bodyPr rtlCol="0" anchor="ctr"/>
+            <a:lstStyle/>
+            <a:p>
+              <a:pPr algn="ctr"/>
+              <a:endParaRPr lang="fr-FR"/>
+            </a:p>
+          </p:txBody>
+        </p:sp>
+        <p:sp>
+          <p:nvSpPr>
+            <p:cNvPr id="10" name="ZoneTexte 9"/>
+            <p:cNvSpPr txBox="1"/>
+            <p:nvPr/>
+          </p:nvSpPr>
+          <p:spPr>
+            <a:xfrm>
+              <a:off x="1439148" y="5705388"/>
+              <a:ext cx="10780861" cy="369332"/>
+            </a:xfrm>
+            <a:prstGeom prst="rect">
+              <a:avLst/>
+            </a:prstGeom>
+            <a:noFill/>
+          </p:spPr>
+          <p:txBody>
+            <a:bodyPr wrap="square" rtlCol="0">
+              <a:spAutoFit/>
+            </a:bodyPr>
+            <a:lstStyle/>
+            <a:p>
+              <a:r>
+                <a:rPr lang="en-GB" b="1" dirty="0" smtClean="0"/>
+                <a:t>Conclusion </a:t>
+              </a:r>
+              <a:r>
+                <a:rPr lang="en-GB" dirty="0" smtClean="0"/>
+                <a:t>: no big changes observed, but curves tend to be flattened </a:t>
+              </a:r>
+              <a:endParaRPr lang="en-GB" dirty="0"/>
+            </a:p>
+          </p:txBody>
+        </p:sp>
+      </p:grpSp>
+      <p:pic>
+        <p:nvPicPr>
+          <p:cNvPr id="5" name="Image 4"/>
+          <p:cNvPicPr>
+            <a:picLocks noChangeAspect="1"/>
+          </p:cNvPicPr>
+          <p:nvPr/>
+        </p:nvPicPr>
+        <p:blipFill>
+          <a:blip r:embed="rId3"/>
+          <a:stretch>
+            <a:fillRect/>
+          </a:stretch>
+        </p:blipFill>
+        <p:spPr>
+          <a:xfrm>
+            <a:off x="1097280" y="2140533"/>
+            <a:ext cx="9398872" cy="3433762"/>
+          </a:xfrm>
+          <a:prstGeom prst="rect">
+            <a:avLst/>
+          </a:prstGeom>
+        </p:spPr>
+      </p:pic>
+    </p:spTree>
+    <p:extLst>
+      <p:ext uri="{BB962C8B-B14F-4D97-AF65-F5344CB8AC3E}">
+        <p14:creationId xmlns:p14="http://schemas.microsoft.com/office/powerpoint/2010/main" val="2255433331"/>
+      </p:ext>
+    </p:extLst>
+  </p:cSld>
+  <p:clrMapOvr>
+    <a:masterClrMapping/>
+  </p:clrMapOvr>
+  <p:timing>
+    <p:tnLst>
+      <p:par>
+        <p:cTn id="1" dur="indefinite" restart="never" nodeType="tmRoot">
+          <p:childTnLst>
+            <p:seq concurrent="1" nextAc="seek">
+              <p:cTn id="2" dur="indefinite" nodeType="mainSeq">
+                <p:childTnLst>
+                  <p:par>
+                    <p:cTn id="3" fill="hold">
+                      <p:stCondLst>
+                        <p:cond delay="indefinite"/>
+                      </p:stCondLst>
+                      <p:childTnLst>
+                        <p:par>
+                          <p:cTn id="4" fill="hold">
+                            <p:stCondLst>
+                              <p:cond delay="0"/>
+                            </p:stCondLst>
+                            <p:childTnLst>
+                              <p:par>
+                                <p:cTn id="5" presetID="1" presetClass="entr" presetSubtype="0" fill="hold" nodeType="clickEffect">
+                                  <p:stCondLst>
+                                    <p:cond delay="0"/>
+                                  </p:stCondLst>
+                                  <p:childTnLst>
+                                    <p:set>
+                                      <p:cBhvr>
+                                        <p:cTn id="6" dur="1" fill="hold">
+                                          <p:stCondLst>
+                                            <p:cond delay="0"/>
+                                          </p:stCondLst>
+                                        </p:cTn>
+                                        <p:tgtEl>
+                                          <p:spTgt spid="11"/>
+                                        </p:tgtEl>
+                                        <p:attrNameLst>
+                                          <p:attrName>style.visibility</p:attrName>
+                                        </p:attrNameLst>
+                                      </p:cBhvr>
+                                      <p:to>
+                                        <p:strVal val="visible"/>
+                                      </p:to>
+                                    </p:set>
+                                  </p:childTnLst>
+                                </p:cTn>
+                              </p:par>
+                            </p:childTnLst>
+                          </p:cTn>
+                        </p:par>
+                      </p:childTnLst>
+                    </p:cTn>
+                  </p:par>
+                </p:childTnLst>
+              </p:cTn>
+              <p:prevCondLst>
+                <p:cond evt="onPrev" delay="0">
+                  <p:tgtEl>
+                    <p:sldTgt/>
+                  </p:tgtEl>
+                </p:cond>
+              </p:prevCondLst>
+              <p:nextCondLst>
+                <p:cond evt="onNext" delay="0">
+                  <p:tgtEl>
+                    <p:sldTgt/>
+                  </p:tgtEl>
+                </p:cond>
+              </p:nextCondLst>
+            </p:seq>
+          </p:childTnLst>
+        </p:cTn>
+      </p:par>
+    </p:tnLst>
+  </p:timing>
+</p:sld>
+</file>
+
+<file path=ppt/slides/slide8.xml><?xml version="1.0" encoding="utf-8"?>
+<p:sld xmlns:a="http://schemas.openxmlformats.org/drawingml/2006/main" xmlns:r="http://schemas.openxmlformats.org/officeDocument/2006/relationships" xmlns:p="http://schemas.openxmlformats.org/presentationml/2006/main">
+  <p:cSld>
+    <p:spTree>
+      <p:nvGrpSpPr>
+        <p:cNvPr id="1" name=""/>
+        <p:cNvGrpSpPr/>
+        <p:nvPr/>
+      </p:nvGrpSpPr>
+      <p:grpSpPr>
+        <a:xfrm>
+          <a:off x="0" y="0"/>
+          <a:ext cx="0" cy="0"/>
+          <a:chOff x="0" y="0"/>
+          <a:chExt cx="0" cy="0"/>
+        </a:xfrm>
+      </p:grpSpPr>
+      <p:sp>
+        <p:nvSpPr>
+          <p:cNvPr id="2" name="Titre 1"/>
+          <p:cNvSpPr>
+            <a:spLocks noGrp="1"/>
+          </p:cNvSpPr>
+          <p:nvPr>
+            <p:ph type="title"/>
+          </p:nvPr>
+        </p:nvSpPr>
+        <p:spPr/>
+        <p:txBody>
+          <a:bodyPr/>
+          <a:lstStyle/>
+          <a:p>
+            <a:r>
+              <a:rPr lang="en-GB" dirty="0"/>
+              <a:t>2</a:t>
+            </a:r>
+            <a:r>
+              <a:rPr lang="en-GB" dirty="0" smtClean="0"/>
+              <a:t>. Behaviour</a:t>
+            </a:r>
+            <a:endParaRPr lang="en-GB" dirty="0"/>
+          </a:p>
+        </p:txBody>
+      </p:sp>
+      <p:sp>
+        <p:nvSpPr>
+          <p:cNvPr id="3" name="Espace réservé du contenu 2"/>
+          <p:cNvSpPr>
+            <a:spLocks noGrp="1"/>
+          </p:cNvSpPr>
+          <p:nvPr>
+            <p:ph idx="1"/>
+          </p:nvPr>
+        </p:nvSpPr>
+        <p:spPr/>
+        <p:txBody>
+          <a:bodyPr/>
+          <a:lstStyle/>
+          <a:p>
+            <a:pPr>
+              <a:buFont typeface="Arial" panose="020B0604020202020204" pitchFamily="34" charset="0"/>
+              <a:buChar char="•"/>
+            </a:pPr>
+            <a:r>
+              <a:rPr lang="en-GB" dirty="0" smtClean="0"/>
+              <a:t> Admissions by genre (1996 – 2020)</a:t>
+            </a:r>
+            <a:endParaRPr lang="en-GB" dirty="0"/>
+          </a:p>
+        </p:txBody>
+      </p:sp>
+      <p:pic>
+        <p:nvPicPr>
+          <p:cNvPr id="4" name="Picture 2" descr="File:Gaumont logo.svg - Wikimedia Commons"/>
+          <p:cNvPicPr>
+            <a:picLocks noChangeAspect="1" noChangeArrowheads="1"/>
+          </p:cNvPicPr>
+          <p:nvPr/>
+        </p:nvPicPr>
+        <p:blipFill>
+          <a:blip r:embed="rId2">
+            <a:extLst>
+              <a:ext uri="{28A0092B-C50C-407E-A947-70E740481C1C}">
+                <a14:useLocalDpi xmlns:a14="http://schemas.microsoft.com/office/drawing/2010/main" val="0"/>
+              </a:ext>
+            </a:extLst>
+          </a:blip>
+          <a:srcRect/>
+          <a:stretch>
+            <a:fillRect/>
+          </a:stretch>
+        </p:blipFill>
+        <p:spPr bwMode="auto">
+          <a:xfrm>
+            <a:off x="10354156" y="539886"/>
+            <a:ext cx="1402045" cy="472095"/>
+          </a:xfrm>
+          <a:prstGeom prst="rect">
+            <a:avLst/>
+          </a:prstGeom>
+          <a:noFill/>
+          <a:extLst>
+            <a:ext uri="{909E8E84-426E-40DD-AFC4-6F175D3DCCD1}">
+              <a14:hiddenFill xmlns:a14="http://schemas.microsoft.com/office/drawing/2010/main">
+                <a:solidFill>
+                  <a:srgbClr val="FFFFFF"/>
+                </a:solidFill>
+              </a14:hiddenFill>
+            </a:ext>
+          </a:extLst>
+        </p:spPr>
+      </p:pic>
+      <p:pic>
+        <p:nvPicPr>
+          <p:cNvPr id="5" name="Image 4"/>
+          <p:cNvPicPr>
+            <a:picLocks noChangeAspect="1"/>
+          </p:cNvPicPr>
+          <p:nvPr/>
+        </p:nvPicPr>
+        <p:blipFill>
+          <a:blip r:embed="rId3"/>
+          <a:stretch>
+            <a:fillRect/>
+          </a:stretch>
+        </p:blipFill>
+        <p:spPr>
+          <a:xfrm>
+            <a:off x="539577" y="2416428"/>
+            <a:ext cx="7072570" cy="2806335"/>
+          </a:xfrm>
+          <a:prstGeom prst="rect">
+            <a:avLst/>
+          </a:prstGeom>
+        </p:spPr>
+      </p:pic>
+      <p:grpSp>
+        <p:nvGrpSpPr>
+          <p:cNvPr id="12" name="Groupe 11"/>
+          <p:cNvGrpSpPr/>
+          <p:nvPr/>
+        </p:nvGrpSpPr>
+        <p:grpSpPr>
+          <a:xfrm>
+            <a:off x="271848" y="5523338"/>
+            <a:ext cx="10214919" cy="733514"/>
+            <a:chOff x="510746" y="5618205"/>
+            <a:chExt cx="10214919" cy="733514"/>
+          </a:xfrm>
+        </p:grpSpPr>
+        <p:sp>
+          <p:nvSpPr>
+            <p:cNvPr id="13" name="Flèche droite rayée 12"/>
+            <p:cNvSpPr/>
+            <p:nvPr/>
+          </p:nvSpPr>
+          <p:spPr>
+            <a:xfrm>
+              <a:off x="510746" y="5618205"/>
+              <a:ext cx="897924" cy="543698"/>
+            </a:xfrm>
+            <a:prstGeom prst="stripedRightArrow">
+              <a:avLst/>
+            </a:prstGeom>
+          </p:spPr>
+          <p:style>
+            <a:lnRef idx="2">
+              <a:schemeClr val="accent1">
+                <a:shade val="50000"/>
+              </a:schemeClr>
+            </a:lnRef>
+            <a:fillRef idx="1">
+              <a:schemeClr val="accent1"/>
+            </a:fillRef>
+            <a:effectRef idx="0">
+              <a:schemeClr val="accent1"/>
+            </a:effectRef>
+            <a:fontRef idx="minor">
+              <a:schemeClr val="lt1"/>
+            </a:fontRef>
+          </p:style>
+          <p:txBody>
+            <a:bodyPr rtlCol="0" anchor="ctr"/>
+            <a:lstStyle/>
+            <a:p>
+              <a:pPr algn="ctr"/>
+              <a:endParaRPr lang="fr-FR"/>
+            </a:p>
+          </p:txBody>
+        </p:sp>
+        <p:sp>
+          <p:nvSpPr>
+            <p:cNvPr id="14" name="ZoneTexte 13"/>
+            <p:cNvSpPr txBox="1"/>
+            <p:nvPr/>
+          </p:nvSpPr>
+          <p:spPr>
+            <a:xfrm>
+              <a:off x="1439149" y="5705388"/>
+              <a:ext cx="9286516" cy="646331"/>
+            </a:xfrm>
+            <a:prstGeom prst="rect">
+              <a:avLst/>
+            </a:prstGeom>
+            <a:noFill/>
+          </p:spPr>
+          <p:txBody>
+            <a:bodyPr wrap="square" rtlCol="0">
+              <a:spAutoFit/>
+            </a:bodyPr>
+            <a:lstStyle/>
+            <a:p>
+              <a:r>
+                <a:rPr lang="en-GB" b="1" dirty="0" smtClean="0"/>
+                <a:t>Conclusion </a:t>
+              </a:r>
+              <a:r>
+                <a:rPr lang="en-GB" dirty="0" smtClean="0"/>
+                <a:t>: 1. Fiction is the preferred genre of the audience</a:t>
+              </a:r>
+            </a:p>
+            <a:p>
+              <a:r>
+                <a:rPr lang="en-GB" dirty="0"/>
+                <a:t> </a:t>
+              </a:r>
+              <a:r>
+                <a:rPr lang="en-GB" dirty="0" smtClean="0"/>
+                <a:t>                      2. Animation genre has grown to reach a ceiling of 15% since 2010</a:t>
+              </a:r>
+              <a:endParaRPr lang="en-GB" dirty="0"/>
+            </a:p>
+          </p:txBody>
+        </p:sp>
+      </p:grpSp>
+      <p:grpSp>
+        <p:nvGrpSpPr>
+          <p:cNvPr id="20" name="Groupe 19"/>
+          <p:cNvGrpSpPr/>
+          <p:nvPr/>
+        </p:nvGrpSpPr>
+        <p:grpSpPr>
+          <a:xfrm>
+            <a:off x="4193058" y="2289537"/>
+            <a:ext cx="6692576" cy="2933226"/>
+            <a:chOff x="4193058" y="2289537"/>
+            <a:chExt cx="6692576" cy="2933226"/>
+          </a:xfrm>
+        </p:grpSpPr>
+        <p:grpSp>
+          <p:nvGrpSpPr>
+            <p:cNvPr id="18" name="Groupe 17"/>
+            <p:cNvGrpSpPr/>
+            <p:nvPr/>
+          </p:nvGrpSpPr>
+          <p:grpSpPr>
+            <a:xfrm>
+              <a:off x="4193058" y="2289537"/>
+              <a:ext cx="5008607" cy="2933226"/>
+              <a:chOff x="4193058" y="2289537"/>
+              <a:chExt cx="5008607" cy="2933226"/>
+            </a:xfrm>
+          </p:grpSpPr>
+          <p:sp>
+            <p:nvSpPr>
+              <p:cNvPr id="8" name="Rectangle 7"/>
+              <p:cNvSpPr/>
+              <p:nvPr/>
+            </p:nvSpPr>
+            <p:spPr>
+              <a:xfrm>
+                <a:off x="4193058" y="3089189"/>
+                <a:ext cx="2207741" cy="2133574"/>
+              </a:xfrm>
+              <a:prstGeom prst="rect">
+                <a:avLst/>
+              </a:prstGeom>
+              <a:noFill/>
+            </p:spPr>
+            <p:style>
+              <a:lnRef idx="2">
+                <a:schemeClr val="accent1">
+                  <a:shade val="50000"/>
+                </a:schemeClr>
+              </a:lnRef>
+              <a:fillRef idx="1">
+                <a:schemeClr val="accent1"/>
+              </a:fillRef>
+              <a:effectRef idx="0">
+                <a:schemeClr val="accent1"/>
+              </a:effectRef>
+              <a:fontRef idx="minor">
+                <a:schemeClr val="lt1"/>
+              </a:fontRef>
+            </p:style>
+            <p:txBody>
+              <a:bodyPr rtlCol="0" anchor="ctr"/>
+              <a:lstStyle/>
+              <a:p>
+                <a:pPr algn="ctr"/>
+                <a:endParaRPr lang="fr-FR"/>
+              </a:p>
+            </p:txBody>
+          </p:sp>
+          <p:sp>
+            <p:nvSpPr>
+              <p:cNvPr id="17" name="Flèche courbée vers le bas 16"/>
+              <p:cNvSpPr/>
+              <p:nvPr/>
+            </p:nvSpPr>
+            <p:spPr>
+              <a:xfrm>
+                <a:off x="6285470" y="2289537"/>
+                <a:ext cx="2916195" cy="706292"/>
+              </a:xfrm>
+              <a:prstGeom prst="curvedDownArrow">
+                <a:avLst/>
+              </a:prstGeom>
+            </p:spPr>
+            <p:style>
+              <a:lnRef idx="2">
+                <a:schemeClr val="accent1">
+                  <a:shade val="50000"/>
+                </a:schemeClr>
+              </a:lnRef>
+              <a:fillRef idx="1">
+                <a:schemeClr val="accent1"/>
+              </a:fillRef>
+              <a:effectRef idx="0">
+                <a:schemeClr val="accent1"/>
+              </a:effectRef>
+              <a:fontRef idx="minor">
+                <a:schemeClr val="lt1"/>
+              </a:fontRef>
+            </p:style>
+            <p:txBody>
+              <a:bodyPr rtlCol="0" anchor="ctr"/>
+              <a:lstStyle/>
+              <a:p>
+                <a:pPr algn="ctr"/>
+                <a:endParaRPr lang="fr-FR">
+                  <a:solidFill>
+                    <a:schemeClr val="tx1"/>
+                  </a:solidFill>
+                </a:endParaRPr>
+              </a:p>
+            </p:txBody>
+          </p:sp>
+        </p:grpSp>
+        <p:pic>
+          <p:nvPicPr>
+            <p:cNvPr id="19" name="Image 18"/>
+            <p:cNvPicPr>
+              <a:picLocks noChangeAspect="1"/>
+            </p:cNvPicPr>
+            <p:nvPr/>
+          </p:nvPicPr>
+          <p:blipFill>
+            <a:blip r:embed="rId4"/>
+            <a:stretch>
+              <a:fillRect/>
+            </a:stretch>
+          </p:blipFill>
+          <p:spPr>
+            <a:xfrm>
+              <a:off x="7248989" y="2995829"/>
+              <a:ext cx="3636645" cy="2226934"/>
+            </a:xfrm>
+            <a:prstGeom prst="rect">
+              <a:avLst/>
+            </a:prstGeom>
+          </p:spPr>
+        </p:pic>
+      </p:grpSp>
+    </p:spTree>
+    <p:extLst>
+      <p:ext uri="{BB962C8B-B14F-4D97-AF65-F5344CB8AC3E}">
+        <p14:creationId xmlns:p14="http://schemas.microsoft.com/office/powerpoint/2010/main" val="564485041"/>
+      </p:ext>
+    </p:extLst>
+  </p:cSld>
+  <p:clrMapOvr>
+    <a:masterClrMapping/>
+  </p:clrMapOvr>
+  <p:timing>
+    <p:tnLst>
+      <p:par>
+        <p:cTn id="1" dur="indefinite" restart="never" nodeType="tmRoot">
+          <p:childTnLst>
+            <p:seq concurrent="1" nextAc="seek">
+              <p:cTn id="2" dur="indefinite" nodeType="mainSeq">
+                <p:childTnLst>
+                  <p:par>
+                    <p:cTn id="3" fill="hold">
+                      <p:stCondLst>
+                        <p:cond delay="indefinite"/>
+                      </p:stCondLst>
+                      <p:childTnLst>
+                        <p:par>
+                          <p:cTn id="4" fill="hold">
+                            <p:stCondLst>
+                              <p:cond delay="0"/>
+                            </p:stCondLst>
+                            <p:childTnLst>
+                              <p:par>
+                                <p:cTn id="5" presetID="1" presetClass="entr" presetSubtype="0" fill="hold" nodeType="clickEffect">
+                                  <p:stCondLst>
+                                    <p:cond delay="0"/>
+                                  </p:stCondLst>
+                                  <p:childTnLst>
+                                    <p:set>
+                                      <p:cBhvr>
+                                        <p:cTn id="6" dur="1" fill="hold">
+                                          <p:stCondLst>
+                                            <p:cond delay="0"/>
+                                          </p:stCondLst>
+                                        </p:cTn>
+                                        <p:tgtEl>
+                                          <p:spTgt spid="20"/>
+                                        </p:tgtEl>
+                                        <p:attrNameLst>
+                                          <p:attrName>style.visibility</p:attrName>
+                                        </p:attrNameLst>
+                                      </p:cBhvr>
+                                      <p:to>
+                                        <p:strVal val="visible"/>
+                                      </p:to>
+                                    </p:set>
+                                  </p:childTnLst>
+                                </p:cTn>
+                              </p:par>
+                            </p:childTnLst>
+                          </p:cTn>
+                        </p:par>
+                      </p:childTnLst>
+                    </p:cTn>
+                  </p:par>
+                  <p:par>
+                    <p:cTn id="7" fill="hold">
+                      <p:stCondLst>
+                        <p:cond delay="indefinite"/>
+                      </p:stCondLst>
+                      <p:childTnLst>
+                        <p:par>
+                          <p:cTn id="8" fill="hold">
+                            <p:stCondLst>
+                              <p:cond delay="0"/>
+                            </p:stCondLst>
+                            <p:childTnLst>
+                              <p:par>
+                                <p:cTn id="9" presetID="1" presetClass="entr" presetSubtype="0" fill="hold" nodeType="clickEffect">
+                                  <p:stCondLst>
+                                    <p:cond delay="0"/>
+                                  </p:stCondLst>
+                                  <p:childTnLst>
+                                    <p:set>
+                                      <p:cBhvr>
+                                        <p:cTn id="10" dur="1" fill="hold">
+                                          <p:stCondLst>
+                                            <p:cond delay="0"/>
+                                          </p:stCondLst>
+                                        </p:cTn>
+                                        <p:tgtEl>
+                                          <p:spTgt spid="12"/>
+                                        </p:tgtEl>
+                                        <p:attrNameLst>
+                                          <p:attrName>style.visibility</p:attrName>
+                                        </p:attrNameLst>
+                                      </p:cBhvr>
+                                      <p:to>
+                                        <p:strVal val="visible"/>
+                                      </p:to>
+                                    </p:set>
+                                  </p:childTnLst>
+                                </p:cTn>
+                              </p:par>
+                            </p:childTnLst>
+                          </p:cTn>
+                        </p:par>
+                      </p:childTnLst>
+                    </p:cTn>
+                  </p:par>
+                </p:childTnLst>
+              </p:cTn>
+              <p:prevCondLst>
+                <p:cond evt="onPrev" delay="0">
+                  <p:tgtEl>
+                    <p:sldTgt/>
+                  </p:tgtEl>
+                </p:cond>
+              </p:prevCondLst>
+              <p:nextCondLst>
+                <p:cond evt="onNext" delay="0">
+                  <p:tgtEl>
+                    <p:sldTgt/>
+                  </p:tgtEl>
+                </p:cond>
+              </p:nextCondLst>
+            </p:seq>
+          </p:childTnLst>
+        </p:cTn>
+      </p:par>
+    </p:tnLst>
+  </p:timing>
+</p:sld>
+</file>
+
+<file path=ppt/slides/slide9.xml><?xml version="1.0" encoding="utf-8"?>
+<p:sld xmlns:a="http://schemas.openxmlformats.org/drawingml/2006/main" xmlns:r="http://schemas.openxmlformats.org/officeDocument/2006/relationships" xmlns:p="http://schemas.openxmlformats.org/presentationml/2006/main">
+  <p:cSld>
+    <p:spTree>
+      <p:nvGrpSpPr>
+        <p:cNvPr id="1" name=""/>
+        <p:cNvGrpSpPr/>
+        <p:nvPr/>
+      </p:nvGrpSpPr>
+      <p:grpSpPr>
+        <a:xfrm>
+          <a:off x="0" y="0"/>
+          <a:ext cx="0" cy="0"/>
+          <a:chOff x="0" y="0"/>
+          <a:chExt cx="0" cy="0"/>
+        </a:xfrm>
+      </p:grpSpPr>
+      <p:sp>
+        <p:nvSpPr>
+          <p:cNvPr id="2" name="Titre 1"/>
+          <p:cNvSpPr>
+            <a:spLocks noGrp="1"/>
+          </p:cNvSpPr>
+          <p:nvPr>
+            <p:ph type="title"/>
+          </p:nvPr>
+        </p:nvSpPr>
+        <p:spPr/>
+        <p:txBody>
+          <a:bodyPr/>
+          <a:lstStyle/>
+          <a:p>
+            <a:r>
+              <a:rPr lang="en-GB" dirty="0"/>
+              <a:t>3. </a:t>
+            </a:r>
+            <a:r>
+              <a:rPr lang="en-GB" dirty="0" smtClean="0"/>
+              <a:t>Business review : 80s vs 10s</a:t>
+            </a:r>
+            <a:endParaRPr lang="fr-FR" dirty="0"/>
+          </a:p>
+        </p:txBody>
+      </p:sp>
+      <p:sp>
+        <p:nvSpPr>
+          <p:cNvPr id="3" name="Espace réservé du texte 2"/>
+          <p:cNvSpPr>
+            <a:spLocks noGrp="1"/>
+          </p:cNvSpPr>
+          <p:nvPr>
+            <p:ph type="body" idx="1"/>
+          </p:nvPr>
+        </p:nvSpPr>
+        <p:spPr/>
+        <p:txBody>
+          <a:bodyPr/>
+          <a:lstStyle/>
+          <a:p>
+            <a:r>
+              <a:rPr lang="fr-FR" dirty="0" smtClean="0"/>
+              <a:t>Revenue vs admissions</a:t>
+            </a:r>
+            <a:endParaRPr lang="fr-FR" dirty="0"/>
+          </a:p>
+        </p:txBody>
+      </p:sp>
+      <p:sp>
+        <p:nvSpPr>
+          <p:cNvPr id="4" name="Espace réservé du contenu 3"/>
+          <p:cNvSpPr>
+            <a:spLocks noGrp="1"/>
+          </p:cNvSpPr>
+          <p:nvPr>
+            <p:ph sz="half" idx="2"/>
+          </p:nvPr>
+        </p:nvSpPr>
+        <p:spPr/>
+        <p:txBody>
+          <a:bodyPr>
+            <a:normAutofit fontScale="92500" lnSpcReduction="20000"/>
+          </a:bodyPr>
+          <a:lstStyle/>
+          <a:p>
+            <a:pPr lvl="0">
+              <a:buClr>
+                <a:srgbClr val="D34817"/>
+              </a:buClr>
+              <a:buFont typeface="Arial" panose="020B0604020202020204" pitchFamily="34" charset="0"/>
+              <a:buChar char="•"/>
+            </a:pPr>
+            <a:endParaRPr lang="en-GB" dirty="0" smtClean="0">
+              <a:solidFill>
+                <a:prstClr val="black">
+                  <a:lumMod val="75000"/>
+                  <a:lumOff val="25000"/>
+                </a:prstClr>
+              </a:solidFill>
+            </a:endParaRPr>
+          </a:p>
+          <a:p>
+            <a:pPr lvl="0">
+              <a:buClr>
+                <a:srgbClr val="D34817"/>
+              </a:buClr>
+              <a:buFont typeface="Arial" panose="020B0604020202020204" pitchFamily="34" charset="0"/>
+              <a:buChar char="•"/>
+            </a:pPr>
+            <a:endParaRPr lang="en-GB" dirty="0">
+              <a:solidFill>
+                <a:prstClr val="black">
+                  <a:lumMod val="75000"/>
+                  <a:lumOff val="25000"/>
+                </a:prstClr>
+              </a:solidFill>
+            </a:endParaRPr>
+          </a:p>
+          <a:p>
+            <a:pPr lvl="0">
+              <a:buClr>
+                <a:srgbClr val="D34817"/>
+              </a:buClr>
+              <a:buFont typeface="Arial" panose="020B0604020202020204" pitchFamily="34" charset="0"/>
+              <a:buChar char="•"/>
+            </a:pPr>
+            <a:endParaRPr lang="en-GB" dirty="0" smtClean="0">
+              <a:solidFill>
+                <a:prstClr val="black">
+                  <a:lumMod val="75000"/>
+                  <a:lumOff val="25000"/>
+                </a:prstClr>
+              </a:solidFill>
+            </a:endParaRPr>
+          </a:p>
+          <a:p>
+            <a:pPr lvl="0">
+              <a:buClr>
+                <a:srgbClr val="D34817"/>
+              </a:buClr>
+              <a:buFont typeface="Arial" panose="020B0604020202020204" pitchFamily="34" charset="0"/>
+              <a:buChar char="•"/>
+            </a:pPr>
+            <a:endParaRPr lang="en-GB" dirty="0">
+              <a:solidFill>
+                <a:prstClr val="black">
+                  <a:lumMod val="75000"/>
+                  <a:lumOff val="25000"/>
+                </a:prstClr>
+              </a:solidFill>
+            </a:endParaRPr>
+          </a:p>
+          <a:p>
+            <a:pPr marL="0" lvl="0" indent="0">
+              <a:buClr>
+                <a:srgbClr val="D34817"/>
+              </a:buClr>
+              <a:buNone/>
+            </a:pPr>
+            <a:endParaRPr lang="en-GB" dirty="0" smtClean="0">
+              <a:solidFill>
+                <a:prstClr val="black">
+                  <a:lumMod val="75000"/>
+                  <a:lumOff val="25000"/>
+                </a:prstClr>
+              </a:solidFill>
+            </a:endParaRPr>
+          </a:p>
+          <a:p>
+            <a:pPr marL="0" lvl="0" indent="0">
+              <a:buClr>
+                <a:srgbClr val="D34817"/>
+              </a:buClr>
+              <a:buNone/>
+            </a:pPr>
+            <a:endParaRPr lang="en-GB" dirty="0">
+              <a:solidFill>
+                <a:prstClr val="black">
+                  <a:lumMod val="75000"/>
+                  <a:lumOff val="25000"/>
+                </a:prstClr>
+              </a:solidFill>
+            </a:endParaRPr>
+          </a:p>
+          <a:p>
+            <a:pPr marL="0" lvl="0" indent="0">
+              <a:buClr>
+                <a:srgbClr val="D34817"/>
+              </a:buClr>
+              <a:buNone/>
+            </a:pPr>
+            <a:endParaRPr lang="en-GB" dirty="0" smtClean="0">
+              <a:solidFill>
+                <a:prstClr val="black">
+                  <a:lumMod val="75000"/>
+                  <a:lumOff val="25000"/>
+                </a:prstClr>
+              </a:solidFill>
+            </a:endParaRPr>
+          </a:p>
+          <a:p>
+            <a:pPr lvl="0">
+              <a:buClr>
+                <a:srgbClr val="D34817"/>
+              </a:buClr>
+              <a:buFont typeface="Arial" panose="020B0604020202020204" pitchFamily="34" charset="0"/>
+              <a:buChar char="•"/>
+            </a:pPr>
+            <a:r>
+              <a:rPr lang="en-GB" dirty="0" smtClean="0">
+                <a:solidFill>
+                  <a:prstClr val="black">
+                    <a:lumMod val="75000"/>
+                    <a:lumOff val="25000"/>
+                  </a:prstClr>
+                </a:solidFill>
+              </a:rPr>
+              <a:t> Admissions : from 190M/y to 210M/y</a:t>
+            </a:r>
+          </a:p>
+          <a:p>
+            <a:pPr lvl="0">
+              <a:buClr>
+                <a:srgbClr val="D34817"/>
+              </a:buClr>
+              <a:buFont typeface="Arial" panose="020B0604020202020204" pitchFamily="34" charset="0"/>
+              <a:buChar char="•"/>
+            </a:pPr>
+            <a:r>
+              <a:rPr lang="en-GB" dirty="0" smtClean="0">
+                <a:solidFill>
+                  <a:prstClr val="black">
+                    <a:lumMod val="75000"/>
+                    <a:lumOff val="25000"/>
+                  </a:prstClr>
+                </a:solidFill>
+              </a:rPr>
+              <a:t> Revenues : from 0,7Md€/y to 1,4 </a:t>
+            </a:r>
+            <a:r>
+              <a:rPr lang="en-GB" dirty="0" err="1" smtClean="0">
+                <a:solidFill>
+                  <a:prstClr val="black">
+                    <a:lumMod val="75000"/>
+                    <a:lumOff val="25000"/>
+                  </a:prstClr>
+                </a:solidFill>
+              </a:rPr>
+              <a:t>Md</a:t>
+            </a:r>
+            <a:r>
+              <a:rPr lang="en-GB" dirty="0" smtClean="0">
+                <a:solidFill>
+                  <a:prstClr val="black">
+                    <a:lumMod val="75000"/>
+                    <a:lumOff val="25000"/>
+                  </a:prstClr>
+                </a:solidFill>
+              </a:rPr>
+              <a:t>/y</a:t>
+            </a:r>
+            <a:endParaRPr lang="en-GB" dirty="0">
+              <a:solidFill>
+                <a:prstClr val="black">
+                  <a:lumMod val="75000"/>
+                  <a:lumOff val="25000"/>
+                </a:prstClr>
+              </a:solidFill>
+            </a:endParaRPr>
+          </a:p>
+          <a:p>
+            <a:endParaRPr lang="fr-FR" dirty="0"/>
+          </a:p>
+        </p:txBody>
+      </p:sp>
+      <p:sp>
+        <p:nvSpPr>
+          <p:cNvPr id="5" name="Espace réservé du texte 4"/>
+          <p:cNvSpPr>
+            <a:spLocks noGrp="1"/>
+          </p:cNvSpPr>
+          <p:nvPr>
+            <p:ph type="body" sz="quarter" idx="3"/>
+          </p:nvPr>
+        </p:nvSpPr>
+        <p:spPr/>
+        <p:txBody>
+          <a:bodyPr/>
+          <a:lstStyle/>
+          <a:p>
+            <a:r>
+              <a:rPr lang="fr-FR" dirty="0" smtClean="0"/>
+              <a:t>inflation</a:t>
+            </a:r>
+            <a:endParaRPr lang="fr-FR" dirty="0"/>
+          </a:p>
+        </p:txBody>
+      </p:sp>
+      <p:sp>
+        <p:nvSpPr>
+          <p:cNvPr id="6" name="Espace réservé du contenu 5"/>
+          <p:cNvSpPr>
+            <a:spLocks noGrp="1"/>
+          </p:cNvSpPr>
+          <p:nvPr>
+            <p:ph sz="quarter" idx="4"/>
+          </p:nvPr>
+        </p:nvSpPr>
+        <p:spPr/>
+        <p:txBody>
+          <a:bodyPr>
+            <a:normAutofit lnSpcReduction="10000"/>
+          </a:bodyPr>
+          <a:lstStyle/>
+          <a:p>
+            <a:endParaRPr lang="fr-FR" dirty="0" smtClean="0"/>
+          </a:p>
+          <a:p>
+            <a:endParaRPr lang="fr-FR" dirty="0"/>
+          </a:p>
+          <a:p>
+            <a:endParaRPr lang="fr-FR" dirty="0" smtClean="0"/>
+          </a:p>
+          <a:p>
+            <a:endParaRPr lang="fr-FR" dirty="0" smtClean="0"/>
+          </a:p>
+          <a:p>
+            <a:endParaRPr lang="fr-FR" dirty="0"/>
+          </a:p>
+          <a:p>
+            <a:endParaRPr lang="fr-FR" dirty="0" smtClean="0"/>
+          </a:p>
+          <a:p>
+            <a:pPr lvl="0">
+              <a:buClr>
+                <a:srgbClr val="D34817"/>
+              </a:buClr>
+              <a:buFont typeface="Arial" panose="020B0604020202020204" pitchFamily="34" charset="0"/>
+              <a:buChar char="•"/>
+            </a:pPr>
+            <a:r>
+              <a:rPr lang="en-GB" sz="1900" dirty="0" smtClean="0">
+                <a:solidFill>
+                  <a:prstClr val="black">
+                    <a:lumMod val="75000"/>
+                    <a:lumOff val="25000"/>
+                  </a:prstClr>
+                </a:solidFill>
+              </a:rPr>
+              <a:t> Inflation: +122% between 1983 and 2019</a:t>
+            </a:r>
+          </a:p>
+          <a:p>
+            <a:pPr lvl="1">
+              <a:buClr>
+                <a:srgbClr val="D34817"/>
+              </a:buClr>
+              <a:buFont typeface="Arial" panose="020B0604020202020204" pitchFamily="34" charset="0"/>
+              <a:buChar char="•"/>
+            </a:pPr>
+            <a:r>
+              <a:rPr lang="en-GB" sz="1700" dirty="0" smtClean="0">
+                <a:solidFill>
+                  <a:prstClr val="black">
+                    <a:lumMod val="75000"/>
+                    <a:lumOff val="25000"/>
+                  </a:prstClr>
+                </a:solidFill>
+              </a:rPr>
+              <a:t> 0,7 </a:t>
+            </a:r>
+            <a:r>
+              <a:rPr lang="en-GB" sz="1700" dirty="0" err="1" smtClean="0">
+                <a:solidFill>
+                  <a:prstClr val="black">
+                    <a:lumMod val="75000"/>
+                    <a:lumOff val="25000"/>
+                  </a:prstClr>
+                </a:solidFill>
+              </a:rPr>
+              <a:t>Md</a:t>
+            </a:r>
+            <a:r>
+              <a:rPr lang="en-GB" sz="1700" dirty="0" smtClean="0">
+                <a:solidFill>
+                  <a:prstClr val="black">
+                    <a:lumMod val="75000"/>
+                    <a:lumOff val="25000"/>
+                  </a:prstClr>
+                </a:solidFill>
+              </a:rPr>
+              <a:t>€ </a:t>
+            </a:r>
+            <a:r>
+              <a:rPr lang="en-GB" sz="1700" dirty="0" smtClean="0">
+                <a:solidFill>
+                  <a:prstClr val="black">
+                    <a:lumMod val="75000"/>
+                    <a:lumOff val="25000"/>
+                  </a:prstClr>
+                </a:solidFill>
+                <a:sym typeface="Symbol" panose="05050102010706020507" pitchFamily="18" charset="2"/>
+              </a:rPr>
+              <a:t> </a:t>
+            </a:r>
+            <a:r>
+              <a:rPr lang="en-GB" sz="1700" dirty="0" smtClean="0">
+                <a:solidFill>
+                  <a:prstClr val="black">
+                    <a:lumMod val="75000"/>
+                    <a:lumOff val="25000"/>
+                  </a:prstClr>
+                </a:solidFill>
+              </a:rPr>
+              <a:t>today’s 1,5 </a:t>
+            </a:r>
+            <a:r>
+              <a:rPr lang="en-GB" sz="1700" dirty="0" err="1" smtClean="0">
+                <a:solidFill>
+                  <a:prstClr val="black">
+                    <a:lumMod val="75000"/>
+                    <a:lumOff val="25000"/>
+                  </a:prstClr>
+                </a:solidFill>
+              </a:rPr>
+              <a:t>Md</a:t>
+            </a:r>
+            <a:r>
+              <a:rPr lang="en-GB" sz="1700" dirty="0" smtClean="0">
+                <a:solidFill>
+                  <a:prstClr val="black">
+                    <a:lumMod val="75000"/>
+                    <a:lumOff val="25000"/>
+                  </a:prstClr>
+                </a:solidFill>
+              </a:rPr>
+              <a:t>€ with this rate</a:t>
+            </a:r>
+            <a:endParaRPr lang="en-GB" sz="1700" dirty="0">
+              <a:solidFill>
+                <a:prstClr val="black">
+                  <a:lumMod val="75000"/>
+                  <a:lumOff val="25000"/>
+                </a:prstClr>
+              </a:solidFill>
+            </a:endParaRPr>
+          </a:p>
+          <a:p>
+            <a:endParaRPr lang="fr-FR" dirty="0" smtClean="0"/>
+          </a:p>
+          <a:p>
+            <a:endParaRPr lang="fr-FR" dirty="0" smtClean="0"/>
+          </a:p>
+          <a:p>
+            <a:endParaRPr lang="fr-FR" dirty="0"/>
+          </a:p>
+          <a:p>
+            <a:endParaRPr lang="fr-FR" dirty="0" smtClean="0"/>
+          </a:p>
+          <a:p>
+            <a:endParaRPr lang="fr-FR" dirty="0"/>
+          </a:p>
+          <a:p>
+            <a:pPr marL="0" indent="0">
+              <a:buNone/>
+            </a:pPr>
+            <a:endParaRPr lang="fr-FR" dirty="0"/>
+          </a:p>
+        </p:txBody>
+      </p:sp>
+      <p:pic>
+        <p:nvPicPr>
+          <p:cNvPr id="7" name="Image 6"/>
+          <p:cNvPicPr>
+            <a:picLocks noChangeAspect="1"/>
+          </p:cNvPicPr>
+          <p:nvPr/>
+        </p:nvPicPr>
+        <p:blipFill>
+          <a:blip r:embed="rId2"/>
+          <a:stretch>
+            <a:fillRect/>
+          </a:stretch>
+        </p:blipFill>
+        <p:spPr>
+          <a:xfrm>
+            <a:off x="849966" y="2403040"/>
+            <a:ext cx="4933950" cy="2847975"/>
+          </a:xfrm>
+          <a:prstGeom prst="rect">
+            <a:avLst/>
+          </a:prstGeom>
+        </p:spPr>
+      </p:pic>
+      <p:pic>
+        <p:nvPicPr>
+          <p:cNvPr id="8" name="Image 7"/>
+          <p:cNvPicPr>
+            <a:picLocks noChangeAspect="1"/>
+          </p:cNvPicPr>
+          <p:nvPr/>
+        </p:nvPicPr>
+        <p:blipFill>
+          <a:blip r:embed="rId3"/>
+          <a:stretch>
+            <a:fillRect/>
+          </a:stretch>
+        </p:blipFill>
+        <p:spPr>
+          <a:xfrm>
+            <a:off x="6631978" y="2582334"/>
+            <a:ext cx="3216783" cy="2143182"/>
+          </a:xfrm>
+          <a:prstGeom prst="rect">
+            <a:avLst/>
+          </a:prstGeom>
+        </p:spPr>
+      </p:pic>
+      <p:pic>
+        <p:nvPicPr>
+          <p:cNvPr id="9" name="Picture 2" descr="File:Gaumont logo.svg - Wikimedia Commons"/>
+          <p:cNvPicPr>
+            <a:picLocks noChangeAspect="1" noChangeArrowheads="1"/>
+          </p:cNvPicPr>
+          <p:nvPr/>
+        </p:nvPicPr>
+        <p:blipFill>
+          <a:blip r:embed="rId4">
+            <a:extLst>
+              <a:ext uri="{28A0092B-C50C-407E-A947-70E740481C1C}">
+                <a14:useLocalDpi xmlns:a14="http://schemas.microsoft.com/office/drawing/2010/main" val="0"/>
+              </a:ext>
+            </a:extLst>
+          </a:blip>
+          <a:srcRect/>
+          <a:stretch>
+            <a:fillRect/>
+          </a:stretch>
+        </p:blipFill>
+        <p:spPr bwMode="auto">
+          <a:xfrm>
+            <a:off x="10354156" y="539886"/>
+            <a:ext cx="1402045" cy="472095"/>
+          </a:xfrm>
+          <a:prstGeom prst="rect">
+            <a:avLst/>
+          </a:prstGeom>
+          <a:noFill/>
+          <a:extLst>
+            <a:ext uri="{909E8E84-426E-40DD-AFC4-6F175D3DCCD1}">
+              <a14:hiddenFill xmlns:a14="http://schemas.microsoft.com/office/drawing/2010/main">
+                <a:solidFill>
+                  <a:srgbClr val="FFFFFF"/>
+                </a:solidFill>
+              </a14:hiddenFill>
+            </a:ext>
+          </a:extLst>
+        </p:spPr>
+      </p:pic>
+    </p:spTree>
+    <p:extLst>
+      <p:ext uri="{BB962C8B-B14F-4D97-AF65-F5344CB8AC3E}">
+        <p14:creationId xmlns:p14="http://schemas.microsoft.com/office/powerpoint/2010/main" val="2916227317"/>
+      </p:ext>
+    </p:extLst>
+  </p:cSld>
+  <p:clrMapOvr>
+    <a:masterClrMapping/>
+  </p:clrMapOvr>
+  <p:timing>
+    <p:tnLst>
+      <p:par>
+        <p:cTn id="1" dur="indefinite" restart="never" nodeType="tmRoot">
+          <p:childTnLst>
+            <p:seq concurrent="1" nextAc="seek">
+              <p:cTn id="2" dur="indefinite" nodeType="mainSeq">
+                <p:childTnLst>
+                  <p:par>
+                    <p:cTn id="3" fill="hold">
+                      <p:stCondLst>
+                        <p:cond delay="indefinite"/>
+                      </p:stCondLst>
+                      <p:childTnLst>
+                        <p:par>
+                          <p:cTn id="4" fill="hold">
+                            <p:stCondLst>
+                              <p:cond delay="0"/>
+                            </p:stCondLst>
+                            <p:childTnLst>
+                              <p:par>
+                                <p:cTn id="5" presetID="1" presetClass="entr" presetSubtype="0" fill="hold" grpId="0" nodeType="clickEffect">
+                                  <p:stCondLst>
+                                    <p:cond delay="0"/>
+                                  </p:stCondLst>
+                                  <p:childTnLst>
+                                    <p:set>
+                                      <p:cBhvr>
+                                        <p:cTn id="6" dur="1" fill="hold">
+                                          <p:stCondLst>
+                                            <p:cond delay="0"/>
+                                          </p:stCondLst>
+                                        </p:cTn>
+                                        <p:tgtEl>
+                                          <p:spTgt spid="5">
+                                            <p:txEl>
+                                              <p:pRg st="0" end="0"/>
+                                            </p:txEl>
+                                          </p:spTgt>
+                                        </p:tgtEl>
+                                        <p:attrNameLst>
+                                          <p:attrName>style.visibility</p:attrName>
+                                        </p:attrNameLst>
+                                      </p:cBhvr>
+                                      <p:to>
+                                        <p:strVal val="visible"/>
+                                      </p:to>
+                                    </p:set>
+                                  </p:childTnLst>
+                                </p:cTn>
+                              </p:par>
+                              <p:par>
+                                <p:cTn id="7" presetID="1" presetClass="entr" presetSubtype="0" fill="hold" nodeType="withEffect">
+                                  <p:stCondLst>
+                                    <p:cond delay="0"/>
+                                  </p:stCondLst>
+                                  <p:childTnLst>
+                                    <p:set>
+                                      <p:cBhvr>
+                                        <p:cTn id="8" dur="1" fill="hold">
+                                          <p:stCondLst>
+                                            <p:cond delay="0"/>
+                                          </p:stCondLst>
+                                        </p:cTn>
+                                        <p:tgtEl>
+                                          <p:spTgt spid="8"/>
+                                        </p:tgtEl>
+                                        <p:attrNameLst>
+                                          <p:attrName>style.visibility</p:attrName>
+                                        </p:attrNameLst>
+                                      </p:cBhvr>
+                                      <p:to>
+                                        <p:strVal val="visible"/>
+                                      </p:to>
+                                    </p:set>
+                                  </p:childTnLst>
+                                </p:cTn>
+                              </p:par>
+                              <p:par>
+                                <p:cTn id="9" presetID="1" presetClass="entr" presetSubtype="0" fill="hold" grpId="0" nodeType="withEffect">
+                                  <p:stCondLst>
+                                    <p:cond delay="0"/>
+                                  </p:stCondLst>
+                                  <p:childTnLst>
+                                    <p:set>
+                                      <p:cBhvr>
+                                        <p:cTn id="10" dur="1" fill="hold">
+                                          <p:stCondLst>
+                                            <p:cond delay="0"/>
+                                          </p:stCondLst>
+                                        </p:cTn>
+                                        <p:tgtEl>
+                                          <p:spTgt spid="6">
+                                            <p:txEl>
+                                              <p:pRg st="6" end="6"/>
+                                            </p:txEl>
+                                          </p:spTgt>
+                                        </p:tgtEl>
+                                        <p:attrNameLst>
+                                          <p:attrName>style.visibility</p:attrName>
+                                        </p:attrNameLst>
+                                      </p:cBhvr>
+                                      <p:to>
+                                        <p:strVal val="visible"/>
+                                      </p:to>
+                                    </p:set>
+                                  </p:childTnLst>
+                                </p:cTn>
+                              </p:par>
+                              <p:par>
+                                <p:cTn id="11" presetID="1" presetClass="entr" presetSubtype="0" fill="hold" grpId="0" nodeType="withEffect">
+                                  <p:stCondLst>
+                                    <p:cond delay="0"/>
+                                  </p:stCondLst>
+                                  <p:childTnLst>
+                                    <p:set>
+                                      <p:cBhvr>
+                                        <p:cTn id="12" dur="1" fill="hold">
+                                          <p:stCondLst>
+                                            <p:cond delay="0"/>
+                                          </p:stCondLst>
+                                        </p:cTn>
+                                        <p:tgtEl>
+                                          <p:spTgt spid="6">
+                                            <p:txEl>
+                                              <p:pRg st="7" end="7"/>
+                                            </p:txEl>
+                                          </p:spTgt>
+                                        </p:tgtEl>
+                                        <p:attrNameLst>
+                                          <p:attrName>style.visibility</p:attrName>
+                                        </p:attrNameLst>
+                                      </p:cBhvr>
+                                      <p:to>
+                                        <p:strVal val="visible"/>
+                                      </p:to>
+                                    </p:set>
+                                  </p:childTnLst>
+                                </p:cTn>
+                              </p:par>
+                            </p:childTnLst>
+                          </p:cTn>
+                        </p:par>
+                      </p:childTnLst>
+                    </p:cTn>
+                  </p:par>
+                </p:childTnLst>
+              </p:cTn>
+              <p:prevCondLst>
+                <p:cond evt="onPrev" delay="0">
+                  <p:tgtEl>
+                    <p:sldTgt/>
+                  </p:tgtEl>
+                </p:cond>
+              </p:prevCondLst>
+              <p:nextCondLst>
+                <p:cond evt="onNext" delay="0">
+                  <p:tgtEl>
+                    <p:sldTgt/>
+                  </p:tgtEl>
+                </p:cond>
+              </p:nextCondLst>
+            </p:seq>
+          </p:childTnLst>
+        </p:cTn>
+      </p:par>
+    </p:tnLst>
+    <p:bldLst>
+      <p:bldP spid="5" grpId="0" build="p"/>
+      <p:bldP spid="6" grpId="0" build="p"/>
+    </p:bldLst>
   </p:timing>
 </p:sld>
 </file>
